--- a/Later/Spring_Later/19_JMS/6/Spring_JMS_RabbitMQ Example.pptx
+++ b/Later/Spring_Later/19_JMS/6/Spring_JMS_RabbitMQ Example.pptx
@@ -5,12 +5,18 @@
     <p:sldMasterId id="2147483672" r:id="rId1"/>
   </p:sldMasterIdLst>
   <p:notesMasterIdLst>
-    <p:notesMasterId r:id="rId5"/>
+    <p:notesMasterId r:id="rId11"/>
   </p:notesMasterIdLst>
   <p:sldIdLst>
     <p:sldId id="458" r:id="rId2"/>
-    <p:sldId id="464" r:id="rId3"/>
-    <p:sldId id="468" r:id="rId4"/>
+    <p:sldId id="469" r:id="rId3"/>
+    <p:sldId id="464" r:id="rId4"/>
+    <p:sldId id="470" r:id="rId5"/>
+    <p:sldId id="471" r:id="rId6"/>
+    <p:sldId id="472" r:id="rId7"/>
+    <p:sldId id="468" r:id="rId8"/>
+    <p:sldId id="473" r:id="rId9"/>
+    <p:sldId id="474" r:id="rId10"/>
   </p:sldIdLst>
   <p:sldSz cx="9144000" cy="5029200"/>
   <p:notesSz cx="6858000" cy="9144000"/>
@@ -711,6 +717,540 @@
             <a:fld id="{A883C400-BD9D-4609-A213-F91E9750031E}" type="slidenum">
               <a:rPr lang="en-US" smtClean="0"/>
               <a:t>3</a:t>
+            </a:fld>
+            <a:endParaRPr lang="en-US" dirty="0"/>
+          </a:p>
+        </p:txBody>
+      </p:sp>
+    </p:spTree>
+    <p:extLst>
+      <p:ext uri="{BB962C8B-B14F-4D97-AF65-F5344CB8AC3E}">
+        <p14:creationId xmlns:p14="http://schemas.microsoft.com/office/powerpoint/2010/main" val="4195558700"/>
+      </p:ext>
+    </p:extLst>
+  </p:cSld>
+  <p:clrMapOvr>
+    <a:masterClrMapping/>
+  </p:clrMapOvr>
+</p:notes>
+</file>
+
+<file path=ppt/notesSlides/notesSlide4.xml><?xml version="1.0" encoding="utf-8"?>
+<p:notes xmlns:a="http://schemas.openxmlformats.org/drawingml/2006/main" xmlns:r="http://schemas.openxmlformats.org/officeDocument/2006/relationships" xmlns:p="http://schemas.openxmlformats.org/presentationml/2006/main">
+  <p:cSld>
+    <p:spTree>
+      <p:nvGrpSpPr>
+        <p:cNvPr id="1" name=""/>
+        <p:cNvGrpSpPr/>
+        <p:nvPr/>
+      </p:nvGrpSpPr>
+      <p:grpSpPr>
+        <a:xfrm>
+          <a:off x="0" y="0"/>
+          <a:ext cx="0" cy="0"/>
+          <a:chOff x="0" y="0"/>
+          <a:chExt cx="0" cy="0"/>
+        </a:xfrm>
+      </p:grpSpPr>
+      <p:sp>
+        <p:nvSpPr>
+          <p:cNvPr id="2" name="Slide Image Placeholder 1"/>
+          <p:cNvSpPr>
+            <a:spLocks noGrp="1" noRot="1" noChangeAspect="1"/>
+          </p:cNvSpPr>
+          <p:nvPr>
+            <p:ph type="sldImg"/>
+          </p:nvPr>
+        </p:nvSpPr>
+        <p:spPr>
+          <a:xfrm>
+            <a:off x="312738" y="685800"/>
+            <a:ext cx="6232525" cy="3429000"/>
+          </a:xfrm>
+        </p:spPr>
+      </p:sp>
+      <p:sp>
+        <p:nvSpPr>
+          <p:cNvPr id="3" name="Notes Placeholder 2"/>
+          <p:cNvSpPr>
+            <a:spLocks noGrp="1"/>
+          </p:cNvSpPr>
+          <p:nvPr>
+            <p:ph type="body" idx="1"/>
+          </p:nvPr>
+        </p:nvSpPr>
+        <p:spPr/>
+        <p:txBody>
+          <a:bodyPr/>
+          <a:lstStyle/>
+          <a:p>
+            <a:endParaRPr lang="en-US" dirty="0"/>
+          </a:p>
+        </p:txBody>
+      </p:sp>
+      <p:sp>
+        <p:nvSpPr>
+          <p:cNvPr id="4" name="Slide Number Placeholder 3"/>
+          <p:cNvSpPr>
+            <a:spLocks noGrp="1"/>
+          </p:cNvSpPr>
+          <p:nvPr>
+            <p:ph type="sldNum" sz="quarter" idx="10"/>
+          </p:nvPr>
+        </p:nvSpPr>
+        <p:spPr/>
+        <p:txBody>
+          <a:bodyPr/>
+          <a:lstStyle/>
+          <a:p>
+            <a:fld id="{A883C400-BD9D-4609-A213-F91E9750031E}" type="slidenum">
+              <a:rPr lang="en-US" smtClean="0"/>
+              <a:t>4</a:t>
+            </a:fld>
+            <a:endParaRPr lang="en-US" dirty="0"/>
+          </a:p>
+        </p:txBody>
+      </p:sp>
+    </p:spTree>
+    <p:extLst>
+      <p:ext uri="{BB962C8B-B14F-4D97-AF65-F5344CB8AC3E}">
+        <p14:creationId xmlns:p14="http://schemas.microsoft.com/office/powerpoint/2010/main" val="4195558700"/>
+      </p:ext>
+    </p:extLst>
+  </p:cSld>
+  <p:clrMapOvr>
+    <a:masterClrMapping/>
+  </p:clrMapOvr>
+</p:notes>
+</file>
+
+<file path=ppt/notesSlides/notesSlide5.xml><?xml version="1.0" encoding="utf-8"?>
+<p:notes xmlns:a="http://schemas.openxmlformats.org/drawingml/2006/main" xmlns:r="http://schemas.openxmlformats.org/officeDocument/2006/relationships" xmlns:p="http://schemas.openxmlformats.org/presentationml/2006/main">
+  <p:cSld>
+    <p:spTree>
+      <p:nvGrpSpPr>
+        <p:cNvPr id="1" name=""/>
+        <p:cNvGrpSpPr/>
+        <p:nvPr/>
+      </p:nvGrpSpPr>
+      <p:grpSpPr>
+        <a:xfrm>
+          <a:off x="0" y="0"/>
+          <a:ext cx="0" cy="0"/>
+          <a:chOff x="0" y="0"/>
+          <a:chExt cx="0" cy="0"/>
+        </a:xfrm>
+      </p:grpSpPr>
+      <p:sp>
+        <p:nvSpPr>
+          <p:cNvPr id="2" name="Slide Image Placeholder 1"/>
+          <p:cNvSpPr>
+            <a:spLocks noGrp="1" noRot="1" noChangeAspect="1"/>
+          </p:cNvSpPr>
+          <p:nvPr>
+            <p:ph type="sldImg"/>
+          </p:nvPr>
+        </p:nvSpPr>
+        <p:spPr>
+          <a:xfrm>
+            <a:off x="312738" y="685800"/>
+            <a:ext cx="6232525" cy="3429000"/>
+          </a:xfrm>
+        </p:spPr>
+      </p:sp>
+      <p:sp>
+        <p:nvSpPr>
+          <p:cNvPr id="3" name="Notes Placeholder 2"/>
+          <p:cNvSpPr>
+            <a:spLocks noGrp="1"/>
+          </p:cNvSpPr>
+          <p:nvPr>
+            <p:ph type="body" idx="1"/>
+          </p:nvPr>
+        </p:nvSpPr>
+        <p:spPr/>
+        <p:txBody>
+          <a:bodyPr/>
+          <a:lstStyle/>
+          <a:p>
+            <a:endParaRPr lang="en-US" dirty="0"/>
+          </a:p>
+        </p:txBody>
+      </p:sp>
+      <p:sp>
+        <p:nvSpPr>
+          <p:cNvPr id="4" name="Slide Number Placeholder 3"/>
+          <p:cNvSpPr>
+            <a:spLocks noGrp="1"/>
+          </p:cNvSpPr>
+          <p:nvPr>
+            <p:ph type="sldNum" sz="quarter" idx="10"/>
+          </p:nvPr>
+        </p:nvSpPr>
+        <p:spPr/>
+        <p:txBody>
+          <a:bodyPr/>
+          <a:lstStyle/>
+          <a:p>
+            <a:fld id="{A883C400-BD9D-4609-A213-F91E9750031E}" type="slidenum">
+              <a:rPr lang="en-US" smtClean="0"/>
+              <a:t>5</a:t>
+            </a:fld>
+            <a:endParaRPr lang="en-US" dirty="0"/>
+          </a:p>
+        </p:txBody>
+      </p:sp>
+    </p:spTree>
+    <p:extLst>
+      <p:ext uri="{BB962C8B-B14F-4D97-AF65-F5344CB8AC3E}">
+        <p14:creationId xmlns:p14="http://schemas.microsoft.com/office/powerpoint/2010/main" val="4195558700"/>
+      </p:ext>
+    </p:extLst>
+  </p:cSld>
+  <p:clrMapOvr>
+    <a:masterClrMapping/>
+  </p:clrMapOvr>
+</p:notes>
+</file>
+
+<file path=ppt/notesSlides/notesSlide6.xml><?xml version="1.0" encoding="utf-8"?>
+<p:notes xmlns:a="http://schemas.openxmlformats.org/drawingml/2006/main" xmlns:r="http://schemas.openxmlformats.org/officeDocument/2006/relationships" xmlns:p="http://schemas.openxmlformats.org/presentationml/2006/main">
+  <p:cSld>
+    <p:spTree>
+      <p:nvGrpSpPr>
+        <p:cNvPr id="1" name=""/>
+        <p:cNvGrpSpPr/>
+        <p:nvPr/>
+      </p:nvGrpSpPr>
+      <p:grpSpPr>
+        <a:xfrm>
+          <a:off x="0" y="0"/>
+          <a:ext cx="0" cy="0"/>
+          <a:chOff x="0" y="0"/>
+          <a:chExt cx="0" cy="0"/>
+        </a:xfrm>
+      </p:grpSpPr>
+      <p:sp>
+        <p:nvSpPr>
+          <p:cNvPr id="2" name="Slide Image Placeholder 1"/>
+          <p:cNvSpPr>
+            <a:spLocks noGrp="1" noRot="1" noChangeAspect="1"/>
+          </p:cNvSpPr>
+          <p:nvPr>
+            <p:ph type="sldImg"/>
+          </p:nvPr>
+        </p:nvSpPr>
+        <p:spPr>
+          <a:xfrm>
+            <a:off x="312738" y="685800"/>
+            <a:ext cx="6232525" cy="3429000"/>
+          </a:xfrm>
+        </p:spPr>
+      </p:sp>
+      <p:sp>
+        <p:nvSpPr>
+          <p:cNvPr id="3" name="Notes Placeholder 2"/>
+          <p:cNvSpPr>
+            <a:spLocks noGrp="1"/>
+          </p:cNvSpPr>
+          <p:nvPr>
+            <p:ph type="body" idx="1"/>
+          </p:nvPr>
+        </p:nvSpPr>
+        <p:spPr/>
+        <p:txBody>
+          <a:bodyPr/>
+          <a:lstStyle/>
+          <a:p>
+            <a:endParaRPr lang="en-US" dirty="0"/>
+          </a:p>
+        </p:txBody>
+      </p:sp>
+      <p:sp>
+        <p:nvSpPr>
+          <p:cNvPr id="4" name="Slide Number Placeholder 3"/>
+          <p:cNvSpPr>
+            <a:spLocks noGrp="1"/>
+          </p:cNvSpPr>
+          <p:nvPr>
+            <p:ph type="sldNum" sz="quarter" idx="10"/>
+          </p:nvPr>
+        </p:nvSpPr>
+        <p:spPr/>
+        <p:txBody>
+          <a:bodyPr/>
+          <a:lstStyle/>
+          <a:p>
+            <a:fld id="{A883C400-BD9D-4609-A213-F91E9750031E}" type="slidenum">
+              <a:rPr lang="en-US" smtClean="0"/>
+              <a:t>6</a:t>
+            </a:fld>
+            <a:endParaRPr lang="en-US" dirty="0"/>
+          </a:p>
+        </p:txBody>
+      </p:sp>
+    </p:spTree>
+    <p:extLst>
+      <p:ext uri="{BB962C8B-B14F-4D97-AF65-F5344CB8AC3E}">
+        <p14:creationId xmlns:p14="http://schemas.microsoft.com/office/powerpoint/2010/main" val="4195558700"/>
+      </p:ext>
+    </p:extLst>
+  </p:cSld>
+  <p:clrMapOvr>
+    <a:masterClrMapping/>
+  </p:clrMapOvr>
+</p:notes>
+</file>
+
+<file path=ppt/notesSlides/notesSlide7.xml><?xml version="1.0" encoding="utf-8"?>
+<p:notes xmlns:a="http://schemas.openxmlformats.org/drawingml/2006/main" xmlns:r="http://schemas.openxmlformats.org/officeDocument/2006/relationships" xmlns:p="http://schemas.openxmlformats.org/presentationml/2006/main">
+  <p:cSld>
+    <p:spTree>
+      <p:nvGrpSpPr>
+        <p:cNvPr id="1" name=""/>
+        <p:cNvGrpSpPr/>
+        <p:nvPr/>
+      </p:nvGrpSpPr>
+      <p:grpSpPr>
+        <a:xfrm>
+          <a:off x="0" y="0"/>
+          <a:ext cx="0" cy="0"/>
+          <a:chOff x="0" y="0"/>
+          <a:chExt cx="0" cy="0"/>
+        </a:xfrm>
+      </p:grpSpPr>
+      <p:sp>
+        <p:nvSpPr>
+          <p:cNvPr id="2" name="Slide Image Placeholder 1"/>
+          <p:cNvSpPr>
+            <a:spLocks noGrp="1" noRot="1" noChangeAspect="1"/>
+          </p:cNvSpPr>
+          <p:nvPr>
+            <p:ph type="sldImg"/>
+          </p:nvPr>
+        </p:nvSpPr>
+        <p:spPr>
+          <a:xfrm>
+            <a:off x="312738" y="685800"/>
+            <a:ext cx="6232525" cy="3429000"/>
+          </a:xfrm>
+        </p:spPr>
+      </p:sp>
+      <p:sp>
+        <p:nvSpPr>
+          <p:cNvPr id="3" name="Notes Placeholder 2"/>
+          <p:cNvSpPr>
+            <a:spLocks noGrp="1"/>
+          </p:cNvSpPr>
+          <p:nvPr>
+            <p:ph type="body" idx="1"/>
+          </p:nvPr>
+        </p:nvSpPr>
+        <p:spPr/>
+        <p:txBody>
+          <a:bodyPr/>
+          <a:lstStyle/>
+          <a:p>
+            <a:endParaRPr lang="en-US" dirty="0"/>
+          </a:p>
+        </p:txBody>
+      </p:sp>
+      <p:sp>
+        <p:nvSpPr>
+          <p:cNvPr id="4" name="Slide Number Placeholder 3"/>
+          <p:cNvSpPr>
+            <a:spLocks noGrp="1"/>
+          </p:cNvSpPr>
+          <p:nvPr>
+            <p:ph type="sldNum" sz="quarter" idx="10"/>
+          </p:nvPr>
+        </p:nvSpPr>
+        <p:spPr/>
+        <p:txBody>
+          <a:bodyPr/>
+          <a:lstStyle/>
+          <a:p>
+            <a:fld id="{A883C400-BD9D-4609-A213-F91E9750031E}" type="slidenum">
+              <a:rPr lang="en-US" smtClean="0"/>
+              <a:t>7</a:t>
+            </a:fld>
+            <a:endParaRPr lang="en-US" dirty="0"/>
+          </a:p>
+        </p:txBody>
+      </p:sp>
+    </p:spTree>
+    <p:extLst>
+      <p:ext uri="{BB962C8B-B14F-4D97-AF65-F5344CB8AC3E}">
+        <p14:creationId xmlns:p14="http://schemas.microsoft.com/office/powerpoint/2010/main" val="4195558700"/>
+      </p:ext>
+    </p:extLst>
+  </p:cSld>
+  <p:clrMapOvr>
+    <a:masterClrMapping/>
+  </p:clrMapOvr>
+</p:notes>
+</file>
+
+<file path=ppt/notesSlides/notesSlide8.xml><?xml version="1.0" encoding="utf-8"?>
+<p:notes xmlns:a="http://schemas.openxmlformats.org/drawingml/2006/main" xmlns:r="http://schemas.openxmlformats.org/officeDocument/2006/relationships" xmlns:p="http://schemas.openxmlformats.org/presentationml/2006/main">
+  <p:cSld>
+    <p:spTree>
+      <p:nvGrpSpPr>
+        <p:cNvPr id="1" name=""/>
+        <p:cNvGrpSpPr/>
+        <p:nvPr/>
+      </p:nvGrpSpPr>
+      <p:grpSpPr>
+        <a:xfrm>
+          <a:off x="0" y="0"/>
+          <a:ext cx="0" cy="0"/>
+          <a:chOff x="0" y="0"/>
+          <a:chExt cx="0" cy="0"/>
+        </a:xfrm>
+      </p:grpSpPr>
+      <p:sp>
+        <p:nvSpPr>
+          <p:cNvPr id="2" name="Slide Image Placeholder 1"/>
+          <p:cNvSpPr>
+            <a:spLocks noGrp="1" noRot="1" noChangeAspect="1"/>
+          </p:cNvSpPr>
+          <p:nvPr>
+            <p:ph type="sldImg"/>
+          </p:nvPr>
+        </p:nvSpPr>
+        <p:spPr>
+          <a:xfrm>
+            <a:off x="312738" y="685800"/>
+            <a:ext cx="6232525" cy="3429000"/>
+          </a:xfrm>
+        </p:spPr>
+      </p:sp>
+      <p:sp>
+        <p:nvSpPr>
+          <p:cNvPr id="3" name="Notes Placeholder 2"/>
+          <p:cNvSpPr>
+            <a:spLocks noGrp="1"/>
+          </p:cNvSpPr>
+          <p:nvPr>
+            <p:ph type="body" idx="1"/>
+          </p:nvPr>
+        </p:nvSpPr>
+        <p:spPr/>
+        <p:txBody>
+          <a:bodyPr/>
+          <a:lstStyle/>
+          <a:p>
+            <a:endParaRPr lang="en-US" dirty="0"/>
+          </a:p>
+        </p:txBody>
+      </p:sp>
+      <p:sp>
+        <p:nvSpPr>
+          <p:cNvPr id="4" name="Slide Number Placeholder 3"/>
+          <p:cNvSpPr>
+            <a:spLocks noGrp="1"/>
+          </p:cNvSpPr>
+          <p:nvPr>
+            <p:ph type="sldNum" sz="quarter" idx="10"/>
+          </p:nvPr>
+        </p:nvSpPr>
+        <p:spPr/>
+        <p:txBody>
+          <a:bodyPr/>
+          <a:lstStyle/>
+          <a:p>
+            <a:fld id="{A883C400-BD9D-4609-A213-F91E9750031E}" type="slidenum">
+              <a:rPr lang="en-US" smtClean="0"/>
+              <a:t>8</a:t>
+            </a:fld>
+            <a:endParaRPr lang="en-US" dirty="0"/>
+          </a:p>
+        </p:txBody>
+      </p:sp>
+    </p:spTree>
+    <p:extLst>
+      <p:ext uri="{BB962C8B-B14F-4D97-AF65-F5344CB8AC3E}">
+        <p14:creationId xmlns:p14="http://schemas.microsoft.com/office/powerpoint/2010/main" val="4195558700"/>
+      </p:ext>
+    </p:extLst>
+  </p:cSld>
+  <p:clrMapOvr>
+    <a:masterClrMapping/>
+  </p:clrMapOvr>
+</p:notes>
+</file>
+
+<file path=ppt/notesSlides/notesSlide9.xml><?xml version="1.0" encoding="utf-8"?>
+<p:notes xmlns:a="http://schemas.openxmlformats.org/drawingml/2006/main" xmlns:r="http://schemas.openxmlformats.org/officeDocument/2006/relationships" xmlns:p="http://schemas.openxmlformats.org/presentationml/2006/main">
+  <p:cSld>
+    <p:spTree>
+      <p:nvGrpSpPr>
+        <p:cNvPr id="1" name=""/>
+        <p:cNvGrpSpPr/>
+        <p:nvPr/>
+      </p:nvGrpSpPr>
+      <p:grpSpPr>
+        <a:xfrm>
+          <a:off x="0" y="0"/>
+          <a:ext cx="0" cy="0"/>
+          <a:chOff x="0" y="0"/>
+          <a:chExt cx="0" cy="0"/>
+        </a:xfrm>
+      </p:grpSpPr>
+      <p:sp>
+        <p:nvSpPr>
+          <p:cNvPr id="2" name="Slide Image Placeholder 1"/>
+          <p:cNvSpPr>
+            <a:spLocks noGrp="1" noRot="1" noChangeAspect="1"/>
+          </p:cNvSpPr>
+          <p:nvPr>
+            <p:ph type="sldImg"/>
+          </p:nvPr>
+        </p:nvSpPr>
+        <p:spPr>
+          <a:xfrm>
+            <a:off x="312738" y="685800"/>
+            <a:ext cx="6232525" cy="3429000"/>
+          </a:xfrm>
+        </p:spPr>
+      </p:sp>
+      <p:sp>
+        <p:nvSpPr>
+          <p:cNvPr id="3" name="Notes Placeholder 2"/>
+          <p:cNvSpPr>
+            <a:spLocks noGrp="1"/>
+          </p:cNvSpPr>
+          <p:nvPr>
+            <p:ph type="body" idx="1"/>
+          </p:nvPr>
+        </p:nvSpPr>
+        <p:spPr/>
+        <p:txBody>
+          <a:bodyPr/>
+          <a:lstStyle/>
+          <a:p>
+            <a:endParaRPr lang="en-US" dirty="0"/>
+          </a:p>
+        </p:txBody>
+      </p:sp>
+      <p:sp>
+        <p:nvSpPr>
+          <p:cNvPr id="4" name="Slide Number Placeholder 3"/>
+          <p:cNvSpPr>
+            <a:spLocks noGrp="1"/>
+          </p:cNvSpPr>
+          <p:nvPr>
+            <p:ph type="sldNum" sz="quarter" idx="10"/>
+          </p:nvPr>
+        </p:nvSpPr>
+        <p:spPr/>
+        <p:txBody>
+          <a:bodyPr/>
+          <a:lstStyle/>
+          <a:p>
+            <a:fld id="{A883C400-BD9D-4609-A213-F91E9750031E}" type="slidenum">
+              <a:rPr lang="en-US" smtClean="0"/>
+              <a:t>9</a:t>
             </a:fld>
             <a:endParaRPr lang="en-US" dirty="0"/>
           </a:p>
@@ -3847,7 +4387,7 @@
         </p:blipFill>
         <p:spPr bwMode="auto">
           <a:xfrm>
-            <a:off x="2536484" y="2057400"/>
+            <a:off x="2590309" y="1534805"/>
             <a:ext cx="4210050" cy="1514475"/>
           </a:xfrm>
           <a:prstGeom prst="rect">
@@ -3896,7 +4436,7 @@
         </p:nvSpPr>
         <p:spPr>
           <a:xfrm>
-            <a:off x="682284" y="1526357"/>
+            <a:off x="736109" y="1003762"/>
             <a:ext cx="7616825" cy="533400"/>
           </a:xfrm>
           <a:prstGeom prst="roundRect">
@@ -3941,7 +4481,7 @@
         </p:nvSpPr>
         <p:spPr>
           <a:xfrm>
-            <a:off x="682284" y="3962400"/>
+            <a:off x="736109" y="3439805"/>
             <a:ext cx="2289516" cy="306324"/>
           </a:xfrm>
           <a:prstGeom prst="wedgeRectCallout">
@@ -4024,9 +4564,240 @@
           </a:p>
         </p:txBody>
       </p:sp>
+      <p:cxnSp>
+        <p:nvCxnSpPr>
+          <p:cNvPr id="8" name="Straight Arrow Connector 7"/>
+          <p:cNvCxnSpPr/>
+          <p:nvPr/>
+        </p:nvCxnSpPr>
+        <p:spPr>
+          <a:xfrm flipH="1">
+            <a:off x="4625825" y="2754005"/>
+            <a:ext cx="69509" cy="914400"/>
+          </a:xfrm>
+          <a:prstGeom prst="straightConnector1">
+            <a:avLst/>
+          </a:prstGeom>
+          <a:ln>
+            <a:tailEnd type="arrow"/>
+          </a:ln>
+        </p:spPr>
+        <p:style>
+          <a:lnRef idx="2">
+            <a:schemeClr val="accent2"/>
+          </a:lnRef>
+          <a:fillRef idx="0">
+            <a:schemeClr val="accent2"/>
+          </a:fillRef>
+          <a:effectRef idx="1">
+            <a:schemeClr val="accent2"/>
+          </a:effectRef>
+          <a:fontRef idx="minor">
+            <a:schemeClr val="tx1"/>
+          </a:fontRef>
+        </p:style>
+      </p:cxnSp>
+      <p:sp>
+        <p:nvSpPr>
+          <p:cNvPr id="13" name="Rectangular Callout 12"/>
+          <p:cNvSpPr/>
+          <p:nvPr/>
+        </p:nvSpPr>
+        <p:spPr>
+          <a:xfrm>
+            <a:off x="5979791" y="3607107"/>
+            <a:ext cx="2279308" cy="306324"/>
+          </a:xfrm>
+          <a:prstGeom prst="wedgeRectCallout">
+            <a:avLst>
+              <a:gd name="adj1" fmla="val -33095"/>
+              <a:gd name="adj2" fmla="val -357275"/>
+            </a:avLst>
+          </a:prstGeom>
+        </p:spPr>
+        <p:style>
+          <a:lnRef idx="1">
+            <a:schemeClr val="accent2"/>
+          </a:lnRef>
+          <a:fillRef idx="3">
+            <a:schemeClr val="accent2"/>
+          </a:fillRef>
+          <a:effectRef idx="2">
+            <a:schemeClr val="accent2"/>
+          </a:effectRef>
+          <a:fontRef idx="minor">
+            <a:schemeClr val="lt1"/>
+          </a:fontRef>
+        </p:style>
+        <p:txBody>
+          <a:bodyPr rtlCol="0" anchor="ctr"/>
+          <a:lstStyle/>
+          <a:p>
+            <a:pPr algn="ctr"/>
+            <a:r>
+              <a:rPr lang="en-US" sz="1200" dirty="0" smtClean="0"/>
+              <a:t>SpringJMSConsumer Application</a:t>
+            </a:r>
+            <a:endParaRPr lang="en-US" sz="1200" dirty="0"/>
+          </a:p>
+        </p:txBody>
+      </p:sp>
+      <p:sp>
+        <p:nvSpPr>
+          <p:cNvPr id="14" name="Rectangle 13"/>
+          <p:cNvSpPr/>
+          <p:nvPr/>
+        </p:nvSpPr>
+        <p:spPr>
+          <a:xfrm>
+            <a:off x="3124200" y="35739"/>
+            <a:ext cx="2560163" cy="276999"/>
+          </a:xfrm>
+          <a:prstGeom prst="rect">
+            <a:avLst/>
+          </a:prstGeom>
+        </p:spPr>
+        <p:style>
+          <a:lnRef idx="1">
+            <a:schemeClr val="accent4"/>
+          </a:lnRef>
+          <a:fillRef idx="3">
+            <a:schemeClr val="accent4"/>
+          </a:fillRef>
+          <a:effectRef idx="2">
+            <a:schemeClr val="accent4"/>
+          </a:effectRef>
+          <a:fontRef idx="minor">
+            <a:schemeClr val="lt1"/>
+          </a:fontRef>
+        </p:style>
+        <p:txBody>
+          <a:bodyPr wrap="square">
+            <a:spAutoFit/>
+          </a:bodyPr>
+          <a:lstStyle>
+            <a:defPPr>
+              <a:defRPr lang="en-US"/>
+            </a:defPPr>
+            <a:lvl1pPr marL="0" algn="l" defTabSz="914400" rtl="0" eaLnBrk="1" latinLnBrk="0" hangingPunct="1">
+              <a:defRPr sz="1800" kern="1200">
+                <a:solidFill>
+                  <a:schemeClr val="lt1"/>
+                </a:solidFill>
+                <a:latin typeface="+mn-lt"/>
+                <a:ea typeface="+mn-ea"/>
+                <a:cs typeface="+mn-cs"/>
+              </a:defRPr>
+            </a:lvl1pPr>
+            <a:lvl2pPr marL="457200" algn="l" defTabSz="914400" rtl="0" eaLnBrk="1" latinLnBrk="0" hangingPunct="1">
+              <a:defRPr sz="1800" kern="1200">
+                <a:solidFill>
+                  <a:schemeClr val="lt1"/>
+                </a:solidFill>
+                <a:latin typeface="+mn-lt"/>
+                <a:ea typeface="+mn-ea"/>
+                <a:cs typeface="+mn-cs"/>
+              </a:defRPr>
+            </a:lvl2pPr>
+            <a:lvl3pPr marL="914400" algn="l" defTabSz="914400" rtl="0" eaLnBrk="1" latinLnBrk="0" hangingPunct="1">
+              <a:defRPr sz="1800" kern="1200">
+                <a:solidFill>
+                  <a:schemeClr val="lt1"/>
+                </a:solidFill>
+                <a:latin typeface="+mn-lt"/>
+                <a:ea typeface="+mn-ea"/>
+                <a:cs typeface="+mn-cs"/>
+              </a:defRPr>
+            </a:lvl3pPr>
+            <a:lvl4pPr marL="1371600" algn="l" defTabSz="914400" rtl="0" eaLnBrk="1" latinLnBrk="0" hangingPunct="1">
+              <a:defRPr sz="1800" kern="1200">
+                <a:solidFill>
+                  <a:schemeClr val="lt1"/>
+                </a:solidFill>
+                <a:latin typeface="+mn-lt"/>
+                <a:ea typeface="+mn-ea"/>
+                <a:cs typeface="+mn-cs"/>
+              </a:defRPr>
+            </a:lvl4pPr>
+            <a:lvl5pPr marL="1828800" algn="l" defTabSz="914400" rtl="0" eaLnBrk="1" latinLnBrk="0" hangingPunct="1">
+              <a:defRPr sz="1800" kern="1200">
+                <a:solidFill>
+                  <a:schemeClr val="lt1"/>
+                </a:solidFill>
+                <a:latin typeface="+mn-lt"/>
+                <a:ea typeface="+mn-ea"/>
+                <a:cs typeface="+mn-cs"/>
+              </a:defRPr>
+            </a:lvl5pPr>
+            <a:lvl6pPr marL="2286000" algn="l" defTabSz="914400" rtl="0" eaLnBrk="1" latinLnBrk="0" hangingPunct="1">
+              <a:defRPr sz="1800" kern="1200">
+                <a:solidFill>
+                  <a:schemeClr val="lt1"/>
+                </a:solidFill>
+                <a:latin typeface="+mn-lt"/>
+                <a:ea typeface="+mn-ea"/>
+                <a:cs typeface="+mn-cs"/>
+              </a:defRPr>
+            </a:lvl6pPr>
+            <a:lvl7pPr marL="2743200" algn="l" defTabSz="914400" rtl="0" eaLnBrk="1" latinLnBrk="0" hangingPunct="1">
+              <a:defRPr sz="1800" kern="1200">
+                <a:solidFill>
+                  <a:schemeClr val="lt1"/>
+                </a:solidFill>
+                <a:latin typeface="+mn-lt"/>
+                <a:ea typeface="+mn-ea"/>
+                <a:cs typeface="+mn-cs"/>
+              </a:defRPr>
+            </a:lvl7pPr>
+            <a:lvl8pPr marL="3200400" algn="l" defTabSz="914400" rtl="0" eaLnBrk="1" latinLnBrk="0" hangingPunct="1">
+              <a:defRPr sz="1800" kern="1200">
+                <a:solidFill>
+                  <a:schemeClr val="lt1"/>
+                </a:solidFill>
+                <a:latin typeface="+mn-lt"/>
+                <a:ea typeface="+mn-ea"/>
+                <a:cs typeface="+mn-cs"/>
+              </a:defRPr>
+            </a:lvl8pPr>
+            <a:lvl9pPr marL="3657600" algn="l" defTabSz="914400" rtl="0" eaLnBrk="1" latinLnBrk="0" hangingPunct="1">
+              <a:defRPr sz="1800" kern="1200">
+                <a:solidFill>
+                  <a:schemeClr val="lt1"/>
+                </a:solidFill>
+                <a:latin typeface="+mn-lt"/>
+                <a:ea typeface="+mn-ea"/>
+                <a:cs typeface="+mn-cs"/>
+              </a:defRPr>
+            </a:lvl9pPr>
+          </a:lstStyle>
+          <a:p>
+            <a:pPr algn="ctr" fontAlgn="base"/>
+            <a:r>
+              <a:rPr lang="en-US" sz="1200" dirty="0"/>
+              <a:t>Spring </a:t>
+            </a:r>
+            <a:r>
+              <a:rPr lang="en-US" sz="1200" dirty="0" smtClean="0"/>
+              <a:t>+ JMS + </a:t>
+            </a:r>
+            <a:r>
+              <a:rPr lang="en-US" sz="1200" dirty="0" err="1" smtClean="0"/>
+              <a:t>RabbitMQ</a:t>
+            </a:r>
+            <a:r>
+              <a:rPr lang="en-US" sz="1200" dirty="0" smtClean="0"/>
+              <a:t> </a:t>
+            </a:r>
+            <a:r>
+              <a:rPr lang="en-US" sz="1200" dirty="0"/>
+              <a:t>example </a:t>
+            </a:r>
+          </a:p>
+        </p:txBody>
+      </p:sp>
       <p:pic>
         <p:nvPicPr>
-          <p:cNvPr id="1027" name="Picture 3"/>
+          <p:cNvPr id="7" name="Picture 2" descr="Image result for rabbitmq"/>
           <p:cNvPicPr>
             <a:picLocks noChangeAspect="1" noChangeArrowheads="1"/>
           </p:cNvPicPr>
@@ -4047,359 +4818,24 @@
         </p:blipFill>
         <p:spPr bwMode="auto">
           <a:xfrm>
-            <a:off x="3644715" y="4090328"/>
-            <a:ext cx="1613085" cy="542330"/>
+            <a:off x="4078468" y="3683701"/>
+            <a:ext cx="1233731" cy="459459"/>
           </a:xfrm>
           <a:prstGeom prst="rect">
             <a:avLst/>
           </a:prstGeom>
           <a:noFill/>
-          <a:ln>
-            <a:noFill/>
-          </a:ln>
-          <a:effectLst/>
           <a:extLst>
             <a:ext uri="{909E8E84-426E-40DD-AFC4-6F175D3DCCD1}">
               <a14:hiddenFill xmlns:a14="http://schemas.microsoft.com/office/drawing/2010/main">
                 <a:solidFill>
-                  <a:schemeClr val="accent1"/>
+                  <a:srgbClr val="FFFFFF"/>
                 </a:solidFill>
               </a14:hiddenFill>
             </a:ext>
-            <a:ext uri="{91240B29-F687-4F45-9708-019B960494DF}">
-              <a14:hiddenLine xmlns:a14="http://schemas.microsoft.com/office/drawing/2010/main" w="9525">
-                <a:solidFill>
-                  <a:schemeClr val="tx1"/>
-                </a:solidFill>
-                <a:miter lim="800000"/>
-                <a:headEnd/>
-                <a:tailEnd/>
-              </a14:hiddenLine>
-            </a:ext>
-            <a:ext uri="{AF507438-7753-43E0-B8FC-AC1667EBCBE1}">
-              <a14:hiddenEffects xmlns:a14="http://schemas.microsoft.com/office/drawing/2010/main">
-                <a:effectLst>
-                  <a:outerShdw dist="35921" dir="2700000" algn="ctr" rotWithShape="0">
-                    <a:schemeClr val="bg2"/>
-                  </a:outerShdw>
-                </a:effectLst>
-              </a14:hiddenEffects>
-            </a:ext>
           </a:extLst>
         </p:spPr>
       </p:pic>
-      <p:cxnSp>
-        <p:nvCxnSpPr>
-          <p:cNvPr id="8" name="Straight Arrow Connector 7"/>
-          <p:cNvCxnSpPr/>
-          <p:nvPr/>
-        </p:nvCxnSpPr>
-        <p:spPr>
-          <a:xfrm flipH="1">
-            <a:off x="4572000" y="3276600"/>
-            <a:ext cx="69509" cy="914400"/>
-          </a:xfrm>
-          <a:prstGeom prst="straightConnector1">
-            <a:avLst/>
-          </a:prstGeom>
-          <a:ln>
-            <a:tailEnd type="arrow"/>
-          </a:ln>
-        </p:spPr>
-        <p:style>
-          <a:lnRef idx="2">
-            <a:schemeClr val="accent2"/>
-          </a:lnRef>
-          <a:fillRef idx="0">
-            <a:schemeClr val="accent2"/>
-          </a:fillRef>
-          <a:effectRef idx="1">
-            <a:schemeClr val="accent2"/>
-          </a:effectRef>
-          <a:fontRef idx="minor">
-            <a:schemeClr val="tx1"/>
-          </a:fontRef>
-        </p:style>
-      </p:cxnSp>
-      <p:sp>
-        <p:nvSpPr>
-          <p:cNvPr id="13" name="Rectangular Callout 12"/>
-          <p:cNvSpPr/>
-          <p:nvPr/>
-        </p:nvSpPr>
-        <p:spPr>
-          <a:xfrm>
-            <a:off x="5925966" y="4129702"/>
-            <a:ext cx="2279308" cy="306324"/>
-          </a:xfrm>
-          <a:prstGeom prst="wedgeRectCallout">
-            <a:avLst>
-              <a:gd name="adj1" fmla="val -33095"/>
-              <a:gd name="adj2" fmla="val -357275"/>
-            </a:avLst>
-          </a:prstGeom>
-        </p:spPr>
-        <p:style>
-          <a:lnRef idx="1">
-            <a:schemeClr val="accent2"/>
-          </a:lnRef>
-          <a:fillRef idx="3">
-            <a:schemeClr val="accent2"/>
-          </a:fillRef>
-          <a:effectRef idx="2">
-            <a:schemeClr val="accent2"/>
-          </a:effectRef>
-          <a:fontRef idx="minor">
-            <a:schemeClr val="lt1"/>
-          </a:fontRef>
-        </p:style>
-        <p:txBody>
-          <a:bodyPr rtlCol="0" anchor="ctr"/>
-          <a:lstStyle/>
-          <a:p>
-            <a:pPr algn="ctr"/>
-            <a:r>
-              <a:rPr lang="en-US" sz="1200" dirty="0" smtClean="0"/>
-              <a:t>SpringJMSConsumer Application</a:t>
-            </a:r>
-            <a:endParaRPr lang="en-US" sz="1200" dirty="0"/>
-          </a:p>
-        </p:txBody>
-      </p:sp>
-      <p:sp>
-        <p:nvSpPr>
-          <p:cNvPr id="14" name="Rectangle 13"/>
-          <p:cNvSpPr/>
-          <p:nvPr/>
-        </p:nvSpPr>
-        <p:spPr>
-          <a:xfrm>
-            <a:off x="3124200" y="35739"/>
-            <a:ext cx="2560163" cy="276999"/>
-          </a:xfrm>
-          <a:prstGeom prst="rect">
-            <a:avLst/>
-          </a:prstGeom>
-        </p:spPr>
-        <p:style>
-          <a:lnRef idx="1">
-            <a:schemeClr val="accent4"/>
-          </a:lnRef>
-          <a:fillRef idx="3">
-            <a:schemeClr val="accent4"/>
-          </a:fillRef>
-          <a:effectRef idx="2">
-            <a:schemeClr val="accent4"/>
-          </a:effectRef>
-          <a:fontRef idx="minor">
-            <a:schemeClr val="lt1"/>
-          </a:fontRef>
-        </p:style>
-        <p:txBody>
-          <a:bodyPr wrap="square">
-            <a:spAutoFit/>
-          </a:bodyPr>
-          <a:lstStyle>
-            <a:defPPr>
-              <a:defRPr lang="en-US"/>
-            </a:defPPr>
-            <a:lvl1pPr marL="0" algn="l" defTabSz="914400" rtl="0" eaLnBrk="1" latinLnBrk="0" hangingPunct="1">
-              <a:defRPr sz="1800" kern="1200">
-                <a:solidFill>
-                  <a:schemeClr val="lt1"/>
-                </a:solidFill>
-                <a:latin typeface="+mn-lt"/>
-                <a:ea typeface="+mn-ea"/>
-                <a:cs typeface="+mn-cs"/>
-              </a:defRPr>
-            </a:lvl1pPr>
-            <a:lvl2pPr marL="457200" algn="l" defTabSz="914400" rtl="0" eaLnBrk="1" latinLnBrk="0" hangingPunct="1">
-              <a:defRPr sz="1800" kern="1200">
-                <a:solidFill>
-                  <a:schemeClr val="lt1"/>
-                </a:solidFill>
-                <a:latin typeface="+mn-lt"/>
-                <a:ea typeface="+mn-ea"/>
-                <a:cs typeface="+mn-cs"/>
-              </a:defRPr>
-            </a:lvl2pPr>
-            <a:lvl3pPr marL="914400" algn="l" defTabSz="914400" rtl="0" eaLnBrk="1" latinLnBrk="0" hangingPunct="1">
-              <a:defRPr sz="1800" kern="1200">
-                <a:solidFill>
-                  <a:schemeClr val="lt1"/>
-                </a:solidFill>
-                <a:latin typeface="+mn-lt"/>
-                <a:ea typeface="+mn-ea"/>
-                <a:cs typeface="+mn-cs"/>
-              </a:defRPr>
-            </a:lvl3pPr>
-            <a:lvl4pPr marL="1371600" algn="l" defTabSz="914400" rtl="0" eaLnBrk="1" latinLnBrk="0" hangingPunct="1">
-              <a:defRPr sz="1800" kern="1200">
-                <a:solidFill>
-                  <a:schemeClr val="lt1"/>
-                </a:solidFill>
-                <a:latin typeface="+mn-lt"/>
-                <a:ea typeface="+mn-ea"/>
-                <a:cs typeface="+mn-cs"/>
-              </a:defRPr>
-            </a:lvl4pPr>
-            <a:lvl5pPr marL="1828800" algn="l" defTabSz="914400" rtl="0" eaLnBrk="1" latinLnBrk="0" hangingPunct="1">
-              <a:defRPr sz="1800" kern="1200">
-                <a:solidFill>
-                  <a:schemeClr val="lt1"/>
-                </a:solidFill>
-                <a:latin typeface="+mn-lt"/>
-                <a:ea typeface="+mn-ea"/>
-                <a:cs typeface="+mn-cs"/>
-              </a:defRPr>
-            </a:lvl5pPr>
-            <a:lvl6pPr marL="2286000" algn="l" defTabSz="914400" rtl="0" eaLnBrk="1" latinLnBrk="0" hangingPunct="1">
-              <a:defRPr sz="1800" kern="1200">
-                <a:solidFill>
-                  <a:schemeClr val="lt1"/>
-                </a:solidFill>
-                <a:latin typeface="+mn-lt"/>
-                <a:ea typeface="+mn-ea"/>
-                <a:cs typeface="+mn-cs"/>
-              </a:defRPr>
-            </a:lvl6pPr>
-            <a:lvl7pPr marL="2743200" algn="l" defTabSz="914400" rtl="0" eaLnBrk="1" latinLnBrk="0" hangingPunct="1">
-              <a:defRPr sz="1800" kern="1200">
-                <a:solidFill>
-                  <a:schemeClr val="lt1"/>
-                </a:solidFill>
-                <a:latin typeface="+mn-lt"/>
-                <a:ea typeface="+mn-ea"/>
-                <a:cs typeface="+mn-cs"/>
-              </a:defRPr>
-            </a:lvl7pPr>
-            <a:lvl8pPr marL="3200400" algn="l" defTabSz="914400" rtl="0" eaLnBrk="1" latinLnBrk="0" hangingPunct="1">
-              <a:defRPr sz="1800" kern="1200">
-                <a:solidFill>
-                  <a:schemeClr val="lt1"/>
-                </a:solidFill>
-                <a:latin typeface="+mn-lt"/>
-                <a:ea typeface="+mn-ea"/>
-                <a:cs typeface="+mn-cs"/>
-              </a:defRPr>
-            </a:lvl8pPr>
-            <a:lvl9pPr marL="3657600" algn="l" defTabSz="914400" rtl="0" eaLnBrk="1" latinLnBrk="0" hangingPunct="1">
-              <a:defRPr sz="1800" kern="1200">
-                <a:solidFill>
-                  <a:schemeClr val="lt1"/>
-                </a:solidFill>
-                <a:latin typeface="+mn-lt"/>
-                <a:ea typeface="+mn-ea"/>
-                <a:cs typeface="+mn-cs"/>
-              </a:defRPr>
-            </a:lvl9pPr>
-          </a:lstStyle>
-          <a:p>
-            <a:pPr algn="ctr" fontAlgn="base"/>
-            <a:r>
-              <a:rPr lang="en-US" sz="1200" dirty="0"/>
-              <a:t>Spring </a:t>
-            </a:r>
-            <a:r>
-              <a:rPr lang="en-US" sz="1200" dirty="0" smtClean="0"/>
-              <a:t>+ JMS + </a:t>
-            </a:r>
-            <a:r>
-              <a:rPr lang="en-US" sz="1200" dirty="0" err="1" smtClean="0"/>
-              <a:t>Rabbit</a:t>
-            </a:r>
-            <a:r>
-              <a:rPr lang="en-US" sz="1200" dirty="0" err="1" smtClean="0"/>
-              <a:t>MQ</a:t>
-            </a:r>
-            <a:r>
-              <a:rPr lang="en-US" sz="1200" dirty="0" smtClean="0"/>
-              <a:t> </a:t>
-            </a:r>
-            <a:r>
-              <a:rPr lang="en-US" sz="1200" dirty="0"/>
-              <a:t>example </a:t>
-            </a:r>
-          </a:p>
-        </p:txBody>
-      </p:sp>
-      <p:sp>
-        <p:nvSpPr>
-          <p:cNvPr id="12" name="Rounded Rectangle 11"/>
-          <p:cNvSpPr/>
-          <p:nvPr/>
-        </p:nvSpPr>
-        <p:spPr>
-          <a:xfrm>
-            <a:off x="155575" y="685800"/>
-            <a:ext cx="8683625" cy="533400"/>
-          </a:xfrm>
-          <a:prstGeom prst="roundRect">
-            <a:avLst/>
-          </a:prstGeom>
-          <a:ln w="3175"/>
-        </p:spPr>
-        <p:style>
-          <a:lnRef idx="2">
-            <a:schemeClr val="accent4"/>
-          </a:lnRef>
-          <a:fillRef idx="1">
-            <a:schemeClr val="lt1"/>
-          </a:fillRef>
-          <a:effectRef idx="0">
-            <a:schemeClr val="accent4"/>
-          </a:effectRef>
-          <a:fontRef idx="minor">
-            <a:schemeClr val="dk1"/>
-          </a:fontRef>
-        </p:style>
-        <p:txBody>
-          <a:bodyPr rtlCol="0" anchor="ctr"/>
-          <a:lstStyle/>
-          <a:p>
-            <a:r>
-              <a:rPr lang="en-US" sz="1200" dirty="0" smtClean="0"/>
-              <a:t>We will see the alternative </a:t>
-            </a:r>
-            <a:r>
-              <a:rPr lang="en-US" sz="1200" dirty="0"/>
-              <a:t>to </a:t>
-            </a:r>
-            <a:r>
-              <a:rPr lang="en-US" sz="1200" b="1" dirty="0"/>
-              <a:t>javax.jms.MessageListener</a:t>
-            </a:r>
-            <a:r>
-              <a:rPr lang="en-US" sz="1200" dirty="0"/>
-              <a:t> which allows us to create MessageListeners using plain POJO’s, thanks to Spring’s very own </a:t>
-            </a:r>
-            <a:r>
-              <a:rPr lang="en-US" sz="1200" b="1" dirty="0"/>
-              <a:t>@JmsListener</a:t>
-            </a:r>
-            <a:r>
-              <a:rPr lang="en-US" sz="1200" dirty="0"/>
-              <a:t>, used in combination with </a:t>
-            </a:r>
-            <a:r>
-              <a:rPr lang="en-US" sz="1200" b="1" dirty="0"/>
-              <a:t>JmsListenerConnectionFactory</a:t>
-            </a:r>
-            <a:r>
-              <a:rPr lang="en-US" sz="1200" dirty="0"/>
-              <a:t> and </a:t>
-            </a:r>
-            <a:r>
-              <a:rPr lang="en-US" sz="1200" b="1" dirty="0"/>
-              <a:t>@EnableJMS</a:t>
-            </a:r>
-            <a:r>
-              <a:rPr lang="en-US" sz="1200" dirty="0"/>
-              <a:t>. Let’s get started.</a:t>
-            </a:r>
-          </a:p>
-        </p:txBody>
-      </p:sp>
     </p:spTree>
     <p:extLst>
       <p:ext uri="{BB962C8B-B14F-4D97-AF65-F5344CB8AC3E}">
@@ -4445,126 +4881,9 @@
           <a:chExt cx="0" cy="0"/>
         </a:xfrm>
       </p:grpSpPr>
-      <p:sp>
-        <p:nvSpPr>
-          <p:cNvPr id="3" name="AutoShape 2" descr="data:image/png;base64,iVBORw0KGgoAAAANSUhEUgAAANEAAADxCAMAAABiSKLrAAAAbFBMVEWIiIj////6+vr29vb19fX4+Pj5+fnu7u77+/v39/f9/f3z8/P+/v709PT8/Pyqqqrt7e3v7+/w8PDx8fHy8vK+vr7Q0NCjo6OBgYHY2Njk5OTHx8eNjY3c3NzGxsbn5+eWlpa1tbWcnJx6enob4+f+AAAIqklEQVR4nO3dCZuaOhQGYEZAh0FkX2W1//8/lkVMICeIkRmOPHz22lYg5OVEZLFzJRNrnC+xSGt3nJvQekMUYktnEiM1ouDrjCs/pukLkzoRtpjmNRcloRUFoiS8oo5UvLwsYpEgCaXoHLYiMRJqkRAJt0iEhFwkQMIqCgJRElpRLErCL3r1oxavSJSEWCRIQikyOtGQNPd8CaXICc04FiXhFomQkIsESChFbmhmwiT0opf3eBivMzSjLuORnh49oKxRKxIloayR24oESShFRScSI6EUJaGZCJNwiwhp/skFcpFAlbCLXiehF71MQisSJiEVVYkwqRP9oEpXI1HSXXRuWjo/2jz3f3v8YfjS7871lbU1EiT1IjrAKrvX/2iurzisijkk8OQC5ah7iERIyEUCJOyi10noRU9J490DUpFPRAApniJhFVnzSaOdOF6RKAmlKGhFgiTMohdIyYeIhEh30aV99E9NLo8VXLqn++Q/mIuIREid6DJsv32s91Ityi1hEtJRl5+ESX2NMKUR2ZYoCbNIjIRV5FiiJIyicx7mriVEKnCKfvxadBIloRQ1NTqJkcICpcgPr7rjOPYJZnFNbZVwikw/YHNlXmDi4xW9kU70jSnNqOu/xL4R0aWg3yNMgNHWp0I66i7Dy5PsdXFuApw1Eg8RndfuykLZa4Q/512EPrsIfzYtOmwje43wh4h+1u7KQvm5bk601wh9NlijXYQ+uwh/HqLrZkTXh+h4PDQP8lQ/PvAlSrT2xl0oRHQ5biOXXYQ+uwh/dhH+7CL82bRI3Ua2XKPvtTfuQvneReizi/BnF+HPLsKfTYu0bYQWsd5PfImIDmtv3IVy2EXos4vwZxfhzy7CH0okbyO7CH+2/D46rr1xF8pxF6HPLsKfXYQ/uwh/KJGyjWxatPZwWShEpK69cReKuovQZxfhzy7Cn12EP0SkGduItmHRzFF3P3r63ZHzTl4YdYqsHg/e/YdF2e7xcFRVrba109gMFp2evGhmjzpFVZLcvJVpl7K8hWaVB1liNVNdJh7VZ4Wd7P4aaa5I866lFEnDRHWksC5eVgtH8VWy8PHGTE5V/rr+QqSocTnm9CpTM+SMmRhVVJcPKbPYv5VFcs7x1F3P1eeikl1sXZHGB0lRLH+eSI75ICk6KZ8nctkOkaQN+cNEWjBRIimU0YpkHY4hmxOgqNIMHRaRJo6giLO+dyM/F1nsvpfqWVAv92Eihe0u3bNE+TgR/FkURfWhUHPMIBsguh6N0yKNs7o/EGkVIEpj+XA8fltJ0GzqDxMdQwBka+2gqQ/p9FYkpaNIiEXuje3OddQfg738rFCTcYmME9sdKXntbY1MBOy802JrotJ6bSUiInLia7y2+aZEbXuyxXbn5vXXGQazDs+6xUWGoql2kXU/DDrOssLWNFmZ65oQufeflwvU6PHDdO8ki/0xu/Rb7RVRvZNJgupW7y3bU+T6JLnej97MPLNUhbPIbJEV9U2y/eknHds5lfhfNMo/sb23oRX5LQXWGUmpGdtz3nxEpOiep7eP+5MFUEZJj+0SCnsCVX/CkrZUQFRvQG+8RkNOzHTi5LL0rW6x8YL0bwolGtdolqir0fQxAyQCNrdsVczFmdFS6fXp+4kSecPMEqntrAYkkklTYI288frkYKI+j+XCYtzRUdCIdMV/7mkWTDNmY6AU6bo5C9QknqwSEpFuzAdJUjZFQiJSoFMWfhIDu0ievDjD5ubquEV6AjVet3krU3B/Hvn8cYdDBJxUSlKVaJqmWvENMiXcImEQKcCYi26W1nZaN9SAXXFkcos0JZpxXLeICDpLDnVSBDkDusAtEhGN72p5J78LcMbn9+nudemgiDSlASLF66cC20NKbZ3qCnAnIfKp9gcxiIjVPj8/8mbVCBY9VsNes42C4YgBrgyUJ06NpkRdCuD8yB418pYIOkl2hyuQ2SOkKOMMO4M76vrBB4sG84Cjjrr5Cooeo4TdLwyGbLsC4IKgD93dHY66lUQye7gQxfqgfdcDhr7JeSOtLoL2dOn4KEdX2E+s0hp24j3RaUERsPnLLBmlYPceaYJVBB0Bja85p8ANn3rXgFX02kEqaSGAeywoGs7zjghYdqYoxyp68USCtMDZfX+wqHomav53fkBcWDSYx4NEBpkuAyLj3oSwSDIVsMM6ETVAp/3V/KG2tP/xRPRccI1IW7Comyr8PupE9052bbW/0yLHpX/1T1wRmQuskULa4oqcd/Z1pjLu6li0zqgDP49m5fmo+2NR3z50zFBYczLsBB6Rxx6y8Q5wRoE7LCaylhM5BnTs7cGdmZP1RZzdygeLXOjW9fg94jYXUnjjbBHRcJ5nImVKBA67fFgkL/HzIE4KRW7vM0/i/kQ0WSPHg75KldHdqc+h7pfZ0jKs/GuDM3hvNSLizSEqoroE1Yia7ELf00kIWS/o09z+EmLA6bC3hMh9TwRskDq51x47e4Zzhc73Qt64wyByPOjmUVT6cZZkcQV+0zxNflX05qgD36tSe3MilcCr1FLEe9sPRDYYjmgwD1wjMl1hm4h0ugF43PETVd6wB3RbKES2Pu+2cr9waHFBWESO+8JtyxrkckFYRDa8dxAAoRHNH3hRNTHkUIlsY9Z3TqR6LzcFokScSsKi4TzPRMYske0VT78XJJkJZ8uTzojV6FdEtmNkE9/diqLUzJTpAtmzalQyF6FvI5ETA9+OpraQwTYhwRvQMYqryX6sNn8vq8AynnqoGuXuCY7N/vMR3R7N47DzePR04J+gjJt4rM7V3SzwzbC8FzYtb2Z1jQtDd3nLDOLmD1E9v90++qfT4Lfh5N+cq/508shXb5st6Ll1cWa2RYu2EUo0p6QfkF2EP7sIf3YR/hCRs3ZXFoqzYdEGR92su1D4Q486yzq1D/L0iS85W67R2l1ZKLsIfzYs4l05+bg8rpxU/lZS3UXbyvZE/wFXu+LXNTDaDQAAAABJRU5ErkJggg=="/>
-          <p:cNvSpPr>
-            <a:spLocks noChangeAspect="1" noChangeArrowheads="1"/>
-          </p:cNvSpPr>
-          <p:nvPr/>
-        </p:nvSpPr>
-        <p:spPr bwMode="auto">
-          <a:xfrm>
-            <a:off x="155575" y="-144463"/>
-            <a:ext cx="304800" cy="304801"/>
-          </a:xfrm>
-          <a:prstGeom prst="rect">
-            <a:avLst/>
-          </a:prstGeom>
-          <a:noFill/>
-          <a:extLst>
-            <a:ext uri="{909E8E84-426E-40DD-AFC4-6F175D3DCCD1}">
-              <a14:hiddenFill xmlns:a14="http://schemas.microsoft.com/office/drawing/2010/main">
-                <a:solidFill>
-                  <a:srgbClr val="FFFFFF"/>
-                </a:solidFill>
-              </a14:hiddenFill>
-            </a:ext>
-          </a:extLst>
-        </p:spPr>
-        <p:txBody>
-          <a:bodyPr vert="horz" wrap="square" lIns="91440" tIns="45720" rIns="91440" bIns="45720" numCol="1" anchor="t" anchorCtr="0" compatLnSpc="1">
-            <a:prstTxWarp prst="textNoShape">
-              <a:avLst/>
-            </a:prstTxWarp>
-          </a:bodyPr>
-          <a:lstStyle/>
-          <a:p>
-            <a:endParaRPr lang="en-US" sz="1200" dirty="0"/>
-          </a:p>
-        </p:txBody>
-      </p:sp>
-      <p:sp>
-        <p:nvSpPr>
-          <p:cNvPr id="2" name="AutoShape 2" descr="Image result for file"/>
-          <p:cNvSpPr>
-            <a:spLocks noChangeAspect="1" noChangeArrowheads="1"/>
-          </p:cNvSpPr>
-          <p:nvPr/>
-        </p:nvSpPr>
-        <p:spPr bwMode="auto">
-          <a:xfrm>
-            <a:off x="307975" y="7937"/>
-            <a:ext cx="304800" cy="304801"/>
-          </a:xfrm>
-          <a:prstGeom prst="rect">
-            <a:avLst/>
-          </a:prstGeom>
-          <a:noFill/>
-          <a:extLst>
-            <a:ext uri="{909E8E84-426E-40DD-AFC4-6F175D3DCCD1}">
-              <a14:hiddenFill xmlns:a14="http://schemas.microsoft.com/office/drawing/2010/main">
-                <a:solidFill>
-                  <a:srgbClr val="FFFFFF"/>
-                </a:solidFill>
-              </a14:hiddenFill>
-            </a:ext>
-          </a:extLst>
-        </p:spPr>
-        <p:txBody>
-          <a:bodyPr vert="horz" wrap="square" lIns="91440" tIns="45720" rIns="91440" bIns="45720" numCol="1" anchor="t" anchorCtr="0" compatLnSpc="1">
-            <a:prstTxWarp prst="textNoShape">
-              <a:avLst/>
-            </a:prstTxWarp>
-          </a:bodyPr>
-          <a:lstStyle/>
-          <a:p>
-            <a:endParaRPr lang="en-US" dirty="0"/>
-          </a:p>
-        </p:txBody>
-      </p:sp>
-      <p:sp>
-        <p:nvSpPr>
-          <p:cNvPr id="6" name="AutoShape 2" descr="Image result for activemq image"/>
-          <p:cNvSpPr>
-            <a:spLocks noChangeAspect="1" noChangeArrowheads="1"/>
-          </p:cNvSpPr>
-          <p:nvPr/>
-        </p:nvSpPr>
-        <p:spPr bwMode="auto">
-          <a:xfrm>
-            <a:off x="460375" y="160337"/>
-            <a:ext cx="304800" cy="304801"/>
-          </a:xfrm>
-          <a:prstGeom prst="rect">
-            <a:avLst/>
-          </a:prstGeom>
-          <a:noFill/>
-          <a:extLst>
-            <a:ext uri="{909E8E84-426E-40DD-AFC4-6F175D3DCCD1}">
-              <a14:hiddenFill xmlns:a14="http://schemas.microsoft.com/office/drawing/2010/main">
-                <a:solidFill>
-                  <a:srgbClr val="FFFFFF"/>
-                </a:solidFill>
-              </a14:hiddenFill>
-            </a:ext>
-          </a:extLst>
-        </p:spPr>
-        <p:txBody>
-          <a:bodyPr vert="horz" wrap="square" lIns="91440" tIns="45720" rIns="91440" bIns="45720" numCol="1" anchor="t" anchorCtr="0" compatLnSpc="1">
-            <a:prstTxWarp prst="textNoShape">
-              <a:avLst/>
-            </a:prstTxWarp>
-          </a:bodyPr>
-          <a:lstStyle/>
-          <a:p>
-            <a:endParaRPr lang="en-US"/>
-          </a:p>
-        </p:txBody>
-      </p:sp>
       <p:pic>
         <p:nvPicPr>
-          <p:cNvPr id="6146" name="Picture 2"/>
+          <p:cNvPr id="2050" name="Picture 2"/>
           <p:cNvPicPr>
             <a:picLocks noChangeAspect="1" noChangeArrowheads="1"/>
           </p:cNvPicPr>
@@ -4585,8 +4904,8 @@
         </p:blipFill>
         <p:spPr bwMode="auto">
           <a:xfrm>
-            <a:off x="155574" y="838200"/>
-            <a:ext cx="8930703" cy="3805238"/>
+            <a:off x="1284288" y="806584"/>
+            <a:ext cx="6573837" cy="2667000"/>
           </a:xfrm>
           <a:prstGeom prst="rect">
             <a:avLst/>
@@ -4626,115 +4945,230 @@
           </a:extLst>
         </p:spPr>
       </p:pic>
-      <p:cxnSp>
-        <p:nvCxnSpPr>
-          <p:cNvPr id="5" name="Straight Arrow Connector 4"/>
-          <p:cNvCxnSpPr/>
+      <p:sp>
+        <p:nvSpPr>
+          <p:cNvPr id="3" name="AutoShape 2" descr="data:image/png;base64,iVBORw0KGgoAAAANSUhEUgAAANEAAADxCAMAAABiSKLrAAAAbFBMVEWIiIj////6+vr29vb19fX4+Pj5+fnu7u77+/v39/f9/f3z8/P+/v709PT8/Pyqqqrt7e3v7+/w8PDx8fHy8vK+vr7Q0NCjo6OBgYHY2Njk5OTHx8eNjY3c3NzGxsbn5+eWlpa1tbWcnJx6enob4+f+AAAIqklEQVR4nO3dCZuaOhQGYEZAh0FkX2W1//8/lkVMICeIkRmOPHz22lYg5OVEZLFzJRNrnC+xSGt3nJvQekMUYktnEiM1ouDrjCs/pukLkzoRtpjmNRcloRUFoiS8oo5UvLwsYpEgCaXoHLYiMRJqkRAJt0iEhFwkQMIqCgJRElpRLErCL3r1oxavSJSEWCRIQikyOtGQNPd8CaXICc04FiXhFomQkIsESChFbmhmwiT0opf3eBivMzSjLuORnh49oKxRKxIloayR24oESShFRScSI6EUJaGZCJNwiwhp/skFcpFAlbCLXiehF71MQisSJiEVVYkwqRP9oEpXI1HSXXRuWjo/2jz3f3v8YfjS7871lbU1EiT1IjrAKrvX/2iurzisijkk8OQC5ah7iERIyEUCJOyi10noRU9J490DUpFPRAApniJhFVnzSaOdOF6RKAmlKGhFgiTMohdIyYeIhEh30aV99E9NLo8VXLqn++Q/mIuIREid6DJsv32s91Ityi1hEtJRl5+ESX2NMKUR2ZYoCbNIjIRV5FiiJIyicx7mriVEKnCKfvxadBIloRQ1NTqJkcICpcgPr7rjOPYJZnFNbZVwikw/YHNlXmDi4xW9kU70jSnNqOu/xL4R0aWg3yNMgNHWp0I66i7Dy5PsdXFuApw1Eg8RndfuykLZa4Q/512EPrsIfzYtOmwje43wh4h+1u7KQvm5bk601wh9NlijXYQ+uwh/HqLrZkTXh+h4PDQP8lQ/PvAlSrT2xl0oRHQ5biOXXYQ+uwh/dhH+7CL82bRI3Ua2XKPvtTfuQvneReizi/BnF+HPLsKfTYu0bYQWsd5PfImIDmtv3IVy2EXos4vwZxfhzy7CH0okbyO7CH+2/D46rr1xF8pxF6HPLsKfXYQ/uwh/KJGyjWxatPZwWShEpK69cReKuovQZxfhzy7Cn12EP0SkGduItmHRzFF3P3r63ZHzTl4YdYqsHg/e/YdF2e7xcFRVrba109gMFp2evGhmjzpFVZLcvJVpl7K8hWaVB1liNVNdJh7VZ4Wd7P4aaa5I866lFEnDRHWksC5eVgtH8VWy8PHGTE5V/rr+QqSocTnm9CpTM+SMmRhVVJcPKbPYv5VFcs7x1F3P1eeikl1sXZHGB0lRLH+eSI75ICk6KZ8nctkOkaQN+cNEWjBRIimU0YpkHY4hmxOgqNIMHRaRJo6giLO+dyM/F1nsvpfqWVAv92Eihe0u3bNE+TgR/FkURfWhUHPMIBsguh6N0yKNs7o/EGkVIEpj+XA8fltJ0GzqDxMdQwBka+2gqQ/p9FYkpaNIiEXuje3OddQfg738rFCTcYmME9sdKXntbY1MBOy802JrotJ6bSUiInLia7y2+aZEbXuyxXbn5vXXGQazDs+6xUWGoql2kXU/DDrOssLWNFmZ65oQufeflwvU6PHDdO8ki/0xu/Rb7RVRvZNJgupW7y3bU+T6JLnej97MPLNUhbPIbJEV9U2y/eknHds5lfhfNMo/sb23oRX5LQXWGUmpGdtz3nxEpOiep7eP+5MFUEZJj+0SCnsCVX/CkrZUQFRvQG+8RkNOzHTi5LL0rW6x8YL0bwolGtdolqir0fQxAyQCNrdsVczFmdFS6fXp+4kSecPMEqntrAYkkklTYI288frkYKI+j+XCYtzRUdCIdMV/7mkWTDNmY6AU6bo5C9QknqwSEpFuzAdJUjZFQiJSoFMWfhIDu0ievDjD5ubquEV6AjVet3krU3B/Hvn8cYdDBJxUSlKVaJqmWvENMiXcImEQKcCYi26W1nZaN9SAXXFkcos0JZpxXLeICDpLDnVSBDkDusAtEhGN72p5J78LcMbn9+nudemgiDSlASLF66cC20NKbZ3qCnAnIfKp9gcxiIjVPj8/8mbVCBY9VsNes42C4YgBrgyUJ06NpkRdCuD8yB418pYIOkl2hyuQ2SOkKOMMO4M76vrBB4sG84Cjjrr5Cooeo4TdLwyGbLsC4IKgD93dHY66lUQye7gQxfqgfdcDhr7JeSOtLoL2dOn4KEdX2E+s0hp24j3RaUERsPnLLBmlYPceaYJVBB0Bja85p8ANn3rXgFX02kEqaSGAeywoGs7zjghYdqYoxyp68USCtMDZfX+wqHomav53fkBcWDSYx4NEBpkuAyLj3oSwSDIVsMM6ETVAp/3V/KG2tP/xRPRccI1IW7Comyr8PupE9052bbW/0yLHpX/1T1wRmQuskULa4oqcd/Z1pjLu6li0zqgDP49m5fmo+2NR3z50zFBYczLsBB6Rxx6y8Q5wRoE7LCaylhM5BnTs7cGdmZP1RZzdygeLXOjW9fg94jYXUnjjbBHRcJ5nImVKBA67fFgkL/HzIE4KRW7vM0/i/kQ0WSPHg75KldHdqc+h7pfZ0jKs/GuDM3hvNSLizSEqoroE1Yia7ELf00kIWS/o09z+EmLA6bC3hMh9TwRskDq51x47e4Zzhc73Qt64wyByPOjmUVT6cZZkcQV+0zxNflX05qgD36tSe3MilcCr1FLEe9sPRDYYjmgwD1wjMl1hm4h0ugF43PETVd6wB3RbKES2Pu+2cr9waHFBWESO+8JtyxrkckFYRDa8dxAAoRHNH3hRNTHkUIlsY9Z3TqR6LzcFokScSsKi4TzPRMYske0VT78XJJkJZ8uTzojV6FdEtmNkE9/diqLUzJTpAtmzalQyF6FvI5ETA9+OpraQwTYhwRvQMYqryX6sNn8vq8AynnqoGuXuCY7N/vMR3R7N47DzePR04J+gjJt4rM7V3SzwzbC8FzYtb2Z1jQtDd3nLDOLmD1E9v90++qfT4Lfh5N+cq/508shXb5st6Ll1cWa2RYu2EUo0p6QfkF2EP7sIf3YR/hCRs3ZXFoqzYdEGR92su1D4Q486yzq1D/L0iS85W67R2l1ZKLsIfzYs4l05+bg8rpxU/lZS3UXbyvZE/wFXu+LXNTDaDQAAAABJRU5ErkJggg=="/>
+          <p:cNvSpPr>
+            <a:spLocks noChangeAspect="1" noChangeArrowheads="1"/>
+          </p:cNvSpPr>
           <p:nvPr/>
-        </p:nvCxnSpPr>
-        <p:spPr>
-          <a:xfrm flipH="1" flipV="1">
-            <a:off x="1828800" y="3962400"/>
-            <a:ext cx="533400" cy="533400"/>
-          </a:xfrm>
-          <a:prstGeom prst="straightConnector1">
+        </p:nvSpPr>
+        <p:spPr bwMode="auto">
+          <a:xfrm>
+            <a:off x="155575" y="-144463"/>
+            <a:ext cx="304800" cy="304801"/>
+          </a:xfrm>
+          <a:prstGeom prst="rect">
             <a:avLst/>
           </a:prstGeom>
-          <a:ln>
-            <a:tailEnd type="arrow"/>
-          </a:ln>
+          <a:noFill/>
+          <a:extLst>
+            <a:ext uri="{909E8E84-426E-40DD-AFC4-6F175D3DCCD1}">
+              <a14:hiddenFill xmlns:a14="http://schemas.microsoft.com/office/drawing/2010/main">
+                <a:solidFill>
+                  <a:srgbClr val="FFFFFF"/>
+                </a:solidFill>
+              </a14:hiddenFill>
+            </a:ext>
+          </a:extLst>
+        </p:spPr>
+        <p:txBody>
+          <a:bodyPr vert="horz" wrap="square" lIns="91440" tIns="45720" rIns="91440" bIns="45720" numCol="1" anchor="t" anchorCtr="0" compatLnSpc="1">
+            <a:prstTxWarp prst="textNoShape">
+              <a:avLst/>
+            </a:prstTxWarp>
+          </a:bodyPr>
+          <a:lstStyle/>
+          <a:p>
+            <a:endParaRPr lang="en-US" sz="1200" dirty="0"/>
+          </a:p>
+        </p:txBody>
+      </p:sp>
+      <p:sp>
+        <p:nvSpPr>
+          <p:cNvPr id="2" name="AutoShape 2" descr="Image result for file"/>
+          <p:cNvSpPr>
+            <a:spLocks noChangeAspect="1" noChangeArrowheads="1"/>
+          </p:cNvSpPr>
+          <p:nvPr/>
+        </p:nvSpPr>
+        <p:spPr bwMode="auto">
+          <a:xfrm>
+            <a:off x="307975" y="7937"/>
+            <a:ext cx="304800" cy="304801"/>
+          </a:xfrm>
+          <a:prstGeom prst="rect">
+            <a:avLst/>
+          </a:prstGeom>
+          <a:noFill/>
+          <a:extLst>
+            <a:ext uri="{909E8E84-426E-40DD-AFC4-6F175D3DCCD1}">
+              <a14:hiddenFill xmlns:a14="http://schemas.microsoft.com/office/drawing/2010/main">
+                <a:solidFill>
+                  <a:srgbClr val="FFFFFF"/>
+                </a:solidFill>
+              </a14:hiddenFill>
+            </a:ext>
+          </a:extLst>
+        </p:spPr>
+        <p:txBody>
+          <a:bodyPr vert="horz" wrap="square" lIns="91440" tIns="45720" rIns="91440" bIns="45720" numCol="1" anchor="t" anchorCtr="0" compatLnSpc="1">
+            <a:prstTxWarp prst="textNoShape">
+              <a:avLst/>
+            </a:prstTxWarp>
+          </a:bodyPr>
+          <a:lstStyle/>
+          <a:p>
+            <a:endParaRPr lang="en-US" dirty="0"/>
+          </a:p>
+        </p:txBody>
+      </p:sp>
+      <p:sp>
+        <p:nvSpPr>
+          <p:cNvPr id="4" name="Rectangular Callout 3"/>
+          <p:cNvSpPr/>
+          <p:nvPr/>
+        </p:nvSpPr>
+        <p:spPr>
+          <a:xfrm>
+            <a:off x="123367" y="3582562"/>
+            <a:ext cx="2289516" cy="306324"/>
+          </a:xfrm>
+          <a:prstGeom prst="wedgeRectCallout">
+            <a:avLst>
+              <a:gd name="adj1" fmla="val 36398"/>
+              <a:gd name="adj2" fmla="val -427543"/>
+            </a:avLst>
+          </a:prstGeom>
         </p:spPr>
         <p:style>
-          <a:lnRef idx="2">
+          <a:lnRef idx="1">
             <a:schemeClr val="accent2"/>
           </a:lnRef>
-          <a:fillRef idx="0">
+          <a:fillRef idx="3">
             <a:schemeClr val="accent2"/>
           </a:fillRef>
-          <a:effectRef idx="1">
+          <a:effectRef idx="2">
             <a:schemeClr val="accent2"/>
           </a:effectRef>
           <a:fontRef idx="minor">
-            <a:schemeClr val="tx1"/>
+            <a:schemeClr val="lt1"/>
           </a:fontRef>
         </p:style>
-      </p:cxnSp>
-      <p:cxnSp>
-        <p:nvCxnSpPr>
-          <p:cNvPr id="10" name="Straight Arrow Connector 9"/>
-          <p:cNvCxnSpPr/>
+        <p:txBody>
+          <a:bodyPr rtlCol="0" anchor="ctr"/>
+          <a:lstStyle/>
+          <a:p>
+            <a:pPr algn="ctr"/>
+            <a:endParaRPr lang="en-US" sz="1200" dirty="0" smtClean="0"/>
+          </a:p>
+          <a:p>
+            <a:pPr algn="ctr"/>
+            <a:r>
+              <a:rPr lang="en-US" sz="1200" dirty="0" smtClean="0"/>
+              <a:t>SpringJMSProducer Application</a:t>
+            </a:r>
+          </a:p>
+          <a:p>
+            <a:pPr algn="ctr"/>
+            <a:endParaRPr lang="en-US" sz="1200" dirty="0"/>
+          </a:p>
+        </p:txBody>
+      </p:sp>
+      <p:sp>
+        <p:nvSpPr>
+          <p:cNvPr id="6" name="AutoShape 2" descr="Image result for activemq image"/>
+          <p:cNvSpPr>
+            <a:spLocks noChangeAspect="1" noChangeArrowheads="1"/>
+          </p:cNvSpPr>
           <p:nvPr/>
-        </p:nvCxnSpPr>
-        <p:spPr>
-          <a:xfrm flipH="1" flipV="1">
-            <a:off x="4563775" y="4081463"/>
-            <a:ext cx="533400" cy="533400"/>
-          </a:xfrm>
-          <a:prstGeom prst="straightConnector1">
+        </p:nvSpPr>
+        <p:spPr bwMode="auto">
+          <a:xfrm>
+            <a:off x="460375" y="160337"/>
+            <a:ext cx="304800" cy="304801"/>
+          </a:xfrm>
+          <a:prstGeom prst="rect">
             <a:avLst/>
           </a:prstGeom>
-          <a:ln>
-            <a:tailEnd type="arrow"/>
-          </a:ln>
+          <a:noFill/>
+          <a:extLst>
+            <a:ext uri="{909E8E84-426E-40DD-AFC4-6F175D3DCCD1}">
+              <a14:hiddenFill xmlns:a14="http://schemas.microsoft.com/office/drawing/2010/main">
+                <a:solidFill>
+                  <a:srgbClr val="FFFFFF"/>
+                </a:solidFill>
+              </a14:hiddenFill>
+            </a:ext>
+          </a:extLst>
+        </p:spPr>
+        <p:txBody>
+          <a:bodyPr vert="horz" wrap="square" lIns="91440" tIns="45720" rIns="91440" bIns="45720" numCol="1" anchor="t" anchorCtr="0" compatLnSpc="1">
+            <a:prstTxWarp prst="textNoShape">
+              <a:avLst/>
+            </a:prstTxWarp>
+          </a:bodyPr>
+          <a:lstStyle/>
+          <a:p>
+            <a:endParaRPr lang="en-US" dirty="0"/>
+          </a:p>
+        </p:txBody>
+      </p:sp>
+      <p:sp>
+        <p:nvSpPr>
+          <p:cNvPr id="13" name="Rectangular Callout 12"/>
+          <p:cNvSpPr/>
+          <p:nvPr/>
+        </p:nvSpPr>
+        <p:spPr>
+          <a:xfrm>
+            <a:off x="5979791" y="3607107"/>
+            <a:ext cx="2279308" cy="306324"/>
+          </a:xfrm>
+          <a:prstGeom prst="wedgeRectCallout">
+            <a:avLst>
+              <a:gd name="adj1" fmla="val 8263"/>
+              <a:gd name="adj2" fmla="val -461907"/>
+            </a:avLst>
+          </a:prstGeom>
         </p:spPr>
         <p:style>
-          <a:lnRef idx="2">
+          <a:lnRef idx="1">
             <a:schemeClr val="accent2"/>
           </a:lnRef>
-          <a:fillRef idx="0">
+          <a:fillRef idx="3">
             <a:schemeClr val="accent2"/>
           </a:fillRef>
-          <a:effectRef idx="1">
+          <a:effectRef idx="2">
             <a:schemeClr val="accent2"/>
           </a:effectRef>
           <a:fontRef idx="minor">
-            <a:schemeClr val="tx1"/>
+            <a:schemeClr val="lt1"/>
           </a:fontRef>
         </p:style>
-      </p:cxnSp>
-      <p:cxnSp>
-        <p:nvCxnSpPr>
-          <p:cNvPr id="11" name="Straight Arrow Connector 10"/>
-          <p:cNvCxnSpPr/>
-          <p:nvPr/>
-        </p:nvCxnSpPr>
-        <p:spPr>
-          <a:xfrm flipH="1" flipV="1">
-            <a:off x="5715000" y="4081463"/>
-            <a:ext cx="533400" cy="533400"/>
-          </a:xfrm>
-          <a:prstGeom prst="straightConnector1">
-            <a:avLst/>
-          </a:prstGeom>
-          <a:ln>
-            <a:tailEnd type="arrow"/>
-          </a:ln>
-        </p:spPr>
-        <p:style>
-          <a:lnRef idx="2">
-            <a:schemeClr val="accent2"/>
-          </a:lnRef>
-          <a:fillRef idx="0">
-            <a:schemeClr val="accent2"/>
-          </a:fillRef>
-          <a:effectRef idx="1">
-            <a:schemeClr val="accent2"/>
-          </a:effectRef>
-          <a:fontRef idx="minor">
-            <a:schemeClr val="tx1"/>
-          </a:fontRef>
-        </p:style>
-      </p:cxnSp>
-      <p:sp>
-        <p:nvSpPr>
-          <p:cNvPr id="13" name="Rectangle 12"/>
+        <p:txBody>
+          <a:bodyPr rtlCol="0" anchor="ctr"/>
+          <a:lstStyle/>
+          <a:p>
+            <a:pPr algn="ctr"/>
+            <a:r>
+              <a:rPr lang="en-US" sz="1200" dirty="0" smtClean="0"/>
+              <a:t>SpringJMSConsumer Application</a:t>
+            </a:r>
+            <a:endParaRPr lang="en-US" sz="1200" dirty="0"/>
+          </a:p>
+        </p:txBody>
+      </p:sp>
+      <p:sp>
+        <p:nvSpPr>
+          <p:cNvPr id="14" name="Rectangle 13"/>
           <p:cNvSpPr/>
           <p:nvPr/>
         </p:nvSpPr>
         <p:spPr>
           <a:xfrm>
-            <a:off x="3429000" y="35739"/>
-            <a:ext cx="2209800" cy="276999"/>
+            <a:off x="3124200" y="35739"/>
+            <a:ext cx="2560163" cy="276999"/>
           </a:xfrm>
           <a:prstGeom prst="rect">
             <a:avLst/>
@@ -4854,10 +5288,129 @@
             </a:lvl9pPr>
           </a:lstStyle>
           <a:p>
-            <a:pPr algn="ctr"/>
+            <a:pPr algn="ctr" fontAlgn="base"/>
+            <a:r>
+              <a:rPr lang="en-US" sz="1200" dirty="0"/>
+              <a:t>Spring </a:t>
+            </a:r>
             <a:r>
               <a:rPr lang="en-US" sz="1200" dirty="0" smtClean="0"/>
-              <a:t>SpringJMSProducer Application</a:t>
+              <a:t>+ JMS + </a:t>
+            </a:r>
+            <a:r>
+              <a:rPr lang="en-US" sz="1200" dirty="0" err="1" smtClean="0"/>
+              <a:t>RabbitMQ</a:t>
+            </a:r>
+            <a:r>
+              <a:rPr lang="en-US" sz="1200" dirty="0" smtClean="0"/>
+              <a:t> </a:t>
+            </a:r>
+            <a:r>
+              <a:rPr lang="en-US" sz="1200" dirty="0"/>
+              <a:t>example </a:t>
+            </a:r>
+          </a:p>
+        </p:txBody>
+      </p:sp>
+      <p:sp>
+        <p:nvSpPr>
+          <p:cNvPr id="7" name="Rounded Rectangular Callout 6"/>
+          <p:cNvSpPr/>
+          <p:nvPr/>
+        </p:nvSpPr>
+        <p:spPr>
+          <a:xfrm>
+            <a:off x="5684363" y="1219200"/>
+            <a:ext cx="1783237" cy="384048"/>
+          </a:xfrm>
+          <a:prstGeom prst="wedgeRoundRectCallout">
+            <a:avLst>
+              <a:gd name="adj1" fmla="val -46136"/>
+              <a:gd name="adj2" fmla="val 145956"/>
+              <a:gd name="adj3" fmla="val 16667"/>
+            </a:avLst>
+          </a:prstGeom>
+          <a:ln w="3175"/>
+        </p:spPr>
+        <p:style>
+          <a:lnRef idx="2">
+            <a:schemeClr val="accent4"/>
+          </a:lnRef>
+          <a:fillRef idx="1">
+            <a:schemeClr val="lt1"/>
+          </a:fillRef>
+          <a:effectRef idx="0">
+            <a:schemeClr val="accent4"/>
+          </a:effectRef>
+          <a:fontRef idx="minor">
+            <a:schemeClr val="dk1"/>
+          </a:fontRef>
+        </p:style>
+        <p:txBody>
+          <a:bodyPr rtlCol="0" anchor="ctr"/>
+          <a:lstStyle/>
+          <a:p>
+            <a:r>
+              <a:rPr lang="en-US" sz="1200" dirty="0"/>
+              <a:t>This is container for </a:t>
+            </a:r>
+            <a:r>
+              <a:rPr lang="en-US" sz="1200" dirty="0" smtClean="0"/>
+              <a:t>the messages</a:t>
+            </a:r>
+            <a:r>
+              <a:rPr lang="en-US" sz="1200" dirty="0"/>
+              <a:t>.</a:t>
+            </a:r>
+            <a:endParaRPr lang="en-US" sz="1200" dirty="0"/>
+          </a:p>
+        </p:txBody>
+      </p:sp>
+      <p:sp>
+        <p:nvSpPr>
+          <p:cNvPr id="15" name="Rounded Rectangular Callout 14"/>
+          <p:cNvSpPr/>
+          <p:nvPr/>
+        </p:nvSpPr>
+        <p:spPr>
+          <a:xfrm>
+            <a:off x="3429000" y="1179576"/>
+            <a:ext cx="1783237" cy="384048"/>
+          </a:xfrm>
+          <a:prstGeom prst="wedgeRoundRectCallout">
+            <a:avLst>
+              <a:gd name="adj1" fmla="val -33449"/>
+              <a:gd name="adj2" fmla="val 131229"/>
+              <a:gd name="adj3" fmla="val 16667"/>
+            </a:avLst>
+          </a:prstGeom>
+          <a:ln w="3175"/>
+        </p:spPr>
+        <p:style>
+          <a:lnRef idx="2">
+            <a:schemeClr val="accent4"/>
+          </a:lnRef>
+          <a:fillRef idx="1">
+            <a:schemeClr val="lt1"/>
+          </a:fillRef>
+          <a:effectRef idx="0">
+            <a:schemeClr val="accent4"/>
+          </a:effectRef>
+          <a:fontRef idx="minor">
+            <a:schemeClr val="dk1"/>
+          </a:fontRef>
+        </p:style>
+        <p:txBody>
+          <a:bodyPr rtlCol="0" anchor="ctr"/>
+          <a:lstStyle/>
+          <a:p>
+            <a:r>
+              <a:rPr lang="en-US" sz="1200" dirty="0" smtClean="0"/>
+              <a:t>Routes </a:t>
+            </a:r>
+            <a:r>
+              <a:rPr lang="en-US" sz="1200" dirty="0"/>
+              <a:t>the message to a queue</a:t>
             </a:r>
             <a:endParaRPr lang="en-US" sz="1200" dirty="0"/>
           </a:p>
@@ -4866,7 +5419,7 @@
     </p:spTree>
     <p:extLst>
       <p:ext uri="{BB962C8B-B14F-4D97-AF65-F5344CB8AC3E}">
-        <p14:creationId xmlns:p14="http://schemas.microsoft.com/office/powerpoint/2010/main" val="3959538860"/>
+        <p14:creationId xmlns:p14="http://schemas.microsoft.com/office/powerpoint/2010/main" val="1858254946"/>
       </p:ext>
     </p:extLst>
   </p:cSld>
@@ -5027,7 +5580,7 @@
       </p:sp>
       <p:sp>
         <p:nvSpPr>
-          <p:cNvPr id="9" name="Rectangle 8"/>
+          <p:cNvPr id="13" name="Rectangle 12"/>
           <p:cNvSpPr/>
           <p:nvPr/>
         </p:nvSpPr>
@@ -5156,8 +5709,12 @@
           <a:p>
             <a:pPr algn="ctr"/>
             <a:r>
+              <a:rPr lang="en-US" sz="1200" dirty="0" err="1" smtClean="0"/>
+              <a:t>SpringJMSProducer</a:t>
+            </a:r>
+            <a:r>
               <a:rPr lang="en-US" sz="1200" dirty="0" smtClean="0"/>
-              <a:t>SpringJMSConsumer Application</a:t>
+              <a:t> Application</a:t>
             </a:r>
             <a:endParaRPr lang="en-US" sz="1200" dirty="0"/>
           </a:p>
@@ -5165,7 +5722,7 @@
       </p:sp>
       <p:pic>
         <p:nvPicPr>
-          <p:cNvPr id="4" name="Picture 2"/>
+          <p:cNvPr id="3074" name="Picture 2"/>
           <p:cNvPicPr>
             <a:picLocks noChangeAspect="1" noChangeArrowheads="1"/>
           </p:cNvPicPr>
@@ -5186,8 +5743,8 @@
         </p:blipFill>
         <p:spPr bwMode="auto">
           <a:xfrm>
-            <a:off x="155575" y="465138"/>
-            <a:ext cx="5459412" cy="4399998"/>
+            <a:off x="155575" y="465924"/>
+            <a:ext cx="6326187" cy="4265956"/>
           </a:xfrm>
           <a:prstGeom prst="rect">
             <a:avLst/>
@@ -5196,13 +5753,2435 @@
         </p:spPr>
         <p:style>
           <a:lnRef idx="1">
-            <a:schemeClr val="accent3"/>
+            <a:schemeClr val="accent4"/>
+          </a:lnRef>
+          <a:fillRef idx="3">
+            <a:schemeClr val="accent4"/>
+          </a:fillRef>
+          <a:effectRef idx="2">
+            <a:schemeClr val="accent4"/>
+          </a:effectRef>
+          <a:fontRef idx="minor">
+            <a:schemeClr val="lt1"/>
+          </a:fontRef>
+        </p:style>
+      </p:pic>
+      <p:cxnSp>
+        <p:nvCxnSpPr>
+          <p:cNvPr id="7" name="Straight Arrow Connector 6"/>
+          <p:cNvCxnSpPr/>
+          <p:nvPr/>
+        </p:nvCxnSpPr>
+        <p:spPr>
+          <a:xfrm flipH="1" flipV="1">
+            <a:off x="3318668" y="2598902"/>
+            <a:ext cx="719932" cy="296698"/>
+          </a:xfrm>
+          <a:prstGeom prst="straightConnector1">
+            <a:avLst/>
+          </a:prstGeom>
+          <a:ln>
+            <a:tailEnd type="arrow"/>
+          </a:ln>
+        </p:spPr>
+        <p:style>
+          <a:lnRef idx="2">
+            <a:schemeClr val="accent2"/>
+          </a:lnRef>
+          <a:fillRef idx="0">
+            <a:schemeClr val="accent2"/>
+          </a:fillRef>
+          <a:effectRef idx="1">
+            <a:schemeClr val="accent2"/>
+          </a:effectRef>
+          <a:fontRef idx="minor">
+            <a:schemeClr val="tx1"/>
+          </a:fontRef>
+        </p:style>
+      </p:cxnSp>
+    </p:spTree>
+    <p:extLst>
+      <p:ext uri="{BB962C8B-B14F-4D97-AF65-F5344CB8AC3E}">
+        <p14:creationId xmlns:p14="http://schemas.microsoft.com/office/powerpoint/2010/main" val="3959538860"/>
+      </p:ext>
+    </p:extLst>
+  </p:cSld>
+  <p:clrMapOvr>
+    <a:masterClrMapping/>
+  </p:clrMapOvr>
+  <mc:AlternateContent xmlns:mc="http://schemas.openxmlformats.org/markup-compatibility/2006" xmlns:p14="http://schemas.microsoft.com/office/powerpoint/2010/main">
+    <mc:Choice Requires="p14">
+      <p:transition spd="slow" p14:dur="2000"/>
+    </mc:Choice>
+    <mc:Fallback xmlns="">
+      <p:transition spd="slow"/>
+    </mc:Fallback>
+  </mc:AlternateContent>
+  <p:timing>
+    <p:tnLst>
+      <p:par>
+        <p:cTn id="1" dur="indefinite" restart="never" nodeType="tmRoot"/>
+      </p:par>
+    </p:tnLst>
+  </p:timing>
+</p:sld>
+</file>
+
+<file path=ppt/slides/slide4.xml><?xml version="1.0" encoding="utf-8"?>
+<p:sld xmlns:a="http://schemas.openxmlformats.org/drawingml/2006/main" xmlns:r="http://schemas.openxmlformats.org/officeDocument/2006/relationships" xmlns:p="http://schemas.openxmlformats.org/presentationml/2006/main">
+  <p:cSld>
+    <p:spTree>
+      <p:nvGrpSpPr>
+        <p:cNvPr id="1" name=""/>
+        <p:cNvGrpSpPr/>
+        <p:nvPr/>
+      </p:nvGrpSpPr>
+      <p:grpSpPr>
+        <a:xfrm>
+          <a:off x="0" y="0"/>
+          <a:ext cx="0" cy="0"/>
+          <a:chOff x="0" y="0"/>
+          <a:chExt cx="0" cy="0"/>
+        </a:xfrm>
+      </p:grpSpPr>
+      <p:sp>
+        <p:nvSpPr>
+          <p:cNvPr id="3" name="AutoShape 2" descr="data:image/png;base64,iVBORw0KGgoAAAANSUhEUgAAANEAAADxCAMAAABiSKLrAAAAbFBMVEWIiIj////6+vr29vb19fX4+Pj5+fnu7u77+/v39/f9/f3z8/P+/v709PT8/Pyqqqrt7e3v7+/w8PDx8fHy8vK+vr7Q0NCjo6OBgYHY2Njk5OTHx8eNjY3c3NzGxsbn5+eWlpa1tbWcnJx6enob4+f+AAAIqklEQVR4nO3dCZuaOhQGYEZAh0FkX2W1//8/lkVMICeIkRmOPHz22lYg5OVEZLFzJRNrnC+xSGt3nJvQekMUYktnEiM1ouDrjCs/pukLkzoRtpjmNRcloRUFoiS8oo5UvLwsYpEgCaXoHLYiMRJqkRAJt0iEhFwkQMIqCgJRElpRLErCL3r1oxavSJSEWCRIQikyOtGQNPd8CaXICc04FiXhFomQkIsESChFbmhmwiT0opf3eBivMzSjLuORnh49oKxRKxIloayR24oESShFRScSI6EUJaGZCJNwiwhp/skFcpFAlbCLXiehF71MQisSJiEVVYkwqRP9oEpXI1HSXXRuWjo/2jz3f3v8YfjS7871lbU1EiT1IjrAKrvX/2iurzisijkk8OQC5ah7iERIyEUCJOyi10noRU9J490DUpFPRAApniJhFVnzSaOdOF6RKAmlKGhFgiTMohdIyYeIhEh30aV99E9NLo8VXLqn++Q/mIuIREid6DJsv32s91Ityi1hEtJRl5+ESX2NMKUR2ZYoCbNIjIRV5FiiJIyicx7mriVEKnCKfvxadBIloRQ1NTqJkcICpcgPr7rjOPYJZnFNbZVwikw/YHNlXmDi4xW9kU70jSnNqOu/xL4R0aWg3yNMgNHWp0I66i7Dy5PsdXFuApw1Eg8RndfuykLZa4Q/512EPrsIfzYtOmwje43wh4h+1u7KQvm5bk601wh9NlijXYQ+uwh/HqLrZkTXh+h4PDQP8lQ/PvAlSrT2xl0oRHQ5biOXXYQ+uwh/dhH+7CL82bRI3Ua2XKPvtTfuQvneReizi/BnF+HPLsKfTYu0bYQWsd5PfImIDmtv3IVy2EXos4vwZxfhzy7CH0okbyO7CH+2/D46rr1xF8pxF6HPLsKfXYQ/uwh/KJGyjWxatPZwWShEpK69cReKuovQZxfhzy7Cn12EP0SkGduItmHRzFF3P3r63ZHzTl4YdYqsHg/e/YdF2e7xcFRVrba109gMFp2evGhmjzpFVZLcvJVpl7K8hWaVB1liNVNdJh7VZ4Wd7P4aaa5I866lFEnDRHWksC5eVgtH8VWy8PHGTE5V/rr+QqSocTnm9CpTM+SMmRhVVJcPKbPYv5VFcs7x1F3P1eeikl1sXZHGB0lRLH+eSI75ICk6KZ8nctkOkaQN+cNEWjBRIimU0YpkHY4hmxOgqNIMHRaRJo6giLO+dyM/F1nsvpfqWVAv92Eihe0u3bNE+TgR/FkURfWhUHPMIBsguh6N0yKNs7o/EGkVIEpj+XA8fltJ0GzqDxMdQwBka+2gqQ/p9FYkpaNIiEXuje3OddQfg738rFCTcYmME9sdKXntbY1MBOy802JrotJ6bSUiInLia7y2+aZEbXuyxXbn5vXXGQazDs+6xUWGoql2kXU/DDrOssLWNFmZ65oQufeflwvU6PHDdO8ki/0xu/Rb7RVRvZNJgupW7y3bU+T6JLnej97MPLNUhbPIbJEV9U2y/eknHds5lfhfNMo/sb23oRX5LQXWGUmpGdtz3nxEpOiep7eP+5MFUEZJj+0SCnsCVX/CkrZUQFRvQG+8RkNOzHTi5LL0rW6x8YL0bwolGtdolqir0fQxAyQCNrdsVczFmdFS6fXp+4kSecPMEqntrAYkkklTYI288frkYKI+j+XCYtzRUdCIdMV/7mkWTDNmY6AU6bo5C9QknqwSEpFuzAdJUjZFQiJSoFMWfhIDu0ievDjD5ubquEV6AjVet3krU3B/Hvn8cYdDBJxUSlKVaJqmWvENMiXcImEQKcCYi26W1nZaN9SAXXFkcos0JZpxXLeICDpLDnVSBDkDusAtEhGN72p5J78LcMbn9+nudemgiDSlASLF66cC20NKbZ3qCnAnIfKp9gcxiIjVPj8/8mbVCBY9VsNes42C4YgBrgyUJ06NpkRdCuD8yB418pYIOkl2hyuQ2SOkKOMMO4M76vrBB4sG84Cjjrr5Cooeo4TdLwyGbLsC4IKgD93dHY66lUQye7gQxfqgfdcDhr7JeSOtLoL2dOn4KEdX2E+s0hp24j3RaUERsPnLLBmlYPceaYJVBB0Bja85p8ANn3rXgFX02kEqaSGAeywoGs7zjghYdqYoxyp68USCtMDZfX+wqHomav53fkBcWDSYx4NEBpkuAyLj3oSwSDIVsMM6ETVAp/3V/KG2tP/xRPRccI1IW7Comyr8PupE9052bbW/0yLHpX/1T1wRmQuskULa4oqcd/Z1pjLu6li0zqgDP49m5fmo+2NR3z50zFBYczLsBB6Rxx6y8Q5wRoE7LCaylhM5BnTs7cGdmZP1RZzdygeLXOjW9fg94jYXUnjjbBHRcJ5nImVKBA67fFgkL/HzIE4KRW7vM0/i/kQ0WSPHg75KldHdqc+h7pfZ0jKs/GuDM3hvNSLizSEqoroE1Yia7ELf00kIWS/o09z+EmLA6bC3hMh9TwRskDq51x47e4Zzhc73Qt64wyByPOjmUVT6cZZkcQV+0zxNflX05qgD36tSe3MilcCr1FLEe9sPRDYYjmgwD1wjMl1hm4h0ugF43PETVd6wB3RbKES2Pu+2cr9waHFBWESO+8JtyxrkckFYRDa8dxAAoRHNH3hRNTHkUIlsY9Z3TqR6LzcFokScSsKi4TzPRMYske0VT78XJJkJZ8uTzojV6FdEtmNkE9/diqLUzJTpAtmzalQyF6FvI5ETA9+OpraQwTYhwRvQMYqryX6sNn8vq8AynnqoGuXuCY7N/vMR3R7N47DzePR04J+gjJt4rM7V3SzwzbC8FzYtb2Z1jQtDd3nLDOLmD1E9v90++qfT4Lfh5N+cq/508shXb5st6Ll1cWa2RYu2EUo0p6QfkF2EP7sIf3YR/hCRs3ZXFoqzYdEGR92su1D4Q486yzq1D/L0iS85W67R2l1ZKLsIfzYs4l05+bg8rpxU/lZS3UXbyvZE/wFXu+LXNTDaDQAAAABJRU5ErkJggg=="/>
+          <p:cNvSpPr>
+            <a:spLocks noChangeAspect="1" noChangeArrowheads="1"/>
+          </p:cNvSpPr>
+          <p:nvPr/>
+        </p:nvSpPr>
+        <p:spPr bwMode="auto">
+          <a:xfrm>
+            <a:off x="155575" y="-144463"/>
+            <a:ext cx="304800" cy="304801"/>
+          </a:xfrm>
+          <a:prstGeom prst="rect">
+            <a:avLst/>
+          </a:prstGeom>
+          <a:noFill/>
+          <a:extLst>
+            <a:ext uri="{909E8E84-426E-40DD-AFC4-6F175D3DCCD1}">
+              <a14:hiddenFill xmlns:a14="http://schemas.microsoft.com/office/drawing/2010/main">
+                <a:solidFill>
+                  <a:srgbClr val="FFFFFF"/>
+                </a:solidFill>
+              </a14:hiddenFill>
+            </a:ext>
+          </a:extLst>
+        </p:spPr>
+        <p:txBody>
+          <a:bodyPr vert="horz" wrap="square" lIns="91440" tIns="45720" rIns="91440" bIns="45720" numCol="1" anchor="t" anchorCtr="0" compatLnSpc="1">
+            <a:prstTxWarp prst="textNoShape">
+              <a:avLst/>
+            </a:prstTxWarp>
+          </a:bodyPr>
+          <a:lstStyle/>
+          <a:p>
+            <a:endParaRPr lang="en-US" sz="1200" dirty="0"/>
+          </a:p>
+        </p:txBody>
+      </p:sp>
+      <p:sp>
+        <p:nvSpPr>
+          <p:cNvPr id="2" name="AutoShape 2" descr="Image result for file"/>
+          <p:cNvSpPr>
+            <a:spLocks noChangeAspect="1" noChangeArrowheads="1"/>
+          </p:cNvSpPr>
+          <p:nvPr/>
+        </p:nvSpPr>
+        <p:spPr bwMode="auto">
+          <a:xfrm>
+            <a:off x="307975" y="7937"/>
+            <a:ext cx="304800" cy="304801"/>
+          </a:xfrm>
+          <a:prstGeom prst="rect">
+            <a:avLst/>
+          </a:prstGeom>
+          <a:noFill/>
+          <a:extLst>
+            <a:ext uri="{909E8E84-426E-40DD-AFC4-6F175D3DCCD1}">
+              <a14:hiddenFill xmlns:a14="http://schemas.microsoft.com/office/drawing/2010/main">
+                <a:solidFill>
+                  <a:srgbClr val="FFFFFF"/>
+                </a:solidFill>
+              </a14:hiddenFill>
+            </a:ext>
+          </a:extLst>
+        </p:spPr>
+        <p:txBody>
+          <a:bodyPr vert="horz" wrap="square" lIns="91440" tIns="45720" rIns="91440" bIns="45720" numCol="1" anchor="t" anchorCtr="0" compatLnSpc="1">
+            <a:prstTxWarp prst="textNoShape">
+              <a:avLst/>
+            </a:prstTxWarp>
+          </a:bodyPr>
+          <a:lstStyle/>
+          <a:p>
+            <a:endParaRPr lang="en-US" dirty="0"/>
+          </a:p>
+        </p:txBody>
+      </p:sp>
+      <p:sp>
+        <p:nvSpPr>
+          <p:cNvPr id="6" name="AutoShape 2" descr="Image result for activemq image"/>
+          <p:cNvSpPr>
+            <a:spLocks noChangeAspect="1" noChangeArrowheads="1"/>
+          </p:cNvSpPr>
+          <p:nvPr/>
+        </p:nvSpPr>
+        <p:spPr bwMode="auto">
+          <a:xfrm>
+            <a:off x="460375" y="160337"/>
+            <a:ext cx="304800" cy="304801"/>
+          </a:xfrm>
+          <a:prstGeom prst="rect">
+            <a:avLst/>
+          </a:prstGeom>
+          <a:noFill/>
+          <a:extLst>
+            <a:ext uri="{909E8E84-426E-40DD-AFC4-6F175D3DCCD1}">
+              <a14:hiddenFill xmlns:a14="http://schemas.microsoft.com/office/drawing/2010/main">
+                <a:solidFill>
+                  <a:srgbClr val="FFFFFF"/>
+                </a:solidFill>
+              </a14:hiddenFill>
+            </a:ext>
+          </a:extLst>
+        </p:spPr>
+        <p:txBody>
+          <a:bodyPr vert="horz" wrap="square" lIns="91440" tIns="45720" rIns="91440" bIns="45720" numCol="1" anchor="t" anchorCtr="0" compatLnSpc="1">
+            <a:prstTxWarp prst="textNoShape">
+              <a:avLst/>
+            </a:prstTxWarp>
+          </a:bodyPr>
+          <a:lstStyle/>
+          <a:p>
+            <a:endParaRPr lang="en-US"/>
+          </a:p>
+        </p:txBody>
+      </p:sp>
+      <p:sp>
+        <p:nvSpPr>
+          <p:cNvPr id="13" name="Rectangle 12"/>
+          <p:cNvSpPr/>
+          <p:nvPr/>
+        </p:nvSpPr>
+        <p:spPr>
+          <a:xfrm>
+            <a:off x="3429000" y="35739"/>
+            <a:ext cx="2209800" cy="276999"/>
+          </a:xfrm>
+          <a:prstGeom prst="rect">
+            <a:avLst/>
+          </a:prstGeom>
+        </p:spPr>
+        <p:style>
+          <a:lnRef idx="1">
+            <a:schemeClr val="accent4"/>
+          </a:lnRef>
+          <a:fillRef idx="3">
+            <a:schemeClr val="accent4"/>
+          </a:fillRef>
+          <a:effectRef idx="2">
+            <a:schemeClr val="accent4"/>
+          </a:effectRef>
+          <a:fontRef idx="minor">
+            <a:schemeClr val="lt1"/>
+          </a:fontRef>
+        </p:style>
+        <p:txBody>
+          <a:bodyPr wrap="square">
+            <a:spAutoFit/>
+          </a:bodyPr>
+          <a:lstStyle>
+            <a:defPPr>
+              <a:defRPr lang="en-US"/>
+            </a:defPPr>
+            <a:lvl1pPr marL="0" algn="l" defTabSz="914400" rtl="0" eaLnBrk="1" latinLnBrk="0" hangingPunct="1">
+              <a:defRPr sz="1800" kern="1200">
+                <a:solidFill>
+                  <a:schemeClr val="lt1"/>
+                </a:solidFill>
+                <a:latin typeface="+mn-lt"/>
+                <a:ea typeface="+mn-ea"/>
+                <a:cs typeface="+mn-cs"/>
+              </a:defRPr>
+            </a:lvl1pPr>
+            <a:lvl2pPr marL="457200" algn="l" defTabSz="914400" rtl="0" eaLnBrk="1" latinLnBrk="0" hangingPunct="1">
+              <a:defRPr sz="1800" kern="1200">
+                <a:solidFill>
+                  <a:schemeClr val="lt1"/>
+                </a:solidFill>
+                <a:latin typeface="+mn-lt"/>
+                <a:ea typeface="+mn-ea"/>
+                <a:cs typeface="+mn-cs"/>
+              </a:defRPr>
+            </a:lvl2pPr>
+            <a:lvl3pPr marL="914400" algn="l" defTabSz="914400" rtl="0" eaLnBrk="1" latinLnBrk="0" hangingPunct="1">
+              <a:defRPr sz="1800" kern="1200">
+                <a:solidFill>
+                  <a:schemeClr val="lt1"/>
+                </a:solidFill>
+                <a:latin typeface="+mn-lt"/>
+                <a:ea typeface="+mn-ea"/>
+                <a:cs typeface="+mn-cs"/>
+              </a:defRPr>
+            </a:lvl3pPr>
+            <a:lvl4pPr marL="1371600" algn="l" defTabSz="914400" rtl="0" eaLnBrk="1" latinLnBrk="0" hangingPunct="1">
+              <a:defRPr sz="1800" kern="1200">
+                <a:solidFill>
+                  <a:schemeClr val="lt1"/>
+                </a:solidFill>
+                <a:latin typeface="+mn-lt"/>
+                <a:ea typeface="+mn-ea"/>
+                <a:cs typeface="+mn-cs"/>
+              </a:defRPr>
+            </a:lvl4pPr>
+            <a:lvl5pPr marL="1828800" algn="l" defTabSz="914400" rtl="0" eaLnBrk="1" latinLnBrk="0" hangingPunct="1">
+              <a:defRPr sz="1800" kern="1200">
+                <a:solidFill>
+                  <a:schemeClr val="lt1"/>
+                </a:solidFill>
+                <a:latin typeface="+mn-lt"/>
+                <a:ea typeface="+mn-ea"/>
+                <a:cs typeface="+mn-cs"/>
+              </a:defRPr>
+            </a:lvl5pPr>
+            <a:lvl6pPr marL="2286000" algn="l" defTabSz="914400" rtl="0" eaLnBrk="1" latinLnBrk="0" hangingPunct="1">
+              <a:defRPr sz="1800" kern="1200">
+                <a:solidFill>
+                  <a:schemeClr val="lt1"/>
+                </a:solidFill>
+                <a:latin typeface="+mn-lt"/>
+                <a:ea typeface="+mn-ea"/>
+                <a:cs typeface="+mn-cs"/>
+              </a:defRPr>
+            </a:lvl6pPr>
+            <a:lvl7pPr marL="2743200" algn="l" defTabSz="914400" rtl="0" eaLnBrk="1" latinLnBrk="0" hangingPunct="1">
+              <a:defRPr sz="1800" kern="1200">
+                <a:solidFill>
+                  <a:schemeClr val="lt1"/>
+                </a:solidFill>
+                <a:latin typeface="+mn-lt"/>
+                <a:ea typeface="+mn-ea"/>
+                <a:cs typeface="+mn-cs"/>
+              </a:defRPr>
+            </a:lvl7pPr>
+            <a:lvl8pPr marL="3200400" algn="l" defTabSz="914400" rtl="0" eaLnBrk="1" latinLnBrk="0" hangingPunct="1">
+              <a:defRPr sz="1800" kern="1200">
+                <a:solidFill>
+                  <a:schemeClr val="lt1"/>
+                </a:solidFill>
+                <a:latin typeface="+mn-lt"/>
+                <a:ea typeface="+mn-ea"/>
+                <a:cs typeface="+mn-cs"/>
+              </a:defRPr>
+            </a:lvl8pPr>
+            <a:lvl9pPr marL="3657600" algn="l" defTabSz="914400" rtl="0" eaLnBrk="1" latinLnBrk="0" hangingPunct="1">
+              <a:defRPr sz="1800" kern="1200">
+                <a:solidFill>
+                  <a:schemeClr val="lt1"/>
+                </a:solidFill>
+                <a:latin typeface="+mn-lt"/>
+                <a:ea typeface="+mn-ea"/>
+                <a:cs typeface="+mn-cs"/>
+              </a:defRPr>
+            </a:lvl9pPr>
+          </a:lstStyle>
+          <a:p>
+            <a:pPr algn="ctr"/>
+            <a:r>
+              <a:rPr lang="en-US" sz="1200" dirty="0" smtClean="0"/>
+              <a:t>SpringJMSProducer Application</a:t>
+            </a:r>
+            <a:endParaRPr lang="en-US" sz="1200" dirty="0"/>
+          </a:p>
+        </p:txBody>
+      </p:sp>
+      <p:pic>
+        <p:nvPicPr>
+          <p:cNvPr id="4098" name="Picture 2"/>
+          <p:cNvPicPr>
+            <a:picLocks noChangeAspect="1" noChangeArrowheads="1"/>
+          </p:cNvPicPr>
+          <p:nvPr/>
+        </p:nvPicPr>
+        <p:blipFill>
+          <a:blip r:embed="rId3">
+            <a:extLst>
+              <a:ext uri="{28A0092B-C50C-407E-A947-70E740481C1C}">
+                <a14:useLocalDpi xmlns:a14="http://schemas.microsoft.com/office/drawing/2010/main" val="0"/>
+              </a:ext>
+            </a:extLst>
+          </a:blip>
+          <a:srcRect/>
+          <a:stretch>
+            <a:fillRect/>
+          </a:stretch>
+        </p:blipFill>
+        <p:spPr bwMode="auto">
+          <a:xfrm>
+            <a:off x="208992" y="465138"/>
+            <a:ext cx="4134407" cy="4429779"/>
+          </a:xfrm>
+          <a:prstGeom prst="rect">
+            <a:avLst/>
+          </a:prstGeom>
+          <a:ln/>
+        </p:spPr>
+        <p:style>
+          <a:lnRef idx="1">
+            <a:schemeClr val="accent4"/>
+          </a:lnRef>
+          <a:fillRef idx="3">
+            <a:schemeClr val="accent4"/>
+          </a:fillRef>
+          <a:effectRef idx="2">
+            <a:schemeClr val="accent4"/>
+          </a:effectRef>
+          <a:fontRef idx="minor">
+            <a:schemeClr val="lt1"/>
+          </a:fontRef>
+        </p:style>
+      </p:pic>
+      <p:sp>
+        <p:nvSpPr>
+          <p:cNvPr id="7" name="Rounded Rectangular Callout 6"/>
+          <p:cNvSpPr/>
+          <p:nvPr/>
+        </p:nvSpPr>
+        <p:spPr>
+          <a:xfrm>
+            <a:off x="3429000" y="1179576"/>
+            <a:ext cx="4572000" cy="384048"/>
+          </a:xfrm>
+          <a:prstGeom prst="wedgeRoundRectCallout">
+            <a:avLst>
+              <a:gd name="adj1" fmla="val -83964"/>
+              <a:gd name="adj2" fmla="val 84592"/>
+              <a:gd name="adj3" fmla="val 16667"/>
+            </a:avLst>
+          </a:prstGeom>
+          <a:ln w="3175"/>
+        </p:spPr>
+        <p:style>
+          <a:lnRef idx="2">
+            <a:schemeClr val="accent4"/>
+          </a:lnRef>
+          <a:fillRef idx="1">
+            <a:schemeClr val="lt1"/>
+          </a:fillRef>
+          <a:effectRef idx="0">
+            <a:schemeClr val="accent4"/>
+          </a:effectRef>
+          <a:fontRef idx="minor">
+            <a:schemeClr val="dk1"/>
+          </a:fontRef>
+        </p:style>
+        <p:txBody>
+          <a:bodyPr rtlCol="0" anchor="ctr"/>
+          <a:lstStyle/>
+          <a:p>
+            <a:r>
+              <a:rPr lang="en-US" sz="1200" b="1" dirty="0"/>
+              <a:t>RabbitTemplate</a:t>
+            </a:r>
+            <a:r>
+              <a:rPr lang="en-US" sz="1200" dirty="0"/>
+              <a:t>: This is helper class to send and receive messages.</a:t>
+            </a:r>
+            <a:endParaRPr lang="en-US" sz="1200" dirty="0"/>
+          </a:p>
+        </p:txBody>
+      </p:sp>
+      <p:sp>
+        <p:nvSpPr>
+          <p:cNvPr id="8" name="Rounded Rectangular Callout 7"/>
+          <p:cNvSpPr/>
+          <p:nvPr/>
+        </p:nvSpPr>
+        <p:spPr>
+          <a:xfrm>
+            <a:off x="3962400" y="3581400"/>
+            <a:ext cx="4648200" cy="384048"/>
+          </a:xfrm>
+          <a:prstGeom prst="wedgeRoundRectCallout">
+            <a:avLst>
+              <a:gd name="adj1" fmla="val -68088"/>
+              <a:gd name="adj2" fmla="val 116502"/>
+              <a:gd name="adj3" fmla="val 16667"/>
+            </a:avLst>
+          </a:prstGeom>
+          <a:ln w="3175"/>
+        </p:spPr>
+        <p:style>
+          <a:lnRef idx="2">
+            <a:schemeClr val="accent4"/>
+          </a:lnRef>
+          <a:fillRef idx="1">
+            <a:schemeClr val="lt1"/>
+          </a:fillRef>
+          <a:effectRef idx="0">
+            <a:schemeClr val="accent4"/>
+          </a:effectRef>
+          <a:fontRef idx="minor">
+            <a:schemeClr val="dk1"/>
+          </a:fontRef>
+        </p:style>
+        <p:txBody>
+          <a:bodyPr rtlCol="0" anchor="ctr"/>
+          <a:lstStyle/>
+          <a:p>
+            <a:r>
+              <a:rPr lang="en-US" sz="1200" b="1" dirty="0"/>
+              <a:t>Binding</a:t>
+            </a:r>
+            <a:r>
+              <a:rPr lang="en-US" sz="1200" dirty="0"/>
+              <a:t>: Binds the queue and topic exchange for a given queue name. </a:t>
+            </a:r>
+            <a:endParaRPr lang="en-US" sz="1200" dirty="0"/>
+          </a:p>
+        </p:txBody>
+      </p:sp>
+    </p:spTree>
+    <p:extLst>
+      <p:ext uri="{BB962C8B-B14F-4D97-AF65-F5344CB8AC3E}">
+        <p14:creationId xmlns:p14="http://schemas.microsoft.com/office/powerpoint/2010/main" val="3097732623"/>
+      </p:ext>
+    </p:extLst>
+  </p:cSld>
+  <p:clrMapOvr>
+    <a:masterClrMapping/>
+  </p:clrMapOvr>
+  <mc:AlternateContent xmlns:mc="http://schemas.openxmlformats.org/markup-compatibility/2006" xmlns:p14="http://schemas.microsoft.com/office/powerpoint/2010/main">
+    <mc:Choice Requires="p14">
+      <p:transition spd="slow" p14:dur="2000"/>
+    </mc:Choice>
+    <mc:Fallback xmlns="">
+      <p:transition spd="slow"/>
+    </mc:Fallback>
+  </mc:AlternateContent>
+  <p:timing>
+    <p:tnLst>
+      <p:par>
+        <p:cTn id="1" dur="indefinite" restart="never" nodeType="tmRoot"/>
+      </p:par>
+    </p:tnLst>
+  </p:timing>
+</p:sld>
+</file>
+
+<file path=ppt/slides/slide5.xml><?xml version="1.0" encoding="utf-8"?>
+<p:sld xmlns:a="http://schemas.openxmlformats.org/drawingml/2006/main" xmlns:r="http://schemas.openxmlformats.org/officeDocument/2006/relationships" xmlns:p="http://schemas.openxmlformats.org/presentationml/2006/main">
+  <p:cSld>
+    <p:spTree>
+      <p:nvGrpSpPr>
+        <p:cNvPr id="1" name=""/>
+        <p:cNvGrpSpPr/>
+        <p:nvPr/>
+      </p:nvGrpSpPr>
+      <p:grpSpPr>
+        <a:xfrm>
+          <a:off x="0" y="0"/>
+          <a:ext cx="0" cy="0"/>
+          <a:chOff x="0" y="0"/>
+          <a:chExt cx="0" cy="0"/>
+        </a:xfrm>
+      </p:grpSpPr>
+      <p:sp>
+        <p:nvSpPr>
+          <p:cNvPr id="3" name="AutoShape 2" descr="data:image/png;base64,iVBORw0KGgoAAAANSUhEUgAAANEAAADxCAMAAABiSKLrAAAAbFBMVEWIiIj////6+vr29vb19fX4+Pj5+fnu7u77+/v39/f9/f3z8/P+/v709PT8/Pyqqqrt7e3v7+/w8PDx8fHy8vK+vr7Q0NCjo6OBgYHY2Njk5OTHx8eNjY3c3NzGxsbn5+eWlpa1tbWcnJx6enob4+f+AAAIqklEQVR4nO3dCZuaOhQGYEZAh0FkX2W1//8/lkVMICeIkRmOPHz22lYg5OVEZLFzJRNrnC+xSGt3nJvQekMUYktnEiM1ouDrjCs/pukLkzoRtpjmNRcloRUFoiS8oo5UvLwsYpEgCaXoHLYiMRJqkRAJt0iEhFwkQMIqCgJRElpRLErCL3r1oxavSJSEWCRIQikyOtGQNPd8CaXICc04FiXhFomQkIsESChFbmhmwiT0opf3eBivMzSjLuORnh49oKxRKxIloayR24oESShFRScSI6EUJaGZCJNwiwhp/skFcpFAlbCLXiehF71MQisSJiEVVYkwqRP9oEpXI1HSXXRuWjo/2jz3f3v8YfjS7871lbU1EiT1IjrAKrvX/2iurzisijkk8OQC5ah7iERIyEUCJOyi10noRU9J490DUpFPRAApniJhFVnzSaOdOF6RKAmlKGhFgiTMohdIyYeIhEh30aV99E9NLo8VXLqn++Q/mIuIREid6DJsv32s91Ityi1hEtJRl5+ESX2NMKUR2ZYoCbNIjIRV5FiiJIyicx7mriVEKnCKfvxadBIloRQ1NTqJkcICpcgPr7rjOPYJZnFNbZVwikw/YHNlXmDi4xW9kU70jSnNqOu/xL4R0aWg3yNMgNHWp0I66i7Dy5PsdXFuApw1Eg8RndfuykLZa4Q/512EPrsIfzYtOmwje43wh4h+1u7KQvm5bk601wh9NlijXYQ+uwh/HqLrZkTXh+h4PDQP8lQ/PvAlSrT2xl0oRHQ5biOXXYQ+uwh/dhH+7CL82bRI3Ua2XKPvtTfuQvneReizi/BnF+HPLsKfTYu0bYQWsd5PfImIDmtv3IVy2EXos4vwZxfhzy7CH0okbyO7CH+2/D46rr1xF8pxF6HPLsKfXYQ/uwh/KJGyjWxatPZwWShEpK69cReKuovQZxfhzy7Cn12EP0SkGduItmHRzFF3P3r63ZHzTl4YdYqsHg/e/YdF2e7xcFRVrba109gMFp2evGhmjzpFVZLcvJVpl7K8hWaVB1liNVNdJh7VZ4Wd7P4aaa5I866lFEnDRHWksC5eVgtH8VWy8PHGTE5V/rr+QqSocTnm9CpTM+SMmRhVVJcPKbPYv5VFcs7x1F3P1eeikl1sXZHGB0lRLH+eSI75ICk6KZ8nctkOkaQN+cNEWjBRIimU0YpkHY4hmxOgqNIMHRaRJo6giLO+dyM/F1nsvpfqWVAv92Eihe0u3bNE+TgR/FkURfWhUHPMIBsguh6N0yKNs7o/EGkVIEpj+XA8fltJ0GzqDxMdQwBka+2gqQ/p9FYkpaNIiEXuje3OddQfg738rFCTcYmME9sdKXntbY1MBOy802JrotJ6bSUiInLia7y2+aZEbXuyxXbn5vXXGQazDs+6xUWGoql2kXU/DDrOssLWNFmZ65oQufeflwvU6PHDdO8ki/0xu/Rb7RVRvZNJgupW7y3bU+T6JLnej97MPLNUhbPIbJEV9U2y/eknHds5lfhfNMo/sb23oRX5LQXWGUmpGdtz3nxEpOiep7eP+5MFUEZJj+0SCnsCVX/CkrZUQFRvQG+8RkNOzHTi5LL0rW6x8YL0bwolGtdolqir0fQxAyQCNrdsVczFmdFS6fXp+4kSecPMEqntrAYkkklTYI288frkYKI+j+XCYtzRUdCIdMV/7mkWTDNmY6AU6bo5C9QknqwSEpFuzAdJUjZFQiJSoFMWfhIDu0ievDjD5ubquEV6AjVet3krU3B/Hvn8cYdDBJxUSlKVaJqmWvENMiXcImEQKcCYi26W1nZaN9SAXXFkcos0JZpxXLeICDpLDnVSBDkDusAtEhGN72p5J78LcMbn9+nudemgiDSlASLF66cC20NKbZ3qCnAnIfKp9gcxiIjVPj8/8mbVCBY9VsNes42C4YgBrgyUJ06NpkRdCuD8yB418pYIOkl2hyuQ2SOkKOMMO4M76vrBB4sG84Cjjrr5Cooeo4TdLwyGbLsC4IKgD93dHY66lUQye7gQxfqgfdcDhr7JeSOtLoL2dOn4KEdX2E+s0hp24j3RaUERsPnLLBmlYPceaYJVBB0Bja85p8ANn3rXgFX02kEqaSGAeywoGs7zjghYdqYoxyp68USCtMDZfX+wqHomav53fkBcWDSYx4NEBpkuAyLj3oSwSDIVsMM6ETVAp/3V/KG2tP/xRPRccI1IW7Comyr8PupE9052bbW/0yLHpX/1T1wRmQuskULa4oqcd/Z1pjLu6li0zqgDP49m5fmo+2NR3z50zFBYczLsBB6Rxx6y8Q5wRoE7LCaylhM5BnTs7cGdmZP1RZzdygeLXOjW9fg94jYXUnjjbBHRcJ5nImVKBA67fFgkL/HzIE4KRW7vM0/i/kQ0WSPHg75KldHdqc+h7pfZ0jKs/GuDM3hvNSLizSEqoroE1Yia7ELf00kIWS/o09z+EmLA6bC3hMh9TwRskDq51x47e4Zzhc73Qt64wyByPOjmUVT6cZZkcQV+0zxNflX05qgD36tSe3MilcCr1FLEe9sPRDYYjmgwD1wjMl1hm4h0ugF43PETVd6wB3RbKES2Pu+2cr9waHFBWESO+8JtyxrkckFYRDa8dxAAoRHNH3hRNTHkUIlsY9Z3TqR6LzcFokScSsKi4TzPRMYske0VT78XJJkJZ8uTzojV6FdEtmNkE9/diqLUzJTpAtmzalQyF6FvI5ETA9+OpraQwTYhwRvQMYqryX6sNn8vq8AynnqoGuXuCY7N/vMR3R7N47DzePR04J+gjJt4rM7V3SzwzbC8FzYtb2Z1jQtDd3nLDOLmD1E9v90++qfT4Lfh5N+cq/508shXb5st6Ll1cWa2RYu2EUo0p6QfkF2EP7sIf3YR/hCRs3ZXFoqzYdEGR92su1D4Q486yzq1D/L0iS85W67R2l1ZKLsIfzYs4l05+bg8rpxU/lZS3UXbyvZE/wFXu+LXNTDaDQAAAABJRU5ErkJggg=="/>
+          <p:cNvSpPr>
+            <a:spLocks noChangeAspect="1" noChangeArrowheads="1"/>
+          </p:cNvSpPr>
+          <p:nvPr/>
+        </p:nvSpPr>
+        <p:spPr bwMode="auto">
+          <a:xfrm>
+            <a:off x="155575" y="-144463"/>
+            <a:ext cx="304800" cy="304801"/>
+          </a:xfrm>
+          <a:prstGeom prst="rect">
+            <a:avLst/>
+          </a:prstGeom>
+          <a:noFill/>
+          <a:extLst>
+            <a:ext uri="{909E8E84-426E-40DD-AFC4-6F175D3DCCD1}">
+              <a14:hiddenFill xmlns:a14="http://schemas.microsoft.com/office/drawing/2010/main">
+                <a:solidFill>
+                  <a:srgbClr val="FFFFFF"/>
+                </a:solidFill>
+              </a14:hiddenFill>
+            </a:ext>
+          </a:extLst>
+        </p:spPr>
+        <p:txBody>
+          <a:bodyPr vert="horz" wrap="square" lIns="91440" tIns="45720" rIns="91440" bIns="45720" numCol="1" anchor="t" anchorCtr="0" compatLnSpc="1">
+            <a:prstTxWarp prst="textNoShape">
+              <a:avLst/>
+            </a:prstTxWarp>
+          </a:bodyPr>
+          <a:lstStyle/>
+          <a:p>
+            <a:endParaRPr lang="en-US" sz="1200" dirty="0"/>
+          </a:p>
+        </p:txBody>
+      </p:sp>
+      <p:sp>
+        <p:nvSpPr>
+          <p:cNvPr id="2" name="AutoShape 2" descr="Image result for file"/>
+          <p:cNvSpPr>
+            <a:spLocks noChangeAspect="1" noChangeArrowheads="1"/>
+          </p:cNvSpPr>
+          <p:nvPr/>
+        </p:nvSpPr>
+        <p:spPr bwMode="auto">
+          <a:xfrm>
+            <a:off x="307975" y="7937"/>
+            <a:ext cx="304800" cy="304801"/>
+          </a:xfrm>
+          <a:prstGeom prst="rect">
+            <a:avLst/>
+          </a:prstGeom>
+          <a:noFill/>
+          <a:extLst>
+            <a:ext uri="{909E8E84-426E-40DD-AFC4-6F175D3DCCD1}">
+              <a14:hiddenFill xmlns:a14="http://schemas.microsoft.com/office/drawing/2010/main">
+                <a:solidFill>
+                  <a:srgbClr val="FFFFFF"/>
+                </a:solidFill>
+              </a14:hiddenFill>
+            </a:ext>
+          </a:extLst>
+        </p:spPr>
+        <p:txBody>
+          <a:bodyPr vert="horz" wrap="square" lIns="91440" tIns="45720" rIns="91440" bIns="45720" numCol="1" anchor="t" anchorCtr="0" compatLnSpc="1">
+            <a:prstTxWarp prst="textNoShape">
+              <a:avLst/>
+            </a:prstTxWarp>
+          </a:bodyPr>
+          <a:lstStyle/>
+          <a:p>
+            <a:endParaRPr lang="en-US" dirty="0"/>
+          </a:p>
+        </p:txBody>
+      </p:sp>
+      <p:sp>
+        <p:nvSpPr>
+          <p:cNvPr id="6" name="AutoShape 2" descr="Image result for activemq image"/>
+          <p:cNvSpPr>
+            <a:spLocks noChangeAspect="1" noChangeArrowheads="1"/>
+          </p:cNvSpPr>
+          <p:nvPr/>
+        </p:nvSpPr>
+        <p:spPr bwMode="auto">
+          <a:xfrm>
+            <a:off x="460375" y="160337"/>
+            <a:ext cx="304800" cy="304801"/>
+          </a:xfrm>
+          <a:prstGeom prst="rect">
+            <a:avLst/>
+          </a:prstGeom>
+          <a:noFill/>
+          <a:extLst>
+            <a:ext uri="{909E8E84-426E-40DD-AFC4-6F175D3DCCD1}">
+              <a14:hiddenFill xmlns:a14="http://schemas.microsoft.com/office/drawing/2010/main">
+                <a:solidFill>
+                  <a:srgbClr val="FFFFFF"/>
+                </a:solidFill>
+              </a14:hiddenFill>
+            </a:ext>
+          </a:extLst>
+        </p:spPr>
+        <p:txBody>
+          <a:bodyPr vert="horz" wrap="square" lIns="91440" tIns="45720" rIns="91440" bIns="45720" numCol="1" anchor="t" anchorCtr="0" compatLnSpc="1">
+            <a:prstTxWarp prst="textNoShape">
+              <a:avLst/>
+            </a:prstTxWarp>
+          </a:bodyPr>
+          <a:lstStyle/>
+          <a:p>
+            <a:endParaRPr lang="en-US"/>
+          </a:p>
+        </p:txBody>
+      </p:sp>
+      <p:sp>
+        <p:nvSpPr>
+          <p:cNvPr id="13" name="Rectangle 12"/>
+          <p:cNvSpPr/>
+          <p:nvPr/>
+        </p:nvSpPr>
+        <p:spPr>
+          <a:xfrm>
+            <a:off x="3429000" y="35739"/>
+            <a:ext cx="2209800" cy="276999"/>
+          </a:xfrm>
+          <a:prstGeom prst="rect">
+            <a:avLst/>
+          </a:prstGeom>
+        </p:spPr>
+        <p:style>
+          <a:lnRef idx="1">
+            <a:schemeClr val="accent4"/>
+          </a:lnRef>
+          <a:fillRef idx="3">
+            <a:schemeClr val="accent4"/>
+          </a:fillRef>
+          <a:effectRef idx="2">
+            <a:schemeClr val="accent4"/>
+          </a:effectRef>
+          <a:fontRef idx="minor">
+            <a:schemeClr val="lt1"/>
+          </a:fontRef>
+        </p:style>
+        <p:txBody>
+          <a:bodyPr wrap="square">
+            <a:spAutoFit/>
+          </a:bodyPr>
+          <a:lstStyle>
+            <a:defPPr>
+              <a:defRPr lang="en-US"/>
+            </a:defPPr>
+            <a:lvl1pPr marL="0" algn="l" defTabSz="914400" rtl="0" eaLnBrk="1" latinLnBrk="0" hangingPunct="1">
+              <a:defRPr sz="1800" kern="1200">
+                <a:solidFill>
+                  <a:schemeClr val="lt1"/>
+                </a:solidFill>
+                <a:latin typeface="+mn-lt"/>
+                <a:ea typeface="+mn-ea"/>
+                <a:cs typeface="+mn-cs"/>
+              </a:defRPr>
+            </a:lvl1pPr>
+            <a:lvl2pPr marL="457200" algn="l" defTabSz="914400" rtl="0" eaLnBrk="1" latinLnBrk="0" hangingPunct="1">
+              <a:defRPr sz="1800" kern="1200">
+                <a:solidFill>
+                  <a:schemeClr val="lt1"/>
+                </a:solidFill>
+                <a:latin typeface="+mn-lt"/>
+                <a:ea typeface="+mn-ea"/>
+                <a:cs typeface="+mn-cs"/>
+              </a:defRPr>
+            </a:lvl2pPr>
+            <a:lvl3pPr marL="914400" algn="l" defTabSz="914400" rtl="0" eaLnBrk="1" latinLnBrk="0" hangingPunct="1">
+              <a:defRPr sz="1800" kern="1200">
+                <a:solidFill>
+                  <a:schemeClr val="lt1"/>
+                </a:solidFill>
+                <a:latin typeface="+mn-lt"/>
+                <a:ea typeface="+mn-ea"/>
+                <a:cs typeface="+mn-cs"/>
+              </a:defRPr>
+            </a:lvl3pPr>
+            <a:lvl4pPr marL="1371600" algn="l" defTabSz="914400" rtl="0" eaLnBrk="1" latinLnBrk="0" hangingPunct="1">
+              <a:defRPr sz="1800" kern="1200">
+                <a:solidFill>
+                  <a:schemeClr val="lt1"/>
+                </a:solidFill>
+                <a:latin typeface="+mn-lt"/>
+                <a:ea typeface="+mn-ea"/>
+                <a:cs typeface="+mn-cs"/>
+              </a:defRPr>
+            </a:lvl4pPr>
+            <a:lvl5pPr marL="1828800" algn="l" defTabSz="914400" rtl="0" eaLnBrk="1" latinLnBrk="0" hangingPunct="1">
+              <a:defRPr sz="1800" kern="1200">
+                <a:solidFill>
+                  <a:schemeClr val="lt1"/>
+                </a:solidFill>
+                <a:latin typeface="+mn-lt"/>
+                <a:ea typeface="+mn-ea"/>
+                <a:cs typeface="+mn-cs"/>
+              </a:defRPr>
+            </a:lvl5pPr>
+            <a:lvl6pPr marL="2286000" algn="l" defTabSz="914400" rtl="0" eaLnBrk="1" latinLnBrk="0" hangingPunct="1">
+              <a:defRPr sz="1800" kern="1200">
+                <a:solidFill>
+                  <a:schemeClr val="lt1"/>
+                </a:solidFill>
+                <a:latin typeface="+mn-lt"/>
+                <a:ea typeface="+mn-ea"/>
+                <a:cs typeface="+mn-cs"/>
+              </a:defRPr>
+            </a:lvl6pPr>
+            <a:lvl7pPr marL="2743200" algn="l" defTabSz="914400" rtl="0" eaLnBrk="1" latinLnBrk="0" hangingPunct="1">
+              <a:defRPr sz="1800" kern="1200">
+                <a:solidFill>
+                  <a:schemeClr val="lt1"/>
+                </a:solidFill>
+                <a:latin typeface="+mn-lt"/>
+                <a:ea typeface="+mn-ea"/>
+                <a:cs typeface="+mn-cs"/>
+              </a:defRPr>
+            </a:lvl7pPr>
+            <a:lvl8pPr marL="3200400" algn="l" defTabSz="914400" rtl="0" eaLnBrk="1" latinLnBrk="0" hangingPunct="1">
+              <a:defRPr sz="1800" kern="1200">
+                <a:solidFill>
+                  <a:schemeClr val="lt1"/>
+                </a:solidFill>
+                <a:latin typeface="+mn-lt"/>
+                <a:ea typeface="+mn-ea"/>
+                <a:cs typeface="+mn-cs"/>
+              </a:defRPr>
+            </a:lvl8pPr>
+            <a:lvl9pPr marL="3657600" algn="l" defTabSz="914400" rtl="0" eaLnBrk="1" latinLnBrk="0" hangingPunct="1">
+              <a:defRPr sz="1800" kern="1200">
+                <a:solidFill>
+                  <a:schemeClr val="lt1"/>
+                </a:solidFill>
+                <a:latin typeface="+mn-lt"/>
+                <a:ea typeface="+mn-ea"/>
+                <a:cs typeface="+mn-cs"/>
+              </a:defRPr>
+            </a:lvl9pPr>
+          </a:lstStyle>
+          <a:p>
+            <a:pPr algn="ctr"/>
+            <a:r>
+              <a:rPr lang="en-US" sz="1200" dirty="0" smtClean="0"/>
+              <a:t>SpringJMSProducer Application</a:t>
+            </a:r>
+            <a:endParaRPr lang="en-US" sz="1200" dirty="0"/>
+          </a:p>
+        </p:txBody>
+      </p:sp>
+      <p:pic>
+        <p:nvPicPr>
+          <p:cNvPr id="5122" name="Picture 2"/>
+          <p:cNvPicPr>
+            <a:picLocks noChangeAspect="1" noChangeArrowheads="1"/>
+          </p:cNvPicPr>
+          <p:nvPr/>
+        </p:nvPicPr>
+        <p:blipFill>
+          <a:blip r:embed="rId3">
+            <a:extLst>
+              <a:ext uri="{28A0092B-C50C-407E-A947-70E740481C1C}">
+                <a14:useLocalDpi xmlns:a14="http://schemas.microsoft.com/office/drawing/2010/main" val="0"/>
+              </a:ext>
+            </a:extLst>
+          </a:blip>
+          <a:srcRect/>
+          <a:stretch>
+            <a:fillRect/>
+          </a:stretch>
+        </p:blipFill>
+        <p:spPr bwMode="auto">
+          <a:xfrm>
+            <a:off x="119439" y="469851"/>
+            <a:ext cx="5638800" cy="2943225"/>
+          </a:xfrm>
+          <a:prstGeom prst="rect">
+            <a:avLst/>
+          </a:prstGeom>
+          <a:ln/>
+        </p:spPr>
+        <p:style>
+          <a:lnRef idx="1">
+            <a:schemeClr val="accent4"/>
+          </a:lnRef>
+          <a:fillRef idx="3">
+            <a:schemeClr val="accent4"/>
+          </a:fillRef>
+          <a:effectRef idx="2">
+            <a:schemeClr val="accent4"/>
+          </a:effectRef>
+          <a:fontRef idx="minor">
+            <a:schemeClr val="lt1"/>
+          </a:fontRef>
+        </p:style>
+      </p:pic>
+      <p:sp>
+        <p:nvSpPr>
+          <p:cNvPr id="7" name="Rounded Rectangular Callout 6"/>
+          <p:cNvSpPr/>
+          <p:nvPr/>
+        </p:nvSpPr>
+        <p:spPr>
+          <a:xfrm>
+            <a:off x="4554717" y="2329992"/>
+            <a:ext cx="4572000" cy="384048"/>
+          </a:xfrm>
+          <a:prstGeom prst="wedgeRoundRectCallout">
+            <a:avLst>
+              <a:gd name="adj1" fmla="val -56541"/>
+              <a:gd name="adj2" fmla="val 89501"/>
+              <a:gd name="adj3" fmla="val 16667"/>
+            </a:avLst>
+          </a:prstGeom>
+          <a:ln w="3175"/>
+        </p:spPr>
+        <p:style>
+          <a:lnRef idx="2">
+            <a:schemeClr val="accent4"/>
+          </a:lnRef>
+          <a:fillRef idx="1">
+            <a:schemeClr val="lt1"/>
+          </a:fillRef>
+          <a:effectRef idx="0">
+            <a:schemeClr val="accent4"/>
+          </a:effectRef>
+          <a:fontRef idx="minor">
+            <a:schemeClr val="dk1"/>
+          </a:fontRef>
+        </p:style>
+        <p:txBody>
+          <a:bodyPr rtlCol="0" anchor="ctr"/>
+          <a:lstStyle/>
+          <a:p>
+            <a:r>
+              <a:rPr lang="en-US" sz="1200" b="1" dirty="0" smtClean="0"/>
+              <a:t>RabbitTemplate.convertAndSend</a:t>
+            </a:r>
+            <a:r>
+              <a:rPr lang="en-US" sz="1200" dirty="0" smtClean="0"/>
+              <a:t> method </a:t>
+            </a:r>
+            <a:r>
+              <a:rPr lang="en-US" sz="1200" dirty="0"/>
+              <a:t>converts java object to </a:t>
+            </a:r>
+            <a:r>
+              <a:rPr lang="en-US" sz="1200" dirty="0" smtClean="0"/>
+              <a:t>AMQP </a:t>
+            </a:r>
+            <a:r>
+              <a:rPr lang="en-US" sz="1200" dirty="0"/>
+              <a:t>message and is sent to default topic exchange. </a:t>
+            </a:r>
+          </a:p>
+        </p:txBody>
+      </p:sp>
+    </p:spTree>
+    <p:extLst>
+      <p:ext uri="{BB962C8B-B14F-4D97-AF65-F5344CB8AC3E}">
+        <p14:creationId xmlns:p14="http://schemas.microsoft.com/office/powerpoint/2010/main" val="3097732623"/>
+      </p:ext>
+    </p:extLst>
+  </p:cSld>
+  <p:clrMapOvr>
+    <a:masterClrMapping/>
+  </p:clrMapOvr>
+  <mc:AlternateContent xmlns:mc="http://schemas.openxmlformats.org/markup-compatibility/2006" xmlns:p14="http://schemas.microsoft.com/office/powerpoint/2010/main">
+    <mc:Choice Requires="p14">
+      <p:transition spd="slow" p14:dur="2000"/>
+    </mc:Choice>
+    <mc:Fallback xmlns="">
+      <p:transition spd="slow"/>
+    </mc:Fallback>
+  </mc:AlternateContent>
+  <p:timing>
+    <p:tnLst>
+      <p:par>
+        <p:cTn id="1" dur="indefinite" restart="never" nodeType="tmRoot"/>
+      </p:par>
+    </p:tnLst>
+  </p:timing>
+</p:sld>
+</file>
+
+<file path=ppt/slides/slide6.xml><?xml version="1.0" encoding="utf-8"?>
+<p:sld xmlns:a="http://schemas.openxmlformats.org/drawingml/2006/main" xmlns:r="http://schemas.openxmlformats.org/officeDocument/2006/relationships" xmlns:p="http://schemas.openxmlformats.org/presentationml/2006/main">
+  <p:cSld>
+    <p:spTree>
+      <p:nvGrpSpPr>
+        <p:cNvPr id="1" name=""/>
+        <p:cNvGrpSpPr/>
+        <p:nvPr/>
+      </p:nvGrpSpPr>
+      <p:grpSpPr>
+        <a:xfrm>
+          <a:off x="0" y="0"/>
+          <a:ext cx="0" cy="0"/>
+          <a:chOff x="0" y="0"/>
+          <a:chExt cx="0" cy="0"/>
+        </a:xfrm>
+      </p:grpSpPr>
+      <p:sp>
+        <p:nvSpPr>
+          <p:cNvPr id="3" name="AutoShape 2" descr="data:image/png;base64,iVBORw0KGgoAAAANSUhEUgAAANEAAADxCAMAAABiSKLrAAAAbFBMVEWIiIj////6+vr29vb19fX4+Pj5+fnu7u77+/v39/f9/f3z8/P+/v709PT8/Pyqqqrt7e3v7+/w8PDx8fHy8vK+vr7Q0NCjo6OBgYHY2Njk5OTHx8eNjY3c3NzGxsbn5+eWlpa1tbWcnJx6enob4+f+AAAIqklEQVR4nO3dCZuaOhQGYEZAh0FkX2W1//8/lkVMICeIkRmOPHz22lYg5OVEZLFzJRNrnC+xSGt3nJvQekMUYktnEiM1ouDrjCs/pukLkzoRtpjmNRcloRUFoiS8oo5UvLwsYpEgCaXoHLYiMRJqkRAJt0iEhFwkQMIqCgJRElpRLErCL3r1oxavSJSEWCRIQikyOtGQNPd8CaXICc04FiXhFomQkIsESChFbmhmwiT0opf3eBivMzSjLuORnh49oKxRKxIloayR24oESShFRScSI6EUJaGZCJNwiwhp/skFcpFAlbCLXiehF71MQisSJiEVVYkwqRP9oEpXI1HSXXRuWjo/2jz3f3v8YfjS7871lbU1EiT1IjrAKrvX/2iurzisijkk8OQC5ah7iERIyEUCJOyi10noRU9J490DUpFPRAApniJhFVnzSaOdOF6RKAmlKGhFgiTMohdIyYeIhEh30aV99E9NLo8VXLqn++Q/mIuIREid6DJsv32s91Ityi1hEtJRl5+ESX2NMKUR2ZYoCbNIjIRV5FiiJIyicx7mriVEKnCKfvxadBIloRQ1NTqJkcICpcgPr7rjOPYJZnFNbZVwikw/YHNlXmDi4xW9kU70jSnNqOu/xL4R0aWg3yNMgNHWp0I66i7Dy5PsdXFuApw1Eg8RndfuykLZa4Q/512EPrsIfzYtOmwje43wh4h+1u7KQvm5bk601wh9NlijXYQ+uwh/HqLrZkTXh+h4PDQP8lQ/PvAlSrT2xl0oRHQ5biOXXYQ+uwh/dhH+7CL82bRI3Ua2XKPvtTfuQvneReizi/BnF+HPLsKfTYu0bYQWsd5PfImIDmtv3IVy2EXos4vwZxfhzy7CH0okbyO7CH+2/D46rr1xF8pxF6HPLsKfXYQ/uwh/KJGyjWxatPZwWShEpK69cReKuovQZxfhzy7Cn12EP0SkGduItmHRzFF3P3r63ZHzTl4YdYqsHg/e/YdF2e7xcFRVrba109gMFp2evGhmjzpFVZLcvJVpl7K8hWaVB1liNVNdJh7VZ4Wd7P4aaa5I866lFEnDRHWksC5eVgtH8VWy8PHGTE5V/rr+QqSocTnm9CpTM+SMmRhVVJcPKbPYv5VFcs7x1F3P1eeikl1sXZHGB0lRLH+eSI75ICk6KZ8nctkOkaQN+cNEWjBRIimU0YpkHY4hmxOgqNIMHRaRJo6giLO+dyM/F1nsvpfqWVAv92Eihe0u3bNE+TgR/FkURfWhUHPMIBsguh6N0yKNs7o/EGkVIEpj+XA8fltJ0GzqDxMdQwBka+2gqQ/p9FYkpaNIiEXuje3OddQfg738rFCTcYmME9sdKXntbY1MBOy802JrotJ6bSUiInLia7y2+aZEbXuyxXbn5vXXGQazDs+6xUWGoql2kXU/DDrOssLWNFmZ65oQufeflwvU6PHDdO8ki/0xu/Rb7RVRvZNJgupW7y3bU+T6JLnej97MPLNUhbPIbJEV9U2y/eknHds5lfhfNMo/sb23oRX5LQXWGUmpGdtz3nxEpOiep7eP+5MFUEZJj+0SCnsCVX/CkrZUQFRvQG+8RkNOzHTi5LL0rW6x8YL0bwolGtdolqir0fQxAyQCNrdsVczFmdFS6fXp+4kSecPMEqntrAYkkklTYI288frkYKI+j+XCYtzRUdCIdMV/7mkWTDNmY6AU6bo5C9QknqwSEpFuzAdJUjZFQiJSoFMWfhIDu0ievDjD5ubquEV6AjVet3krU3B/Hvn8cYdDBJxUSlKVaJqmWvENMiXcImEQKcCYi26W1nZaN9SAXXFkcos0JZpxXLeICDpLDnVSBDkDusAtEhGN72p5J78LcMbn9+nudemgiDSlASLF66cC20NKbZ3qCnAnIfKp9gcxiIjVPj8/8mbVCBY9VsNes42C4YgBrgyUJ06NpkRdCuD8yB418pYIOkl2hyuQ2SOkKOMMO4M76vrBB4sG84Cjjrr5Cooeo4TdLwyGbLsC4IKgD93dHY66lUQye7gQxfqgfdcDhr7JeSOtLoL2dOn4KEdX2E+s0hp24j3RaUERsPnLLBmlYPceaYJVBB0Bja85p8ANn3rXgFX02kEqaSGAeywoGs7zjghYdqYoxyp68USCtMDZfX+wqHomav53fkBcWDSYx4NEBpkuAyLj3oSwSDIVsMM6ETVAp/3V/KG2tP/xRPRccI1IW7Comyr8PupE9052bbW/0yLHpX/1T1wRmQuskULa4oqcd/Z1pjLu6li0zqgDP49m5fmo+2NR3z50zFBYczLsBB6Rxx6y8Q5wRoE7LCaylhM5BnTs7cGdmZP1RZzdygeLXOjW9fg94jYXUnjjbBHRcJ5nImVKBA67fFgkL/HzIE4KRW7vM0/i/kQ0WSPHg75KldHdqc+h7pfZ0jKs/GuDM3hvNSLizSEqoroE1Yia7ELf00kIWS/o09z+EmLA6bC3hMh9TwRskDq51x47e4Zzhc73Qt64wyByPOjmUVT6cZZkcQV+0zxNflX05qgD36tSe3MilcCr1FLEe9sPRDYYjmgwD1wjMl1hm4h0ugF43PETVd6wB3RbKES2Pu+2cr9waHFBWESO+8JtyxrkckFYRDa8dxAAoRHNH3hRNTHkUIlsY9Z3TqR6LzcFokScSsKi4TzPRMYske0VT78XJJkJZ8uTzojV6FdEtmNkE9/diqLUzJTpAtmzalQyF6FvI5ETA9+OpraQwTYhwRvQMYqryX6sNn8vq8AynnqoGuXuCY7N/vMR3R7N47DzePR04J+gjJt4rM7V3SzwzbC8FzYtb2Z1jQtDd3nLDOLmD1E9v90++qfT4Lfh5N+cq/508shXb5st6Ll1cWa2RYu2EUo0p6QfkF2EP7sIf3YR/hCRs3ZXFoqzYdEGR92su1D4Q486yzq1D/L0iS85W67R2l1ZKLsIfzYs4l05+bg8rpxU/lZS3UXbyvZE/wFXu+LXNTDaDQAAAABJRU5ErkJggg=="/>
+          <p:cNvSpPr>
+            <a:spLocks noChangeAspect="1" noChangeArrowheads="1"/>
+          </p:cNvSpPr>
+          <p:nvPr/>
+        </p:nvSpPr>
+        <p:spPr bwMode="auto">
+          <a:xfrm>
+            <a:off x="155575" y="-144463"/>
+            <a:ext cx="304800" cy="304801"/>
+          </a:xfrm>
+          <a:prstGeom prst="rect">
+            <a:avLst/>
+          </a:prstGeom>
+          <a:noFill/>
+          <a:extLst>
+            <a:ext uri="{909E8E84-426E-40DD-AFC4-6F175D3DCCD1}">
+              <a14:hiddenFill xmlns:a14="http://schemas.microsoft.com/office/drawing/2010/main">
+                <a:solidFill>
+                  <a:srgbClr val="FFFFFF"/>
+                </a:solidFill>
+              </a14:hiddenFill>
+            </a:ext>
+          </a:extLst>
+        </p:spPr>
+        <p:txBody>
+          <a:bodyPr vert="horz" wrap="square" lIns="91440" tIns="45720" rIns="91440" bIns="45720" numCol="1" anchor="t" anchorCtr="0" compatLnSpc="1">
+            <a:prstTxWarp prst="textNoShape">
+              <a:avLst/>
+            </a:prstTxWarp>
+          </a:bodyPr>
+          <a:lstStyle/>
+          <a:p>
+            <a:endParaRPr lang="en-US" sz="1200" dirty="0"/>
+          </a:p>
+        </p:txBody>
+      </p:sp>
+      <p:sp>
+        <p:nvSpPr>
+          <p:cNvPr id="2" name="AutoShape 2" descr="Image result for file"/>
+          <p:cNvSpPr>
+            <a:spLocks noChangeAspect="1" noChangeArrowheads="1"/>
+          </p:cNvSpPr>
+          <p:nvPr/>
+        </p:nvSpPr>
+        <p:spPr bwMode="auto">
+          <a:xfrm>
+            <a:off x="307975" y="7937"/>
+            <a:ext cx="304800" cy="304801"/>
+          </a:xfrm>
+          <a:prstGeom prst="rect">
+            <a:avLst/>
+          </a:prstGeom>
+          <a:noFill/>
+          <a:extLst>
+            <a:ext uri="{909E8E84-426E-40DD-AFC4-6F175D3DCCD1}">
+              <a14:hiddenFill xmlns:a14="http://schemas.microsoft.com/office/drawing/2010/main">
+                <a:solidFill>
+                  <a:srgbClr val="FFFFFF"/>
+                </a:solidFill>
+              </a14:hiddenFill>
+            </a:ext>
+          </a:extLst>
+        </p:spPr>
+        <p:txBody>
+          <a:bodyPr vert="horz" wrap="square" lIns="91440" tIns="45720" rIns="91440" bIns="45720" numCol="1" anchor="t" anchorCtr="0" compatLnSpc="1">
+            <a:prstTxWarp prst="textNoShape">
+              <a:avLst/>
+            </a:prstTxWarp>
+          </a:bodyPr>
+          <a:lstStyle/>
+          <a:p>
+            <a:endParaRPr lang="en-US" dirty="0"/>
+          </a:p>
+        </p:txBody>
+      </p:sp>
+      <p:sp>
+        <p:nvSpPr>
+          <p:cNvPr id="6" name="AutoShape 2" descr="Image result for activemq image"/>
+          <p:cNvSpPr>
+            <a:spLocks noChangeAspect="1" noChangeArrowheads="1"/>
+          </p:cNvSpPr>
+          <p:nvPr/>
+        </p:nvSpPr>
+        <p:spPr bwMode="auto">
+          <a:xfrm>
+            <a:off x="460375" y="160337"/>
+            <a:ext cx="304800" cy="304801"/>
+          </a:xfrm>
+          <a:prstGeom prst="rect">
+            <a:avLst/>
+          </a:prstGeom>
+          <a:noFill/>
+          <a:extLst>
+            <a:ext uri="{909E8E84-426E-40DD-AFC4-6F175D3DCCD1}">
+              <a14:hiddenFill xmlns:a14="http://schemas.microsoft.com/office/drawing/2010/main">
+                <a:solidFill>
+                  <a:srgbClr val="FFFFFF"/>
+                </a:solidFill>
+              </a14:hiddenFill>
+            </a:ext>
+          </a:extLst>
+        </p:spPr>
+        <p:txBody>
+          <a:bodyPr vert="horz" wrap="square" lIns="91440" tIns="45720" rIns="91440" bIns="45720" numCol="1" anchor="t" anchorCtr="0" compatLnSpc="1">
+            <a:prstTxWarp prst="textNoShape">
+              <a:avLst/>
+            </a:prstTxWarp>
+          </a:bodyPr>
+          <a:lstStyle/>
+          <a:p>
+            <a:endParaRPr lang="en-US"/>
+          </a:p>
+        </p:txBody>
+      </p:sp>
+      <p:sp>
+        <p:nvSpPr>
+          <p:cNvPr id="13" name="Rectangle 12"/>
+          <p:cNvSpPr/>
+          <p:nvPr/>
+        </p:nvSpPr>
+        <p:spPr>
+          <a:xfrm>
+            <a:off x="3429000" y="35739"/>
+            <a:ext cx="2209800" cy="276999"/>
+          </a:xfrm>
+          <a:prstGeom prst="rect">
+            <a:avLst/>
+          </a:prstGeom>
+        </p:spPr>
+        <p:style>
+          <a:lnRef idx="1">
+            <a:schemeClr val="accent4"/>
+          </a:lnRef>
+          <a:fillRef idx="3">
+            <a:schemeClr val="accent4"/>
+          </a:fillRef>
+          <a:effectRef idx="2">
+            <a:schemeClr val="accent4"/>
+          </a:effectRef>
+          <a:fontRef idx="minor">
+            <a:schemeClr val="lt1"/>
+          </a:fontRef>
+        </p:style>
+        <p:txBody>
+          <a:bodyPr wrap="square">
+            <a:spAutoFit/>
+          </a:bodyPr>
+          <a:lstStyle>
+            <a:defPPr>
+              <a:defRPr lang="en-US"/>
+            </a:defPPr>
+            <a:lvl1pPr marL="0" algn="l" defTabSz="914400" rtl="0" eaLnBrk="1" latinLnBrk="0" hangingPunct="1">
+              <a:defRPr sz="1800" kern="1200">
+                <a:solidFill>
+                  <a:schemeClr val="lt1"/>
+                </a:solidFill>
+                <a:latin typeface="+mn-lt"/>
+                <a:ea typeface="+mn-ea"/>
+                <a:cs typeface="+mn-cs"/>
+              </a:defRPr>
+            </a:lvl1pPr>
+            <a:lvl2pPr marL="457200" algn="l" defTabSz="914400" rtl="0" eaLnBrk="1" latinLnBrk="0" hangingPunct="1">
+              <a:defRPr sz="1800" kern="1200">
+                <a:solidFill>
+                  <a:schemeClr val="lt1"/>
+                </a:solidFill>
+                <a:latin typeface="+mn-lt"/>
+                <a:ea typeface="+mn-ea"/>
+                <a:cs typeface="+mn-cs"/>
+              </a:defRPr>
+            </a:lvl2pPr>
+            <a:lvl3pPr marL="914400" algn="l" defTabSz="914400" rtl="0" eaLnBrk="1" latinLnBrk="0" hangingPunct="1">
+              <a:defRPr sz="1800" kern="1200">
+                <a:solidFill>
+                  <a:schemeClr val="lt1"/>
+                </a:solidFill>
+                <a:latin typeface="+mn-lt"/>
+                <a:ea typeface="+mn-ea"/>
+                <a:cs typeface="+mn-cs"/>
+              </a:defRPr>
+            </a:lvl3pPr>
+            <a:lvl4pPr marL="1371600" algn="l" defTabSz="914400" rtl="0" eaLnBrk="1" latinLnBrk="0" hangingPunct="1">
+              <a:defRPr sz="1800" kern="1200">
+                <a:solidFill>
+                  <a:schemeClr val="lt1"/>
+                </a:solidFill>
+                <a:latin typeface="+mn-lt"/>
+                <a:ea typeface="+mn-ea"/>
+                <a:cs typeface="+mn-cs"/>
+              </a:defRPr>
+            </a:lvl4pPr>
+            <a:lvl5pPr marL="1828800" algn="l" defTabSz="914400" rtl="0" eaLnBrk="1" latinLnBrk="0" hangingPunct="1">
+              <a:defRPr sz="1800" kern="1200">
+                <a:solidFill>
+                  <a:schemeClr val="lt1"/>
+                </a:solidFill>
+                <a:latin typeface="+mn-lt"/>
+                <a:ea typeface="+mn-ea"/>
+                <a:cs typeface="+mn-cs"/>
+              </a:defRPr>
+            </a:lvl5pPr>
+            <a:lvl6pPr marL="2286000" algn="l" defTabSz="914400" rtl="0" eaLnBrk="1" latinLnBrk="0" hangingPunct="1">
+              <a:defRPr sz="1800" kern="1200">
+                <a:solidFill>
+                  <a:schemeClr val="lt1"/>
+                </a:solidFill>
+                <a:latin typeface="+mn-lt"/>
+                <a:ea typeface="+mn-ea"/>
+                <a:cs typeface="+mn-cs"/>
+              </a:defRPr>
+            </a:lvl6pPr>
+            <a:lvl7pPr marL="2743200" algn="l" defTabSz="914400" rtl="0" eaLnBrk="1" latinLnBrk="0" hangingPunct="1">
+              <a:defRPr sz="1800" kern="1200">
+                <a:solidFill>
+                  <a:schemeClr val="lt1"/>
+                </a:solidFill>
+                <a:latin typeface="+mn-lt"/>
+                <a:ea typeface="+mn-ea"/>
+                <a:cs typeface="+mn-cs"/>
+              </a:defRPr>
+            </a:lvl7pPr>
+            <a:lvl8pPr marL="3200400" algn="l" defTabSz="914400" rtl="0" eaLnBrk="1" latinLnBrk="0" hangingPunct="1">
+              <a:defRPr sz="1800" kern="1200">
+                <a:solidFill>
+                  <a:schemeClr val="lt1"/>
+                </a:solidFill>
+                <a:latin typeface="+mn-lt"/>
+                <a:ea typeface="+mn-ea"/>
+                <a:cs typeface="+mn-cs"/>
+              </a:defRPr>
+            </a:lvl8pPr>
+            <a:lvl9pPr marL="3657600" algn="l" defTabSz="914400" rtl="0" eaLnBrk="1" latinLnBrk="0" hangingPunct="1">
+              <a:defRPr sz="1800" kern="1200">
+                <a:solidFill>
+                  <a:schemeClr val="lt1"/>
+                </a:solidFill>
+                <a:latin typeface="+mn-lt"/>
+                <a:ea typeface="+mn-ea"/>
+                <a:cs typeface="+mn-cs"/>
+              </a:defRPr>
+            </a:lvl9pPr>
+          </a:lstStyle>
+          <a:p>
+            <a:pPr algn="ctr"/>
+            <a:r>
+              <a:rPr lang="en-US" sz="1200" dirty="0" smtClean="0"/>
+              <a:t>SpringJMSProducer Application</a:t>
+            </a:r>
+            <a:endParaRPr lang="en-US" sz="1200" dirty="0"/>
+          </a:p>
+        </p:txBody>
+      </p:sp>
+    </p:spTree>
+    <p:extLst>
+      <p:ext uri="{BB962C8B-B14F-4D97-AF65-F5344CB8AC3E}">
+        <p14:creationId xmlns:p14="http://schemas.microsoft.com/office/powerpoint/2010/main" val="2613788764"/>
+      </p:ext>
+    </p:extLst>
+  </p:cSld>
+  <p:clrMapOvr>
+    <a:masterClrMapping/>
+  </p:clrMapOvr>
+  <mc:AlternateContent xmlns:mc="http://schemas.openxmlformats.org/markup-compatibility/2006" xmlns:p14="http://schemas.microsoft.com/office/powerpoint/2010/main">
+    <mc:Choice Requires="p14">
+      <p:transition spd="slow" p14:dur="2000"/>
+    </mc:Choice>
+    <mc:Fallback xmlns="">
+      <p:transition spd="slow"/>
+    </mc:Fallback>
+  </mc:AlternateContent>
+  <p:timing>
+    <p:tnLst>
+      <p:par>
+        <p:cTn id="1" dur="indefinite" restart="never" nodeType="tmRoot"/>
+      </p:par>
+    </p:tnLst>
+  </p:timing>
+</p:sld>
+</file>
+
+<file path=ppt/slides/slide7.xml><?xml version="1.0" encoding="utf-8"?>
+<p:sld xmlns:a="http://schemas.openxmlformats.org/drawingml/2006/main" xmlns:r="http://schemas.openxmlformats.org/officeDocument/2006/relationships" xmlns:p="http://schemas.openxmlformats.org/presentationml/2006/main">
+  <p:cSld>
+    <p:spTree>
+      <p:nvGrpSpPr>
+        <p:cNvPr id="1" name=""/>
+        <p:cNvGrpSpPr/>
+        <p:nvPr/>
+      </p:nvGrpSpPr>
+      <p:grpSpPr>
+        <a:xfrm>
+          <a:off x="0" y="0"/>
+          <a:ext cx="0" cy="0"/>
+          <a:chOff x="0" y="0"/>
+          <a:chExt cx="0" cy="0"/>
+        </a:xfrm>
+      </p:grpSpPr>
+      <p:sp>
+        <p:nvSpPr>
+          <p:cNvPr id="3" name="AutoShape 2" descr="data:image/png;base64,iVBORw0KGgoAAAANSUhEUgAAANEAAADxCAMAAABiSKLrAAAAbFBMVEWIiIj////6+vr29vb19fX4+Pj5+fnu7u77+/v39/f9/f3z8/P+/v709PT8/Pyqqqrt7e3v7+/w8PDx8fHy8vK+vr7Q0NCjo6OBgYHY2Njk5OTHx8eNjY3c3NzGxsbn5+eWlpa1tbWcnJx6enob4+f+AAAIqklEQVR4nO3dCZuaOhQGYEZAh0FkX2W1//8/lkVMICeIkRmOPHz22lYg5OVEZLFzJRNrnC+xSGt3nJvQekMUYktnEiM1ouDrjCs/pukLkzoRtpjmNRcloRUFoiS8oo5UvLwsYpEgCaXoHLYiMRJqkRAJt0iEhFwkQMIqCgJRElpRLErCL3r1oxavSJSEWCRIQikyOtGQNPd8CaXICc04FiXhFomQkIsESChFbmhmwiT0opf3eBivMzSjLuORnh49oKxRKxIloayR24oESShFRScSI6EUJaGZCJNwiwhp/skFcpFAlbCLXiehF71MQisSJiEVVYkwqRP9oEpXI1HSXXRuWjo/2jz3f3v8YfjS7871lbU1EiT1IjrAKrvX/2iurzisijkk8OQC5ah7iERIyEUCJOyi10noRU9J490DUpFPRAApniJhFVnzSaOdOF6RKAmlKGhFgiTMohdIyYeIhEh30aV99E9NLo8VXLqn++Q/mIuIREid6DJsv32s91Ityi1hEtJRl5+ESX2NMKUR2ZYoCbNIjIRV5FiiJIyicx7mriVEKnCKfvxadBIloRQ1NTqJkcICpcgPr7rjOPYJZnFNbZVwikw/YHNlXmDi4xW9kU70jSnNqOu/xL4R0aWg3yNMgNHWp0I66i7Dy5PsdXFuApw1Eg8RndfuykLZa4Q/512EPrsIfzYtOmwje43wh4h+1u7KQvm5bk601wh9NlijXYQ+uwh/HqLrZkTXh+h4PDQP8lQ/PvAlSrT2xl0oRHQ5biOXXYQ+uwh/dhH+7CL82bRI3Ua2XKPvtTfuQvneReizi/BnF+HPLsKfTYu0bYQWsd5PfImIDmtv3IVy2EXos4vwZxfhzy7CH0okbyO7CH+2/D46rr1xF8pxF6HPLsKfXYQ/uwh/KJGyjWxatPZwWShEpK69cReKuovQZxfhzy7Cn12EP0SkGduItmHRzFF3P3r63ZHzTl4YdYqsHg/e/YdF2e7xcFRVrba109gMFp2evGhmjzpFVZLcvJVpl7K8hWaVB1liNVNdJh7VZ4Wd7P4aaa5I866lFEnDRHWksC5eVgtH8VWy8PHGTE5V/rr+QqSocTnm9CpTM+SMmRhVVJcPKbPYv5VFcs7x1F3P1eeikl1sXZHGB0lRLH+eSI75ICk6KZ8nctkOkaQN+cNEWjBRIimU0YpkHY4hmxOgqNIMHRaRJo6giLO+dyM/F1nsvpfqWVAv92Eihe0u3bNE+TgR/FkURfWhUHPMIBsguh6N0yKNs7o/EGkVIEpj+XA8fltJ0GzqDxMdQwBka+2gqQ/p9FYkpaNIiEXuje3OddQfg738rFCTcYmME9sdKXntbY1MBOy802JrotJ6bSUiInLia7y2+aZEbXuyxXbn5vXXGQazDs+6xUWGoql2kXU/DDrOssLWNFmZ65oQufeflwvU6PHDdO8ki/0xu/Rb7RVRvZNJgupW7y3bU+T6JLnej97MPLNUhbPIbJEV9U2y/eknHds5lfhfNMo/sb23oRX5LQXWGUmpGdtz3nxEpOiep7eP+5MFUEZJj+0SCnsCVX/CkrZUQFRvQG+8RkNOzHTi5LL0rW6x8YL0bwolGtdolqir0fQxAyQCNrdsVczFmdFS6fXp+4kSecPMEqntrAYkkklTYI288frkYKI+j+XCYtzRUdCIdMV/7mkWTDNmY6AU6bo5C9QknqwSEpFuzAdJUjZFQiJSoFMWfhIDu0ievDjD5ubquEV6AjVet3krU3B/Hvn8cYdDBJxUSlKVaJqmWvENMiXcImEQKcCYi26W1nZaN9SAXXFkcos0JZpxXLeICDpLDnVSBDkDusAtEhGN72p5J78LcMbn9+nudemgiDSlASLF66cC20NKbZ3qCnAnIfKp9gcxiIjVPj8/8mbVCBY9VsNes42C4YgBrgyUJ06NpkRdCuD8yB418pYIOkl2hyuQ2SOkKOMMO4M76vrBB4sG84Cjjrr5Cooeo4TdLwyGbLsC4IKgD93dHY66lUQye7gQxfqgfdcDhr7JeSOtLoL2dOn4KEdX2E+s0hp24j3RaUERsPnLLBmlYPceaYJVBB0Bja85p8ANn3rXgFX02kEqaSGAeywoGs7zjghYdqYoxyp68USCtMDZfX+wqHomav53fkBcWDSYx4NEBpkuAyLj3oSwSDIVsMM6ETVAp/3V/KG2tP/xRPRccI1IW7Comyr8PupE9052bbW/0yLHpX/1T1wRmQuskULa4oqcd/Z1pjLu6li0zqgDP49m5fmo+2NR3z50zFBYczLsBB6Rxx6y8Q5wRoE7LCaylhM5BnTs7cGdmZP1RZzdygeLXOjW9fg94jYXUnjjbBHRcJ5nImVKBA67fFgkL/HzIE4KRW7vM0/i/kQ0WSPHg75KldHdqc+h7pfZ0jKs/GuDM3hvNSLizSEqoroE1Yia7ELf00kIWS/o09z+EmLA6bC3hMh9TwRskDq51x47e4Zzhc73Qt64wyByPOjmUVT6cZZkcQV+0zxNflX05qgD36tSe3MilcCr1FLEe9sPRDYYjmgwD1wjMl1hm4h0ugF43PETVd6wB3RbKES2Pu+2cr9waHFBWESO+8JtyxrkckFYRDa8dxAAoRHNH3hRNTHkUIlsY9Z3TqR6LzcFokScSsKi4TzPRMYske0VT78XJJkJZ8uTzojV6FdEtmNkE9/diqLUzJTpAtmzalQyF6FvI5ETA9+OpraQwTYhwRvQMYqryX6sNn8vq8AynnqoGuXuCY7N/vMR3R7N47DzePR04J+gjJt4rM7V3SzwzbC8FzYtb2Z1jQtDd3nLDOLmD1E9v90++qfT4Lfh5N+cq/508shXb5st6Ll1cWa2RYu2EUo0p6QfkF2EP7sIf3YR/hCRs3ZXFoqzYdEGR92su1D4Q486yzq1D/L0iS85W67R2l1ZKLsIfzYs4l05+bg8rpxU/lZS3UXbyvZE/wFXu+LXNTDaDQAAAABJRU5ErkJggg=="/>
+          <p:cNvSpPr>
+            <a:spLocks noChangeAspect="1" noChangeArrowheads="1"/>
+          </p:cNvSpPr>
+          <p:nvPr/>
+        </p:nvSpPr>
+        <p:spPr bwMode="auto">
+          <a:xfrm>
+            <a:off x="155575" y="-144463"/>
+            <a:ext cx="304800" cy="304801"/>
+          </a:xfrm>
+          <a:prstGeom prst="rect">
+            <a:avLst/>
+          </a:prstGeom>
+          <a:noFill/>
+          <a:extLst>
+            <a:ext uri="{909E8E84-426E-40DD-AFC4-6F175D3DCCD1}">
+              <a14:hiddenFill xmlns:a14="http://schemas.microsoft.com/office/drawing/2010/main">
+                <a:solidFill>
+                  <a:srgbClr val="FFFFFF"/>
+                </a:solidFill>
+              </a14:hiddenFill>
+            </a:ext>
+          </a:extLst>
+        </p:spPr>
+        <p:txBody>
+          <a:bodyPr vert="horz" wrap="square" lIns="91440" tIns="45720" rIns="91440" bIns="45720" numCol="1" anchor="t" anchorCtr="0" compatLnSpc="1">
+            <a:prstTxWarp prst="textNoShape">
+              <a:avLst/>
+            </a:prstTxWarp>
+          </a:bodyPr>
+          <a:lstStyle/>
+          <a:p>
+            <a:endParaRPr lang="en-US" sz="1200" dirty="0"/>
+          </a:p>
+        </p:txBody>
+      </p:sp>
+      <p:sp>
+        <p:nvSpPr>
+          <p:cNvPr id="2" name="AutoShape 2" descr="Image result for file"/>
+          <p:cNvSpPr>
+            <a:spLocks noChangeAspect="1" noChangeArrowheads="1"/>
+          </p:cNvSpPr>
+          <p:nvPr/>
+        </p:nvSpPr>
+        <p:spPr bwMode="auto">
+          <a:xfrm>
+            <a:off x="307975" y="7937"/>
+            <a:ext cx="304800" cy="304801"/>
+          </a:xfrm>
+          <a:prstGeom prst="rect">
+            <a:avLst/>
+          </a:prstGeom>
+          <a:noFill/>
+          <a:extLst>
+            <a:ext uri="{909E8E84-426E-40DD-AFC4-6F175D3DCCD1}">
+              <a14:hiddenFill xmlns:a14="http://schemas.microsoft.com/office/drawing/2010/main">
+                <a:solidFill>
+                  <a:srgbClr val="FFFFFF"/>
+                </a:solidFill>
+              </a14:hiddenFill>
+            </a:ext>
+          </a:extLst>
+        </p:spPr>
+        <p:txBody>
+          <a:bodyPr vert="horz" wrap="square" lIns="91440" tIns="45720" rIns="91440" bIns="45720" numCol="1" anchor="t" anchorCtr="0" compatLnSpc="1">
+            <a:prstTxWarp prst="textNoShape">
+              <a:avLst/>
+            </a:prstTxWarp>
+          </a:bodyPr>
+          <a:lstStyle/>
+          <a:p>
+            <a:endParaRPr lang="en-US" dirty="0"/>
+          </a:p>
+        </p:txBody>
+      </p:sp>
+      <p:sp>
+        <p:nvSpPr>
+          <p:cNvPr id="6" name="AutoShape 2" descr="Image result for activemq image"/>
+          <p:cNvSpPr>
+            <a:spLocks noChangeAspect="1" noChangeArrowheads="1"/>
+          </p:cNvSpPr>
+          <p:nvPr/>
+        </p:nvSpPr>
+        <p:spPr bwMode="auto">
+          <a:xfrm>
+            <a:off x="460375" y="160337"/>
+            <a:ext cx="304800" cy="304801"/>
+          </a:xfrm>
+          <a:prstGeom prst="rect">
+            <a:avLst/>
+          </a:prstGeom>
+          <a:noFill/>
+          <a:extLst>
+            <a:ext uri="{909E8E84-426E-40DD-AFC4-6F175D3DCCD1}">
+              <a14:hiddenFill xmlns:a14="http://schemas.microsoft.com/office/drawing/2010/main">
+                <a:solidFill>
+                  <a:srgbClr val="FFFFFF"/>
+                </a:solidFill>
+              </a14:hiddenFill>
+            </a:ext>
+          </a:extLst>
+        </p:spPr>
+        <p:txBody>
+          <a:bodyPr vert="horz" wrap="square" lIns="91440" tIns="45720" rIns="91440" bIns="45720" numCol="1" anchor="t" anchorCtr="0" compatLnSpc="1">
+            <a:prstTxWarp prst="textNoShape">
+              <a:avLst/>
+            </a:prstTxWarp>
+          </a:bodyPr>
+          <a:lstStyle/>
+          <a:p>
+            <a:endParaRPr lang="en-US"/>
+          </a:p>
+        </p:txBody>
+      </p:sp>
+      <p:sp>
+        <p:nvSpPr>
+          <p:cNvPr id="9" name="Rectangle 8"/>
+          <p:cNvSpPr/>
+          <p:nvPr/>
+        </p:nvSpPr>
+        <p:spPr>
+          <a:xfrm>
+            <a:off x="3429000" y="35739"/>
+            <a:ext cx="2209800" cy="276999"/>
+          </a:xfrm>
+          <a:prstGeom prst="rect">
+            <a:avLst/>
+          </a:prstGeom>
+        </p:spPr>
+        <p:style>
+          <a:lnRef idx="1">
+            <a:schemeClr val="accent4"/>
+          </a:lnRef>
+          <a:fillRef idx="3">
+            <a:schemeClr val="accent4"/>
+          </a:fillRef>
+          <a:effectRef idx="2">
+            <a:schemeClr val="accent4"/>
+          </a:effectRef>
+          <a:fontRef idx="minor">
+            <a:schemeClr val="lt1"/>
+          </a:fontRef>
+        </p:style>
+        <p:txBody>
+          <a:bodyPr wrap="square">
+            <a:spAutoFit/>
+          </a:bodyPr>
+          <a:lstStyle>
+            <a:defPPr>
+              <a:defRPr lang="en-US"/>
+            </a:defPPr>
+            <a:lvl1pPr marL="0" algn="l" defTabSz="914400" rtl="0" eaLnBrk="1" latinLnBrk="0" hangingPunct="1">
+              <a:defRPr sz="1800" kern="1200">
+                <a:solidFill>
+                  <a:schemeClr val="lt1"/>
+                </a:solidFill>
+                <a:latin typeface="+mn-lt"/>
+                <a:ea typeface="+mn-ea"/>
+                <a:cs typeface="+mn-cs"/>
+              </a:defRPr>
+            </a:lvl1pPr>
+            <a:lvl2pPr marL="457200" algn="l" defTabSz="914400" rtl="0" eaLnBrk="1" latinLnBrk="0" hangingPunct="1">
+              <a:defRPr sz="1800" kern="1200">
+                <a:solidFill>
+                  <a:schemeClr val="lt1"/>
+                </a:solidFill>
+                <a:latin typeface="+mn-lt"/>
+                <a:ea typeface="+mn-ea"/>
+                <a:cs typeface="+mn-cs"/>
+              </a:defRPr>
+            </a:lvl2pPr>
+            <a:lvl3pPr marL="914400" algn="l" defTabSz="914400" rtl="0" eaLnBrk="1" latinLnBrk="0" hangingPunct="1">
+              <a:defRPr sz="1800" kern="1200">
+                <a:solidFill>
+                  <a:schemeClr val="lt1"/>
+                </a:solidFill>
+                <a:latin typeface="+mn-lt"/>
+                <a:ea typeface="+mn-ea"/>
+                <a:cs typeface="+mn-cs"/>
+              </a:defRPr>
+            </a:lvl3pPr>
+            <a:lvl4pPr marL="1371600" algn="l" defTabSz="914400" rtl="0" eaLnBrk="1" latinLnBrk="0" hangingPunct="1">
+              <a:defRPr sz="1800" kern="1200">
+                <a:solidFill>
+                  <a:schemeClr val="lt1"/>
+                </a:solidFill>
+                <a:latin typeface="+mn-lt"/>
+                <a:ea typeface="+mn-ea"/>
+                <a:cs typeface="+mn-cs"/>
+              </a:defRPr>
+            </a:lvl4pPr>
+            <a:lvl5pPr marL="1828800" algn="l" defTabSz="914400" rtl="0" eaLnBrk="1" latinLnBrk="0" hangingPunct="1">
+              <a:defRPr sz="1800" kern="1200">
+                <a:solidFill>
+                  <a:schemeClr val="lt1"/>
+                </a:solidFill>
+                <a:latin typeface="+mn-lt"/>
+                <a:ea typeface="+mn-ea"/>
+                <a:cs typeface="+mn-cs"/>
+              </a:defRPr>
+            </a:lvl5pPr>
+            <a:lvl6pPr marL="2286000" algn="l" defTabSz="914400" rtl="0" eaLnBrk="1" latinLnBrk="0" hangingPunct="1">
+              <a:defRPr sz="1800" kern="1200">
+                <a:solidFill>
+                  <a:schemeClr val="lt1"/>
+                </a:solidFill>
+                <a:latin typeface="+mn-lt"/>
+                <a:ea typeface="+mn-ea"/>
+                <a:cs typeface="+mn-cs"/>
+              </a:defRPr>
+            </a:lvl6pPr>
+            <a:lvl7pPr marL="2743200" algn="l" defTabSz="914400" rtl="0" eaLnBrk="1" latinLnBrk="0" hangingPunct="1">
+              <a:defRPr sz="1800" kern="1200">
+                <a:solidFill>
+                  <a:schemeClr val="lt1"/>
+                </a:solidFill>
+                <a:latin typeface="+mn-lt"/>
+                <a:ea typeface="+mn-ea"/>
+                <a:cs typeface="+mn-cs"/>
+              </a:defRPr>
+            </a:lvl7pPr>
+            <a:lvl8pPr marL="3200400" algn="l" defTabSz="914400" rtl="0" eaLnBrk="1" latinLnBrk="0" hangingPunct="1">
+              <a:defRPr sz="1800" kern="1200">
+                <a:solidFill>
+                  <a:schemeClr val="lt1"/>
+                </a:solidFill>
+                <a:latin typeface="+mn-lt"/>
+                <a:ea typeface="+mn-ea"/>
+                <a:cs typeface="+mn-cs"/>
+              </a:defRPr>
+            </a:lvl8pPr>
+            <a:lvl9pPr marL="3657600" algn="l" defTabSz="914400" rtl="0" eaLnBrk="1" latinLnBrk="0" hangingPunct="1">
+              <a:defRPr sz="1800" kern="1200">
+                <a:solidFill>
+                  <a:schemeClr val="lt1"/>
+                </a:solidFill>
+                <a:latin typeface="+mn-lt"/>
+                <a:ea typeface="+mn-ea"/>
+                <a:cs typeface="+mn-cs"/>
+              </a:defRPr>
+            </a:lvl9pPr>
+          </a:lstStyle>
+          <a:p>
+            <a:pPr algn="ctr"/>
+            <a:r>
+              <a:rPr lang="en-US" sz="1200" dirty="0" smtClean="0"/>
+              <a:t>SpringJMSConsumer Application</a:t>
+            </a:r>
+            <a:endParaRPr lang="en-US" sz="1200" dirty="0"/>
+          </a:p>
+        </p:txBody>
+      </p:sp>
+      <p:pic>
+        <p:nvPicPr>
+          <p:cNvPr id="6146" name="Picture 2"/>
+          <p:cNvPicPr>
+            <a:picLocks noChangeAspect="1" noChangeArrowheads="1"/>
+          </p:cNvPicPr>
+          <p:nvPr/>
+        </p:nvPicPr>
+        <p:blipFill>
+          <a:blip r:embed="rId3">
+            <a:extLst>
+              <a:ext uri="{28A0092B-C50C-407E-A947-70E740481C1C}">
+                <a14:useLocalDpi xmlns:a14="http://schemas.microsoft.com/office/drawing/2010/main" val="0"/>
+              </a:ext>
+            </a:extLst>
+          </a:blip>
+          <a:srcRect/>
+          <a:stretch>
+            <a:fillRect/>
+          </a:stretch>
+        </p:blipFill>
+        <p:spPr bwMode="auto">
+          <a:xfrm>
+            <a:off x="403683" y="609600"/>
+            <a:ext cx="4200525" cy="2743200"/>
+          </a:xfrm>
+          <a:prstGeom prst="rect">
+            <a:avLst/>
+          </a:prstGeom>
+          <a:ln/>
+        </p:spPr>
+        <p:style>
+          <a:lnRef idx="1">
+            <a:schemeClr val="accent4"/>
           </a:lnRef>
           <a:fillRef idx="2">
-            <a:schemeClr val="accent3"/>
+            <a:schemeClr val="accent4"/>
           </a:fillRef>
           <a:effectRef idx="1">
-            <a:schemeClr val="accent3"/>
+            <a:schemeClr val="accent4"/>
+          </a:effectRef>
+          <a:fontRef idx="minor">
+            <a:schemeClr val="dk1"/>
+          </a:fontRef>
+        </p:style>
+      </p:pic>
+      <p:sp>
+        <p:nvSpPr>
+          <p:cNvPr id="8" name="Rounded Rectangular Callout 7"/>
+          <p:cNvSpPr/>
+          <p:nvPr/>
+        </p:nvSpPr>
+        <p:spPr>
+          <a:xfrm>
+            <a:off x="4419600" y="762000"/>
+            <a:ext cx="4572000" cy="688848"/>
+          </a:xfrm>
+          <a:prstGeom prst="wedgeRoundRectCallout">
+            <a:avLst>
+              <a:gd name="adj1" fmla="val -91387"/>
+              <a:gd name="adj2" fmla="val 44906"/>
+              <a:gd name="adj3" fmla="val 16667"/>
+            </a:avLst>
+          </a:prstGeom>
+          <a:ln w="3175"/>
+        </p:spPr>
+        <p:style>
+          <a:lnRef idx="2">
+            <a:schemeClr val="accent4"/>
+          </a:lnRef>
+          <a:fillRef idx="1">
+            <a:schemeClr val="lt1"/>
+          </a:fillRef>
+          <a:effectRef idx="0">
+            <a:schemeClr val="accent4"/>
+          </a:effectRef>
+          <a:fontRef idx="minor">
+            <a:schemeClr val="dk1"/>
+          </a:fontRef>
+        </p:style>
+        <p:txBody>
+          <a:bodyPr rtlCol="0" anchor="ctr"/>
+          <a:lstStyle/>
+          <a:p>
+            <a:r>
+              <a:rPr lang="en-US" sz="1200" dirty="0" smtClean="0"/>
+              <a:t>Receiver </a:t>
+            </a:r>
+            <a:r>
+              <a:rPr lang="en-US" sz="1200" dirty="0"/>
+              <a:t>class that will receive the message. The method implemented to receive message should be acknowledged to MessageListenerAdapter in configuration class. </a:t>
+            </a:r>
+            <a:endParaRPr lang="en-US" sz="1200" dirty="0"/>
+          </a:p>
+        </p:txBody>
+      </p:sp>
+    </p:spTree>
+    <p:extLst>
+      <p:ext uri="{BB962C8B-B14F-4D97-AF65-F5344CB8AC3E}">
+        <p14:creationId xmlns:p14="http://schemas.microsoft.com/office/powerpoint/2010/main" val="902083871"/>
+      </p:ext>
+    </p:extLst>
+  </p:cSld>
+  <p:clrMapOvr>
+    <a:masterClrMapping/>
+  </p:clrMapOvr>
+  <mc:AlternateContent xmlns:mc="http://schemas.openxmlformats.org/markup-compatibility/2006" xmlns:p14="http://schemas.microsoft.com/office/powerpoint/2010/main">
+    <mc:Choice Requires="p14">
+      <p:transition spd="slow" p14:dur="2000"/>
+    </mc:Choice>
+    <mc:Fallback xmlns="">
+      <p:transition spd="slow"/>
+    </mc:Fallback>
+  </mc:AlternateContent>
+  <p:timing>
+    <p:tnLst>
+      <p:par>
+        <p:cTn id="1" dur="indefinite" restart="never" nodeType="tmRoot"/>
+      </p:par>
+    </p:tnLst>
+  </p:timing>
+</p:sld>
+</file>
+
+<file path=ppt/slides/slide8.xml><?xml version="1.0" encoding="utf-8"?>
+<p:sld xmlns:a="http://schemas.openxmlformats.org/drawingml/2006/main" xmlns:r="http://schemas.openxmlformats.org/officeDocument/2006/relationships" xmlns:p="http://schemas.openxmlformats.org/presentationml/2006/main">
+  <p:cSld>
+    <p:spTree>
+      <p:nvGrpSpPr>
+        <p:cNvPr id="1" name=""/>
+        <p:cNvGrpSpPr/>
+        <p:nvPr/>
+      </p:nvGrpSpPr>
+      <p:grpSpPr>
+        <a:xfrm>
+          <a:off x="0" y="0"/>
+          <a:ext cx="0" cy="0"/>
+          <a:chOff x="0" y="0"/>
+          <a:chExt cx="0" cy="0"/>
+        </a:xfrm>
+      </p:grpSpPr>
+      <p:pic>
+        <p:nvPicPr>
+          <p:cNvPr id="7172" name="Picture 4"/>
+          <p:cNvPicPr>
+            <a:picLocks noChangeAspect="1" noChangeArrowheads="1"/>
+          </p:cNvPicPr>
+          <p:nvPr/>
+        </p:nvPicPr>
+        <p:blipFill>
+          <a:blip r:embed="rId3">
+            <a:extLst>
+              <a:ext uri="{28A0092B-C50C-407E-A947-70E740481C1C}">
+                <a14:useLocalDpi xmlns:a14="http://schemas.microsoft.com/office/drawing/2010/main" val="0"/>
+              </a:ext>
+            </a:extLst>
+          </a:blip>
+          <a:srcRect/>
+          <a:stretch>
+            <a:fillRect/>
+          </a:stretch>
+        </p:blipFill>
+        <p:spPr bwMode="auto">
+          <a:xfrm>
+            <a:off x="-19639" y="312738"/>
+            <a:ext cx="4378325" cy="4713320"/>
+          </a:xfrm>
+          <a:prstGeom prst="rect">
+            <a:avLst/>
+          </a:prstGeom>
+          <a:noFill/>
+          <a:ln>
+            <a:noFill/>
+          </a:ln>
+          <a:effectLst/>
+          <a:extLst>
+            <a:ext uri="{909E8E84-426E-40DD-AFC4-6F175D3DCCD1}">
+              <a14:hiddenFill xmlns:a14="http://schemas.microsoft.com/office/drawing/2010/main">
+                <a:solidFill>
+                  <a:schemeClr val="accent1"/>
+                </a:solidFill>
+              </a14:hiddenFill>
+            </a:ext>
+            <a:ext uri="{91240B29-F687-4F45-9708-019B960494DF}">
+              <a14:hiddenLine xmlns:a14="http://schemas.microsoft.com/office/drawing/2010/main" w="9525">
+                <a:solidFill>
+                  <a:schemeClr val="tx1"/>
+                </a:solidFill>
+                <a:miter lim="800000"/>
+                <a:headEnd/>
+                <a:tailEnd/>
+              </a14:hiddenLine>
+            </a:ext>
+            <a:ext uri="{AF507438-7753-43E0-B8FC-AC1667EBCBE1}">
+              <a14:hiddenEffects xmlns:a14="http://schemas.microsoft.com/office/drawing/2010/main">
+                <a:effectLst>
+                  <a:outerShdw dist="35921" dir="2700000" algn="ctr" rotWithShape="0">
+                    <a:schemeClr val="bg2"/>
+                  </a:outerShdw>
+                </a:effectLst>
+              </a14:hiddenEffects>
+            </a:ext>
+          </a:extLst>
+        </p:spPr>
+      </p:pic>
+      <p:sp>
+        <p:nvSpPr>
+          <p:cNvPr id="3" name="AutoShape 2" descr="data:image/png;base64,iVBORw0KGgoAAAANSUhEUgAAANEAAADxCAMAAABiSKLrAAAAbFBMVEWIiIj////6+vr29vb19fX4+Pj5+fnu7u77+/v39/f9/f3z8/P+/v709PT8/Pyqqqrt7e3v7+/w8PDx8fHy8vK+vr7Q0NCjo6OBgYHY2Njk5OTHx8eNjY3c3NzGxsbn5+eWlpa1tbWcnJx6enob4+f+AAAIqklEQVR4nO3dCZuaOhQGYEZAh0FkX2W1//8/lkVMICeIkRmOPHz22lYg5OVEZLFzJRNrnC+xSGt3nJvQekMUYktnEiM1ouDrjCs/pukLkzoRtpjmNRcloRUFoiS8oo5UvLwsYpEgCaXoHLYiMRJqkRAJt0iEhFwkQMIqCgJRElpRLErCL3r1oxavSJSEWCRIQikyOtGQNPd8CaXICc04FiXhFomQkIsESChFbmhmwiT0opf3eBivMzSjLuORnh49oKxRKxIloayR24oESShFRScSI6EUJaGZCJNwiwhp/skFcpFAlbCLXiehF71MQisSJiEVVYkwqRP9oEpXI1HSXXRuWjo/2jz3f3v8YfjS7871lbU1EiT1IjrAKrvX/2iurzisijkk8OQC5ah7iERIyEUCJOyi10noRU9J490DUpFPRAApniJhFVnzSaOdOF6RKAmlKGhFgiTMohdIyYeIhEh30aV99E9NLo8VXLqn++Q/mIuIREid6DJsv32s91Ityi1hEtJRl5+ESX2NMKUR2ZYoCbNIjIRV5FiiJIyicx7mriVEKnCKfvxadBIloRQ1NTqJkcICpcgPr7rjOPYJZnFNbZVwikw/YHNlXmDi4xW9kU70jSnNqOu/xL4R0aWg3yNMgNHWp0I66i7Dy5PsdXFuApw1Eg8RndfuykLZa4Q/512EPrsIfzYtOmwje43wh4h+1u7KQvm5bk601wh9NlijXYQ+uwh/HqLrZkTXh+h4PDQP8lQ/PvAlSrT2xl0oRHQ5biOXXYQ+uwh/dhH+7CL82bRI3Ua2XKPvtTfuQvneReizi/BnF+HPLsKfTYu0bYQWsd5PfImIDmtv3IVy2EXos4vwZxfhzy7CH0okbyO7CH+2/D46rr1xF8pxF6HPLsKfXYQ/uwh/KJGyjWxatPZwWShEpK69cReKuovQZxfhzy7Cn12EP0SkGduItmHRzFF3P3r63ZHzTl4YdYqsHg/e/YdF2e7xcFRVrba109gMFp2evGhmjzpFVZLcvJVpl7K8hWaVB1liNVNdJh7VZ4Wd7P4aaa5I866lFEnDRHWksC5eVgtH8VWy8PHGTE5V/rr+QqSocTnm9CpTM+SMmRhVVJcPKbPYv5VFcs7x1F3P1eeikl1sXZHGB0lRLH+eSI75ICk6KZ8nctkOkaQN+cNEWjBRIimU0YpkHY4hmxOgqNIMHRaRJo6giLO+dyM/F1nsvpfqWVAv92Eihe0u3bNE+TgR/FkURfWhUHPMIBsguh6N0yKNs7o/EGkVIEpj+XA8fltJ0GzqDxMdQwBka+2gqQ/p9FYkpaNIiEXuje3OddQfg738rFCTcYmME9sdKXntbY1MBOy802JrotJ6bSUiInLia7y2+aZEbXuyxXbn5vXXGQazDs+6xUWGoql2kXU/DDrOssLWNFmZ65oQufeflwvU6PHDdO8ki/0xu/Rb7RVRvZNJgupW7y3bU+T6JLnej97MPLNUhbPIbJEV9U2y/eknHds5lfhfNMo/sb23oRX5LQXWGUmpGdtz3nxEpOiep7eP+5MFUEZJj+0SCnsCVX/CkrZUQFRvQG+8RkNOzHTi5LL0rW6x8YL0bwolGtdolqir0fQxAyQCNrdsVczFmdFS6fXp+4kSecPMEqntrAYkkklTYI288frkYKI+j+XCYtzRUdCIdMV/7mkWTDNmY6AU6bo5C9QknqwSEpFuzAdJUjZFQiJSoFMWfhIDu0ievDjD5ubquEV6AjVet3krU3B/Hvn8cYdDBJxUSlKVaJqmWvENMiXcImEQKcCYi26W1nZaN9SAXXFkcos0JZpxXLeICDpLDnVSBDkDusAtEhGN72p5J78LcMbn9+nudemgiDSlASLF66cC20NKbZ3qCnAnIfKp9gcxiIjVPj8/8mbVCBY9VsNes42C4YgBrgyUJ06NpkRdCuD8yB418pYIOkl2hyuQ2SOkKOMMO4M76vrBB4sG84Cjjrr5Cooeo4TdLwyGbLsC4IKgD93dHY66lUQye7gQxfqgfdcDhr7JeSOtLoL2dOn4KEdX2E+s0hp24j3RaUERsPnLLBmlYPceaYJVBB0Bja85p8ANn3rXgFX02kEqaSGAeywoGs7zjghYdqYoxyp68USCtMDZfX+wqHomav53fkBcWDSYx4NEBpkuAyLj3oSwSDIVsMM6ETVAp/3V/KG2tP/xRPRccI1IW7Comyr8PupE9052bbW/0yLHpX/1T1wRmQuskULa4oqcd/Z1pjLu6li0zqgDP49m5fmo+2NR3z50zFBYczLsBB6Rxx6y8Q5wRoE7LCaylhM5BnTs7cGdmZP1RZzdygeLXOjW9fg94jYXUnjjbBHRcJ5nImVKBA67fFgkL/HzIE4KRW7vM0/i/kQ0WSPHg75KldHdqc+h7pfZ0jKs/GuDM3hvNSLizSEqoroE1Yia7ELf00kIWS/o09z+EmLA6bC3hMh9TwRskDq51x47e4Zzhc73Qt64wyByPOjmUVT6cZZkcQV+0zxNflX05qgD36tSe3MilcCr1FLEe9sPRDYYjmgwD1wjMl1hm4h0ugF43PETVd6wB3RbKES2Pu+2cr9waHFBWESO+8JtyxrkckFYRDa8dxAAoRHNH3hRNTHkUIlsY9Z3TqR6LzcFokScSsKi4TzPRMYske0VT78XJJkJZ8uTzojV6FdEtmNkE9/diqLUzJTpAtmzalQyF6FvI5ETA9+OpraQwTYhwRvQMYqryX6sNn8vq8AynnqoGuXuCY7N/vMR3R7N47DzePR04J+gjJt4rM7V3SzwzbC8FzYtb2Z1jQtDd3nLDOLmD1E9v90++qfT4Lfh5N+cq/508shXb5st6Ll1cWa2RYu2EUo0p6QfkF2EP7sIf3YR/hCRs3ZXFoqzYdEGR92su1D4Q486yzq1D/L0iS85W67R2l1ZKLsIfzYs4l05+bg8rpxU/lZS3UXbyvZE/wFXu+LXNTDaDQAAAABJRU5ErkJggg=="/>
+          <p:cNvSpPr>
+            <a:spLocks noChangeAspect="1" noChangeArrowheads="1"/>
+          </p:cNvSpPr>
+          <p:nvPr/>
+        </p:nvSpPr>
+        <p:spPr bwMode="auto">
+          <a:xfrm>
+            <a:off x="155575" y="-144463"/>
+            <a:ext cx="304800" cy="304801"/>
+          </a:xfrm>
+          <a:prstGeom prst="rect">
+            <a:avLst/>
+          </a:prstGeom>
+          <a:noFill/>
+          <a:extLst>
+            <a:ext uri="{909E8E84-426E-40DD-AFC4-6F175D3DCCD1}">
+              <a14:hiddenFill xmlns:a14="http://schemas.microsoft.com/office/drawing/2010/main">
+                <a:solidFill>
+                  <a:srgbClr val="FFFFFF"/>
+                </a:solidFill>
+              </a14:hiddenFill>
+            </a:ext>
+          </a:extLst>
+        </p:spPr>
+        <p:txBody>
+          <a:bodyPr vert="horz" wrap="square" lIns="91440" tIns="45720" rIns="91440" bIns="45720" numCol="1" anchor="t" anchorCtr="0" compatLnSpc="1">
+            <a:prstTxWarp prst="textNoShape">
+              <a:avLst/>
+            </a:prstTxWarp>
+          </a:bodyPr>
+          <a:lstStyle/>
+          <a:p>
+            <a:endParaRPr lang="en-US" sz="1200" dirty="0"/>
+          </a:p>
+        </p:txBody>
+      </p:sp>
+      <p:sp>
+        <p:nvSpPr>
+          <p:cNvPr id="2" name="AutoShape 2" descr="Image result for file"/>
+          <p:cNvSpPr>
+            <a:spLocks noChangeAspect="1" noChangeArrowheads="1"/>
+          </p:cNvSpPr>
+          <p:nvPr/>
+        </p:nvSpPr>
+        <p:spPr bwMode="auto">
+          <a:xfrm>
+            <a:off x="307975" y="7937"/>
+            <a:ext cx="304800" cy="304801"/>
+          </a:xfrm>
+          <a:prstGeom prst="rect">
+            <a:avLst/>
+          </a:prstGeom>
+          <a:noFill/>
+          <a:extLst>
+            <a:ext uri="{909E8E84-426E-40DD-AFC4-6F175D3DCCD1}">
+              <a14:hiddenFill xmlns:a14="http://schemas.microsoft.com/office/drawing/2010/main">
+                <a:solidFill>
+                  <a:srgbClr val="FFFFFF"/>
+                </a:solidFill>
+              </a14:hiddenFill>
+            </a:ext>
+          </a:extLst>
+        </p:spPr>
+        <p:txBody>
+          <a:bodyPr vert="horz" wrap="square" lIns="91440" tIns="45720" rIns="91440" bIns="45720" numCol="1" anchor="t" anchorCtr="0" compatLnSpc="1">
+            <a:prstTxWarp prst="textNoShape">
+              <a:avLst/>
+            </a:prstTxWarp>
+          </a:bodyPr>
+          <a:lstStyle/>
+          <a:p>
+            <a:endParaRPr lang="en-US" dirty="0"/>
+          </a:p>
+        </p:txBody>
+      </p:sp>
+      <p:sp>
+        <p:nvSpPr>
+          <p:cNvPr id="6" name="AutoShape 2" descr="Image result for activemq image"/>
+          <p:cNvSpPr>
+            <a:spLocks noChangeAspect="1" noChangeArrowheads="1"/>
+          </p:cNvSpPr>
+          <p:nvPr/>
+        </p:nvSpPr>
+        <p:spPr bwMode="auto">
+          <a:xfrm>
+            <a:off x="460375" y="160337"/>
+            <a:ext cx="304800" cy="304801"/>
+          </a:xfrm>
+          <a:prstGeom prst="rect">
+            <a:avLst/>
+          </a:prstGeom>
+          <a:noFill/>
+          <a:extLst>
+            <a:ext uri="{909E8E84-426E-40DD-AFC4-6F175D3DCCD1}">
+              <a14:hiddenFill xmlns:a14="http://schemas.microsoft.com/office/drawing/2010/main">
+                <a:solidFill>
+                  <a:srgbClr val="FFFFFF"/>
+                </a:solidFill>
+              </a14:hiddenFill>
+            </a:ext>
+          </a:extLst>
+        </p:spPr>
+        <p:txBody>
+          <a:bodyPr vert="horz" wrap="square" lIns="91440" tIns="45720" rIns="91440" bIns="45720" numCol="1" anchor="t" anchorCtr="0" compatLnSpc="1">
+            <a:prstTxWarp prst="textNoShape">
+              <a:avLst/>
+            </a:prstTxWarp>
+          </a:bodyPr>
+          <a:lstStyle/>
+          <a:p>
+            <a:endParaRPr lang="en-US"/>
+          </a:p>
+        </p:txBody>
+      </p:sp>
+      <p:sp>
+        <p:nvSpPr>
+          <p:cNvPr id="9" name="Rectangle 8"/>
+          <p:cNvSpPr/>
+          <p:nvPr/>
+        </p:nvSpPr>
+        <p:spPr>
+          <a:xfrm>
+            <a:off x="3429000" y="35739"/>
+            <a:ext cx="2209800" cy="276999"/>
+          </a:xfrm>
+          <a:prstGeom prst="rect">
+            <a:avLst/>
+          </a:prstGeom>
+        </p:spPr>
+        <p:style>
+          <a:lnRef idx="1">
+            <a:schemeClr val="accent4"/>
+          </a:lnRef>
+          <a:fillRef idx="3">
+            <a:schemeClr val="accent4"/>
+          </a:fillRef>
+          <a:effectRef idx="2">
+            <a:schemeClr val="accent4"/>
+          </a:effectRef>
+          <a:fontRef idx="minor">
+            <a:schemeClr val="lt1"/>
+          </a:fontRef>
+        </p:style>
+        <p:txBody>
+          <a:bodyPr wrap="square">
+            <a:spAutoFit/>
+          </a:bodyPr>
+          <a:lstStyle>
+            <a:defPPr>
+              <a:defRPr lang="en-US"/>
+            </a:defPPr>
+            <a:lvl1pPr marL="0" algn="l" defTabSz="914400" rtl="0" eaLnBrk="1" latinLnBrk="0" hangingPunct="1">
+              <a:defRPr sz="1800" kern="1200">
+                <a:solidFill>
+                  <a:schemeClr val="lt1"/>
+                </a:solidFill>
+                <a:latin typeface="+mn-lt"/>
+                <a:ea typeface="+mn-ea"/>
+                <a:cs typeface="+mn-cs"/>
+              </a:defRPr>
+            </a:lvl1pPr>
+            <a:lvl2pPr marL="457200" algn="l" defTabSz="914400" rtl="0" eaLnBrk="1" latinLnBrk="0" hangingPunct="1">
+              <a:defRPr sz="1800" kern="1200">
+                <a:solidFill>
+                  <a:schemeClr val="lt1"/>
+                </a:solidFill>
+                <a:latin typeface="+mn-lt"/>
+                <a:ea typeface="+mn-ea"/>
+                <a:cs typeface="+mn-cs"/>
+              </a:defRPr>
+            </a:lvl2pPr>
+            <a:lvl3pPr marL="914400" algn="l" defTabSz="914400" rtl="0" eaLnBrk="1" latinLnBrk="0" hangingPunct="1">
+              <a:defRPr sz="1800" kern="1200">
+                <a:solidFill>
+                  <a:schemeClr val="lt1"/>
+                </a:solidFill>
+                <a:latin typeface="+mn-lt"/>
+                <a:ea typeface="+mn-ea"/>
+                <a:cs typeface="+mn-cs"/>
+              </a:defRPr>
+            </a:lvl3pPr>
+            <a:lvl4pPr marL="1371600" algn="l" defTabSz="914400" rtl="0" eaLnBrk="1" latinLnBrk="0" hangingPunct="1">
+              <a:defRPr sz="1800" kern="1200">
+                <a:solidFill>
+                  <a:schemeClr val="lt1"/>
+                </a:solidFill>
+                <a:latin typeface="+mn-lt"/>
+                <a:ea typeface="+mn-ea"/>
+                <a:cs typeface="+mn-cs"/>
+              </a:defRPr>
+            </a:lvl4pPr>
+            <a:lvl5pPr marL="1828800" algn="l" defTabSz="914400" rtl="0" eaLnBrk="1" latinLnBrk="0" hangingPunct="1">
+              <a:defRPr sz="1800" kern="1200">
+                <a:solidFill>
+                  <a:schemeClr val="lt1"/>
+                </a:solidFill>
+                <a:latin typeface="+mn-lt"/>
+                <a:ea typeface="+mn-ea"/>
+                <a:cs typeface="+mn-cs"/>
+              </a:defRPr>
+            </a:lvl5pPr>
+            <a:lvl6pPr marL="2286000" algn="l" defTabSz="914400" rtl="0" eaLnBrk="1" latinLnBrk="0" hangingPunct="1">
+              <a:defRPr sz="1800" kern="1200">
+                <a:solidFill>
+                  <a:schemeClr val="lt1"/>
+                </a:solidFill>
+                <a:latin typeface="+mn-lt"/>
+                <a:ea typeface="+mn-ea"/>
+                <a:cs typeface="+mn-cs"/>
+              </a:defRPr>
+            </a:lvl6pPr>
+            <a:lvl7pPr marL="2743200" algn="l" defTabSz="914400" rtl="0" eaLnBrk="1" latinLnBrk="0" hangingPunct="1">
+              <a:defRPr sz="1800" kern="1200">
+                <a:solidFill>
+                  <a:schemeClr val="lt1"/>
+                </a:solidFill>
+                <a:latin typeface="+mn-lt"/>
+                <a:ea typeface="+mn-ea"/>
+                <a:cs typeface="+mn-cs"/>
+              </a:defRPr>
+            </a:lvl7pPr>
+            <a:lvl8pPr marL="3200400" algn="l" defTabSz="914400" rtl="0" eaLnBrk="1" latinLnBrk="0" hangingPunct="1">
+              <a:defRPr sz="1800" kern="1200">
+                <a:solidFill>
+                  <a:schemeClr val="lt1"/>
+                </a:solidFill>
+                <a:latin typeface="+mn-lt"/>
+                <a:ea typeface="+mn-ea"/>
+                <a:cs typeface="+mn-cs"/>
+              </a:defRPr>
+            </a:lvl8pPr>
+            <a:lvl9pPr marL="3657600" algn="l" defTabSz="914400" rtl="0" eaLnBrk="1" latinLnBrk="0" hangingPunct="1">
+              <a:defRPr sz="1800" kern="1200">
+                <a:solidFill>
+                  <a:schemeClr val="lt1"/>
+                </a:solidFill>
+                <a:latin typeface="+mn-lt"/>
+                <a:ea typeface="+mn-ea"/>
+                <a:cs typeface="+mn-cs"/>
+              </a:defRPr>
+            </a:lvl9pPr>
+          </a:lstStyle>
+          <a:p>
+            <a:pPr algn="ctr"/>
+            <a:r>
+              <a:rPr lang="en-US" sz="1200" dirty="0" smtClean="0"/>
+              <a:t>SpringJMSConsumer Application</a:t>
+            </a:r>
+            <a:endParaRPr lang="en-US" sz="1200" dirty="0"/>
+          </a:p>
+        </p:txBody>
+      </p:sp>
+      <p:pic>
+        <p:nvPicPr>
+          <p:cNvPr id="7171" name="Picture 3"/>
+          <p:cNvPicPr>
+            <a:picLocks noChangeAspect="1" noChangeArrowheads="1"/>
+          </p:cNvPicPr>
+          <p:nvPr/>
+        </p:nvPicPr>
+        <p:blipFill>
+          <a:blip r:embed="rId4">
+            <a:extLst>
+              <a:ext uri="{28A0092B-C50C-407E-A947-70E740481C1C}">
+                <a14:useLocalDpi xmlns:a14="http://schemas.microsoft.com/office/drawing/2010/main" val="0"/>
+              </a:ext>
+            </a:extLst>
+          </a:blip>
+          <a:srcRect/>
+          <a:stretch>
+            <a:fillRect/>
+          </a:stretch>
+        </p:blipFill>
+        <p:spPr bwMode="auto">
+          <a:xfrm>
+            <a:off x="3954544" y="838200"/>
+            <a:ext cx="5181600" cy="2964972"/>
+          </a:xfrm>
+          <a:prstGeom prst="rect">
+            <a:avLst/>
+          </a:prstGeom>
+          <a:noFill/>
+          <a:ln>
+            <a:noFill/>
+          </a:ln>
+          <a:effectLst/>
+          <a:extLst>
+            <a:ext uri="{909E8E84-426E-40DD-AFC4-6F175D3DCCD1}">
+              <a14:hiddenFill xmlns:a14="http://schemas.microsoft.com/office/drawing/2010/main">
+                <a:solidFill>
+                  <a:schemeClr val="accent1"/>
+                </a:solidFill>
+              </a14:hiddenFill>
+            </a:ext>
+            <a:ext uri="{91240B29-F687-4F45-9708-019B960494DF}">
+              <a14:hiddenLine xmlns:a14="http://schemas.microsoft.com/office/drawing/2010/main" w="9525">
+                <a:solidFill>
+                  <a:schemeClr val="tx1"/>
+                </a:solidFill>
+                <a:miter lim="800000"/>
+                <a:headEnd/>
+                <a:tailEnd/>
+              </a14:hiddenLine>
+            </a:ext>
+            <a:ext uri="{AF507438-7753-43E0-B8FC-AC1667EBCBE1}">
+              <a14:hiddenEffects xmlns:a14="http://schemas.microsoft.com/office/drawing/2010/main">
+                <a:effectLst>
+                  <a:outerShdw dist="35921" dir="2700000" algn="ctr" rotWithShape="0">
+                    <a:schemeClr val="bg2"/>
+                  </a:outerShdw>
+                </a:effectLst>
+              </a14:hiddenEffects>
+            </a:ext>
+          </a:extLst>
+        </p:spPr>
+      </p:pic>
+      <p:cxnSp>
+        <p:nvCxnSpPr>
+          <p:cNvPr id="5" name="Straight Arrow Connector 4"/>
+          <p:cNvCxnSpPr/>
+          <p:nvPr/>
+        </p:nvCxnSpPr>
+        <p:spPr>
+          <a:xfrm flipH="1" flipV="1">
+            <a:off x="7010400" y="3581400"/>
+            <a:ext cx="685800" cy="457200"/>
+          </a:xfrm>
+          <a:prstGeom prst="straightConnector1">
+            <a:avLst/>
+          </a:prstGeom>
+          <a:ln>
+            <a:tailEnd type="arrow"/>
+          </a:ln>
+        </p:spPr>
+        <p:style>
+          <a:lnRef idx="2">
+            <a:schemeClr val="accent2"/>
+          </a:lnRef>
+          <a:fillRef idx="0">
+            <a:schemeClr val="accent2"/>
+          </a:fillRef>
+          <a:effectRef idx="1">
+            <a:schemeClr val="accent2"/>
+          </a:effectRef>
+          <a:fontRef idx="minor">
+            <a:schemeClr val="tx1"/>
+          </a:fontRef>
+        </p:style>
+      </p:cxnSp>
+      <p:cxnSp>
+        <p:nvCxnSpPr>
+          <p:cNvPr id="10" name="Straight Arrow Connector 9"/>
+          <p:cNvCxnSpPr/>
+          <p:nvPr/>
+        </p:nvCxnSpPr>
+        <p:spPr>
+          <a:xfrm flipH="1" flipV="1">
+            <a:off x="6667500" y="2092086"/>
+            <a:ext cx="685800" cy="457200"/>
+          </a:xfrm>
+          <a:prstGeom prst="straightConnector1">
+            <a:avLst/>
+          </a:prstGeom>
+          <a:ln>
+            <a:tailEnd type="arrow"/>
+          </a:ln>
+        </p:spPr>
+        <p:style>
+          <a:lnRef idx="2">
+            <a:schemeClr val="accent2"/>
+          </a:lnRef>
+          <a:fillRef idx="0">
+            <a:schemeClr val="accent2"/>
+          </a:fillRef>
+          <a:effectRef idx="1">
+            <a:schemeClr val="accent2"/>
+          </a:effectRef>
+          <a:fontRef idx="minor">
+            <a:schemeClr val="tx1"/>
+          </a:fontRef>
+        </p:style>
+      </p:cxnSp>
+    </p:spTree>
+    <p:extLst>
+      <p:ext uri="{BB962C8B-B14F-4D97-AF65-F5344CB8AC3E}">
+        <p14:creationId xmlns:p14="http://schemas.microsoft.com/office/powerpoint/2010/main" val="2778150357"/>
+      </p:ext>
+    </p:extLst>
+  </p:cSld>
+  <p:clrMapOvr>
+    <a:masterClrMapping/>
+  </p:clrMapOvr>
+  <mc:AlternateContent xmlns:mc="http://schemas.openxmlformats.org/markup-compatibility/2006" xmlns:p14="http://schemas.microsoft.com/office/powerpoint/2010/main">
+    <mc:Choice Requires="p14">
+      <p:transition spd="slow" p14:dur="2000"/>
+    </mc:Choice>
+    <mc:Fallback xmlns="">
+      <p:transition spd="slow"/>
+    </mc:Fallback>
+  </mc:AlternateContent>
+  <p:timing>
+    <p:tnLst>
+      <p:par>
+        <p:cTn id="1" dur="indefinite" restart="never" nodeType="tmRoot"/>
+      </p:par>
+    </p:tnLst>
+  </p:timing>
+</p:sld>
+</file>
+
+<file path=ppt/slides/slide9.xml><?xml version="1.0" encoding="utf-8"?>
+<p:sld xmlns:a="http://schemas.openxmlformats.org/drawingml/2006/main" xmlns:r="http://schemas.openxmlformats.org/officeDocument/2006/relationships" xmlns:p="http://schemas.openxmlformats.org/presentationml/2006/main">
+  <p:cSld>
+    <p:spTree>
+      <p:nvGrpSpPr>
+        <p:cNvPr id="1" name=""/>
+        <p:cNvGrpSpPr/>
+        <p:nvPr/>
+      </p:nvGrpSpPr>
+      <p:grpSpPr>
+        <a:xfrm>
+          <a:off x="0" y="0"/>
+          <a:ext cx="0" cy="0"/>
+          <a:chOff x="0" y="0"/>
+          <a:chExt cx="0" cy="0"/>
+        </a:xfrm>
+      </p:grpSpPr>
+      <p:sp>
+        <p:nvSpPr>
+          <p:cNvPr id="3" name="AutoShape 2" descr="data:image/png;base64,iVBORw0KGgoAAAANSUhEUgAAANEAAADxCAMAAABiSKLrAAAAbFBMVEWIiIj////6+vr29vb19fX4+Pj5+fnu7u77+/v39/f9/f3z8/P+/v709PT8/Pyqqqrt7e3v7+/w8PDx8fHy8vK+vr7Q0NCjo6OBgYHY2Njk5OTHx8eNjY3c3NzGxsbn5+eWlpa1tbWcnJx6enob4+f+AAAIqklEQVR4nO3dCZuaOhQGYEZAh0FkX2W1//8/lkVMICeIkRmOPHz22lYg5OVEZLFzJRNrnC+xSGt3nJvQekMUYktnEiM1ouDrjCs/pukLkzoRtpjmNRcloRUFoiS8oo5UvLwsYpEgCaXoHLYiMRJqkRAJt0iEhFwkQMIqCgJRElpRLErCL3r1oxavSJSEWCRIQikyOtGQNPd8CaXICc04FiXhFomQkIsESChFbmhmwiT0opf3eBivMzSjLuORnh49oKxRKxIloayR24oESShFRScSI6EUJaGZCJNwiwhp/skFcpFAlbCLXiehF71MQisSJiEVVYkwqRP9oEpXI1HSXXRuWjo/2jz3f3v8YfjS7871lbU1EiT1IjrAKrvX/2iurzisijkk8OQC5ah7iERIyEUCJOyi10noRU9J490DUpFPRAApniJhFVnzSaOdOF6RKAmlKGhFgiTMohdIyYeIhEh30aV99E9NLo8VXLqn++Q/mIuIREid6DJsv32s91Ityi1hEtJRl5+ESX2NMKUR2ZYoCbNIjIRV5FiiJIyicx7mriVEKnCKfvxadBIloRQ1NTqJkcICpcgPr7rjOPYJZnFNbZVwikw/YHNlXmDi4xW9kU70jSnNqOu/xL4R0aWg3yNMgNHWp0I66i7Dy5PsdXFuApw1Eg8RndfuykLZa4Q/512EPrsIfzYtOmwje43wh4h+1u7KQvm5bk601wh9NlijXYQ+uwh/HqLrZkTXh+h4PDQP8lQ/PvAlSrT2xl0oRHQ5biOXXYQ+uwh/dhH+7CL82bRI3Ua2XKPvtTfuQvneReizi/BnF+HPLsKfTYu0bYQWsd5PfImIDmtv3IVy2EXos4vwZxfhzy7CH0okbyO7CH+2/D46rr1xF8pxF6HPLsKfXYQ/uwh/KJGyjWxatPZwWShEpK69cReKuovQZxfhzy7Cn12EP0SkGduItmHRzFF3P3r63ZHzTl4YdYqsHg/e/YdF2e7xcFRVrba109gMFp2evGhmjzpFVZLcvJVpl7K8hWaVB1liNVNdJh7VZ4Wd7P4aaa5I866lFEnDRHWksC5eVgtH8VWy8PHGTE5V/rr+QqSocTnm9CpTM+SMmRhVVJcPKbPYv5VFcs7x1F3P1eeikl1sXZHGB0lRLH+eSI75ICk6KZ8nctkOkaQN+cNEWjBRIimU0YpkHY4hmxOgqNIMHRaRJo6giLO+dyM/F1nsvpfqWVAv92Eihe0u3bNE+TgR/FkURfWhUHPMIBsguh6N0yKNs7o/EGkVIEpj+XA8fltJ0GzqDxMdQwBka+2gqQ/p9FYkpaNIiEXuje3OddQfg738rFCTcYmME9sdKXntbY1MBOy802JrotJ6bSUiInLia7y2+aZEbXuyxXbn5vXXGQazDs+6xUWGoql2kXU/DDrOssLWNFmZ65oQufeflwvU6PHDdO8ki/0xu/Rb7RVRvZNJgupW7y3bU+T6JLnej97MPLNUhbPIbJEV9U2y/eknHds5lfhfNMo/sb23oRX5LQXWGUmpGdtz3nxEpOiep7eP+5MFUEZJj+0SCnsCVX/CkrZUQFRvQG+8RkNOzHTi5LL0rW6x8YL0bwolGtdolqir0fQxAyQCNrdsVczFmdFS6fXp+4kSecPMEqntrAYkkklTYI288frkYKI+j+XCYtzRUdCIdMV/7mkWTDNmY6AU6bo5C9QknqwSEpFuzAdJUjZFQiJSoFMWfhIDu0ievDjD5ubquEV6AjVet3krU3B/Hvn8cYdDBJxUSlKVaJqmWvENMiXcImEQKcCYi26W1nZaN9SAXXFkcos0JZpxXLeICDpLDnVSBDkDusAtEhGN72p5J78LcMbn9+nudemgiDSlASLF66cC20NKbZ3qCnAnIfKp9gcxiIjVPj8/8mbVCBY9VsNes42C4YgBrgyUJ06NpkRdCuD8yB418pYIOkl2hyuQ2SOkKOMMO4M76vrBB4sG84Cjjrr5Cooeo4TdLwyGbLsC4IKgD93dHY66lUQye7gQxfqgfdcDhr7JeSOtLoL2dOn4KEdX2E+s0hp24j3RaUERsPnLLBmlYPceaYJVBB0Bja85p8ANn3rXgFX02kEqaSGAeywoGs7zjghYdqYoxyp68USCtMDZfX+wqHomav53fkBcWDSYx4NEBpkuAyLj3oSwSDIVsMM6ETVAp/3V/KG2tP/xRPRccI1IW7Comyr8PupE9052bbW/0yLHpX/1T1wRmQuskULa4oqcd/Z1pjLu6li0zqgDP49m5fmo+2NR3z50zFBYczLsBB6Rxx6y8Q5wRoE7LCaylhM5BnTs7cGdmZP1RZzdygeLXOjW9fg94jYXUnjjbBHRcJ5nImVKBA67fFgkL/HzIE4KRW7vM0/i/kQ0WSPHg75KldHdqc+h7pfZ0jKs/GuDM3hvNSLizSEqoroE1Yia7ELf00kIWS/o09z+EmLA6bC3hMh9TwRskDq51x47e4Zzhc73Qt64wyByPOjmUVT6cZZkcQV+0zxNflX05qgD36tSe3MilcCr1FLEe9sPRDYYjmgwD1wjMl1hm4h0ugF43PETVd6wB3RbKES2Pu+2cr9waHFBWESO+8JtyxrkckFYRDa8dxAAoRHNH3hRNTHkUIlsY9Z3TqR6LzcFokScSsKi4TzPRMYske0VT78XJJkJZ8uTzojV6FdEtmNkE9/diqLUzJTpAtmzalQyF6FvI5ETA9+OpraQwTYhwRvQMYqryX6sNn8vq8AynnqoGuXuCY7N/vMR3R7N47DzePR04J+gjJt4rM7V3SzwzbC8FzYtb2Z1jQtDd3nLDOLmD1E9v90++qfT4Lfh5N+cq/508shXb5st6Ll1cWa2RYu2EUo0p6QfkF2EP7sIf3YR/hCRs3ZXFoqzYdEGR92su1D4Q486yzq1D/L0iS85W67R2l1ZKLsIfzYs4l05+bg8rpxU/lZS3UXbyvZE/wFXu+LXNTDaDQAAAABJRU5ErkJggg=="/>
+          <p:cNvSpPr>
+            <a:spLocks noChangeAspect="1" noChangeArrowheads="1"/>
+          </p:cNvSpPr>
+          <p:nvPr/>
+        </p:nvSpPr>
+        <p:spPr bwMode="auto">
+          <a:xfrm>
+            <a:off x="155575" y="-144463"/>
+            <a:ext cx="304800" cy="304801"/>
+          </a:xfrm>
+          <a:prstGeom prst="rect">
+            <a:avLst/>
+          </a:prstGeom>
+          <a:noFill/>
+          <a:extLst>
+            <a:ext uri="{909E8E84-426E-40DD-AFC4-6F175D3DCCD1}">
+              <a14:hiddenFill xmlns:a14="http://schemas.microsoft.com/office/drawing/2010/main">
+                <a:solidFill>
+                  <a:srgbClr val="FFFFFF"/>
+                </a:solidFill>
+              </a14:hiddenFill>
+            </a:ext>
+          </a:extLst>
+        </p:spPr>
+        <p:txBody>
+          <a:bodyPr vert="horz" wrap="square" lIns="91440" tIns="45720" rIns="91440" bIns="45720" numCol="1" anchor="t" anchorCtr="0" compatLnSpc="1">
+            <a:prstTxWarp prst="textNoShape">
+              <a:avLst/>
+            </a:prstTxWarp>
+          </a:bodyPr>
+          <a:lstStyle/>
+          <a:p>
+            <a:endParaRPr lang="en-US" sz="1200" dirty="0"/>
+          </a:p>
+        </p:txBody>
+      </p:sp>
+      <p:sp>
+        <p:nvSpPr>
+          <p:cNvPr id="2" name="AutoShape 2" descr="Image result for file"/>
+          <p:cNvSpPr>
+            <a:spLocks noChangeAspect="1" noChangeArrowheads="1"/>
+          </p:cNvSpPr>
+          <p:nvPr/>
+        </p:nvSpPr>
+        <p:spPr bwMode="auto">
+          <a:xfrm>
+            <a:off x="307975" y="7937"/>
+            <a:ext cx="304800" cy="304801"/>
+          </a:xfrm>
+          <a:prstGeom prst="rect">
+            <a:avLst/>
+          </a:prstGeom>
+          <a:noFill/>
+          <a:extLst>
+            <a:ext uri="{909E8E84-426E-40DD-AFC4-6F175D3DCCD1}">
+              <a14:hiddenFill xmlns:a14="http://schemas.microsoft.com/office/drawing/2010/main">
+                <a:solidFill>
+                  <a:srgbClr val="FFFFFF"/>
+                </a:solidFill>
+              </a14:hiddenFill>
+            </a:ext>
+          </a:extLst>
+        </p:spPr>
+        <p:txBody>
+          <a:bodyPr vert="horz" wrap="square" lIns="91440" tIns="45720" rIns="91440" bIns="45720" numCol="1" anchor="t" anchorCtr="0" compatLnSpc="1">
+            <a:prstTxWarp prst="textNoShape">
+              <a:avLst/>
+            </a:prstTxWarp>
+          </a:bodyPr>
+          <a:lstStyle/>
+          <a:p>
+            <a:endParaRPr lang="en-US" dirty="0"/>
+          </a:p>
+        </p:txBody>
+      </p:sp>
+      <p:sp>
+        <p:nvSpPr>
+          <p:cNvPr id="6" name="AutoShape 2" descr="Image result for activemq image"/>
+          <p:cNvSpPr>
+            <a:spLocks noChangeAspect="1" noChangeArrowheads="1"/>
+          </p:cNvSpPr>
+          <p:nvPr/>
+        </p:nvSpPr>
+        <p:spPr bwMode="auto">
+          <a:xfrm>
+            <a:off x="460375" y="160337"/>
+            <a:ext cx="304800" cy="304801"/>
+          </a:xfrm>
+          <a:prstGeom prst="rect">
+            <a:avLst/>
+          </a:prstGeom>
+          <a:noFill/>
+          <a:extLst>
+            <a:ext uri="{909E8E84-426E-40DD-AFC4-6F175D3DCCD1}">
+              <a14:hiddenFill xmlns:a14="http://schemas.microsoft.com/office/drawing/2010/main">
+                <a:solidFill>
+                  <a:srgbClr val="FFFFFF"/>
+                </a:solidFill>
+              </a14:hiddenFill>
+            </a:ext>
+          </a:extLst>
+        </p:spPr>
+        <p:txBody>
+          <a:bodyPr vert="horz" wrap="square" lIns="91440" tIns="45720" rIns="91440" bIns="45720" numCol="1" anchor="t" anchorCtr="0" compatLnSpc="1">
+            <a:prstTxWarp prst="textNoShape">
+              <a:avLst/>
+            </a:prstTxWarp>
+          </a:bodyPr>
+          <a:lstStyle/>
+          <a:p>
+            <a:endParaRPr lang="en-US"/>
+          </a:p>
+        </p:txBody>
+      </p:sp>
+      <p:sp>
+        <p:nvSpPr>
+          <p:cNvPr id="9" name="Rectangle 8"/>
+          <p:cNvSpPr/>
+          <p:nvPr/>
+        </p:nvSpPr>
+        <p:spPr>
+          <a:xfrm>
+            <a:off x="3429000" y="35739"/>
+            <a:ext cx="2209800" cy="276999"/>
+          </a:xfrm>
+          <a:prstGeom prst="rect">
+            <a:avLst/>
+          </a:prstGeom>
+        </p:spPr>
+        <p:style>
+          <a:lnRef idx="1">
+            <a:schemeClr val="accent4"/>
+          </a:lnRef>
+          <a:fillRef idx="3">
+            <a:schemeClr val="accent4"/>
+          </a:fillRef>
+          <a:effectRef idx="2">
+            <a:schemeClr val="accent4"/>
+          </a:effectRef>
+          <a:fontRef idx="minor">
+            <a:schemeClr val="lt1"/>
+          </a:fontRef>
+        </p:style>
+        <p:txBody>
+          <a:bodyPr wrap="square">
+            <a:spAutoFit/>
+          </a:bodyPr>
+          <a:lstStyle>
+            <a:defPPr>
+              <a:defRPr lang="en-US"/>
+            </a:defPPr>
+            <a:lvl1pPr marL="0" algn="l" defTabSz="914400" rtl="0" eaLnBrk="1" latinLnBrk="0" hangingPunct="1">
+              <a:defRPr sz="1800" kern="1200">
+                <a:solidFill>
+                  <a:schemeClr val="lt1"/>
+                </a:solidFill>
+                <a:latin typeface="+mn-lt"/>
+                <a:ea typeface="+mn-ea"/>
+                <a:cs typeface="+mn-cs"/>
+              </a:defRPr>
+            </a:lvl1pPr>
+            <a:lvl2pPr marL="457200" algn="l" defTabSz="914400" rtl="0" eaLnBrk="1" latinLnBrk="0" hangingPunct="1">
+              <a:defRPr sz="1800" kern="1200">
+                <a:solidFill>
+                  <a:schemeClr val="lt1"/>
+                </a:solidFill>
+                <a:latin typeface="+mn-lt"/>
+                <a:ea typeface="+mn-ea"/>
+                <a:cs typeface="+mn-cs"/>
+              </a:defRPr>
+            </a:lvl2pPr>
+            <a:lvl3pPr marL="914400" algn="l" defTabSz="914400" rtl="0" eaLnBrk="1" latinLnBrk="0" hangingPunct="1">
+              <a:defRPr sz="1800" kern="1200">
+                <a:solidFill>
+                  <a:schemeClr val="lt1"/>
+                </a:solidFill>
+                <a:latin typeface="+mn-lt"/>
+                <a:ea typeface="+mn-ea"/>
+                <a:cs typeface="+mn-cs"/>
+              </a:defRPr>
+            </a:lvl3pPr>
+            <a:lvl4pPr marL="1371600" algn="l" defTabSz="914400" rtl="0" eaLnBrk="1" latinLnBrk="0" hangingPunct="1">
+              <a:defRPr sz="1800" kern="1200">
+                <a:solidFill>
+                  <a:schemeClr val="lt1"/>
+                </a:solidFill>
+                <a:latin typeface="+mn-lt"/>
+                <a:ea typeface="+mn-ea"/>
+                <a:cs typeface="+mn-cs"/>
+              </a:defRPr>
+            </a:lvl4pPr>
+            <a:lvl5pPr marL="1828800" algn="l" defTabSz="914400" rtl="0" eaLnBrk="1" latinLnBrk="0" hangingPunct="1">
+              <a:defRPr sz="1800" kern="1200">
+                <a:solidFill>
+                  <a:schemeClr val="lt1"/>
+                </a:solidFill>
+                <a:latin typeface="+mn-lt"/>
+                <a:ea typeface="+mn-ea"/>
+                <a:cs typeface="+mn-cs"/>
+              </a:defRPr>
+            </a:lvl5pPr>
+            <a:lvl6pPr marL="2286000" algn="l" defTabSz="914400" rtl="0" eaLnBrk="1" latinLnBrk="0" hangingPunct="1">
+              <a:defRPr sz="1800" kern="1200">
+                <a:solidFill>
+                  <a:schemeClr val="lt1"/>
+                </a:solidFill>
+                <a:latin typeface="+mn-lt"/>
+                <a:ea typeface="+mn-ea"/>
+                <a:cs typeface="+mn-cs"/>
+              </a:defRPr>
+            </a:lvl6pPr>
+            <a:lvl7pPr marL="2743200" algn="l" defTabSz="914400" rtl="0" eaLnBrk="1" latinLnBrk="0" hangingPunct="1">
+              <a:defRPr sz="1800" kern="1200">
+                <a:solidFill>
+                  <a:schemeClr val="lt1"/>
+                </a:solidFill>
+                <a:latin typeface="+mn-lt"/>
+                <a:ea typeface="+mn-ea"/>
+                <a:cs typeface="+mn-cs"/>
+              </a:defRPr>
+            </a:lvl7pPr>
+            <a:lvl8pPr marL="3200400" algn="l" defTabSz="914400" rtl="0" eaLnBrk="1" latinLnBrk="0" hangingPunct="1">
+              <a:defRPr sz="1800" kern="1200">
+                <a:solidFill>
+                  <a:schemeClr val="lt1"/>
+                </a:solidFill>
+                <a:latin typeface="+mn-lt"/>
+                <a:ea typeface="+mn-ea"/>
+                <a:cs typeface="+mn-cs"/>
+              </a:defRPr>
+            </a:lvl8pPr>
+            <a:lvl9pPr marL="3657600" algn="l" defTabSz="914400" rtl="0" eaLnBrk="1" latinLnBrk="0" hangingPunct="1">
+              <a:defRPr sz="1800" kern="1200">
+                <a:solidFill>
+                  <a:schemeClr val="lt1"/>
+                </a:solidFill>
+                <a:latin typeface="+mn-lt"/>
+                <a:ea typeface="+mn-ea"/>
+                <a:cs typeface="+mn-cs"/>
+              </a:defRPr>
+            </a:lvl9pPr>
+          </a:lstStyle>
+          <a:p>
+            <a:pPr algn="ctr"/>
+            <a:r>
+              <a:rPr lang="en-US" sz="1200" dirty="0" smtClean="0"/>
+              <a:t>SpringJMSConsumer Application</a:t>
+            </a:r>
+            <a:endParaRPr lang="en-US" sz="1200" dirty="0"/>
+          </a:p>
+        </p:txBody>
+      </p:sp>
+      <p:pic>
+        <p:nvPicPr>
+          <p:cNvPr id="8194" name="Picture 2"/>
+          <p:cNvPicPr>
+            <a:picLocks noChangeAspect="1" noChangeArrowheads="1"/>
+          </p:cNvPicPr>
+          <p:nvPr/>
+        </p:nvPicPr>
+        <p:blipFill>
+          <a:blip r:embed="rId3">
+            <a:extLst>
+              <a:ext uri="{28A0092B-C50C-407E-A947-70E740481C1C}">
+                <a14:useLocalDpi xmlns:a14="http://schemas.microsoft.com/office/drawing/2010/main" val="0"/>
+              </a:ext>
+            </a:extLst>
+          </a:blip>
+          <a:srcRect/>
+          <a:stretch>
+            <a:fillRect/>
+          </a:stretch>
+        </p:blipFill>
+        <p:spPr bwMode="auto">
+          <a:xfrm>
+            <a:off x="307975" y="465138"/>
+            <a:ext cx="5773737" cy="2752725"/>
+          </a:xfrm>
+          <a:prstGeom prst="rect">
+            <a:avLst/>
+          </a:prstGeom>
+          <a:ln/>
+        </p:spPr>
+        <p:style>
+          <a:lnRef idx="1">
+            <a:schemeClr val="accent4"/>
+          </a:lnRef>
+          <a:fillRef idx="2">
+            <a:schemeClr val="accent4"/>
+          </a:fillRef>
+          <a:effectRef idx="1">
+            <a:schemeClr val="accent4"/>
           </a:effectRef>
           <a:fontRef idx="minor">
             <a:schemeClr val="dk1"/>
@@ -5212,7 +8191,7 @@
     </p:spTree>
     <p:extLst>
       <p:ext uri="{BB962C8B-B14F-4D97-AF65-F5344CB8AC3E}">
-        <p14:creationId xmlns:p14="http://schemas.microsoft.com/office/powerpoint/2010/main" val="902083871"/>
+        <p14:creationId xmlns:p14="http://schemas.microsoft.com/office/powerpoint/2010/main" val="2778150357"/>
       </p:ext>
     </p:extLst>
   </p:cSld>
